--- a/03 - Exploration vs Exploitation/slides.pptx
+++ b/03 - Exploration vs Exploitation/slides.pptx
@@ -5,7 +5,7 @@
     <p:sldMasterId id="2147483659" r:id="rId1"/>
   </p:sldMasterIdLst>
   <p:notesMasterIdLst>
-    <p:notesMasterId r:id="rId29"/>
+    <p:notesMasterId r:id="rId31"/>
   </p:notesMasterIdLst>
   <p:sldIdLst>
     <p:sldId id="256" r:id="rId2"/>
@@ -34,24 +34,26 @@
     <p:sldId id="285" r:id="rId25"/>
     <p:sldId id="286" r:id="rId26"/>
     <p:sldId id="287" r:id="rId27"/>
-    <p:sldId id="290" r:id="rId28"/>
+    <p:sldId id="291" r:id="rId28"/>
+    <p:sldId id="290" r:id="rId29"/>
+    <p:sldId id="292" r:id="rId30"/>
   </p:sldIdLst>
   <p:sldSz cx="9144000" cy="6858000" type="screen4x3"/>
   <p:notesSz cx="6858000" cy="9144000"/>
   <p:embeddedFontLst>
     <p:embeddedFont>
       <p:font typeface="Economica" panose="02000506040000020004" pitchFamily="2" charset="77"/>
-      <p:regular r:id="rId30"/>
-      <p:bold r:id="rId31"/>
-      <p:italic r:id="rId32"/>
-      <p:boldItalic r:id="rId33"/>
+      <p:regular r:id="rId32"/>
+      <p:bold r:id="rId33"/>
+      <p:italic r:id="rId34"/>
+      <p:boldItalic r:id="rId35"/>
     </p:embeddedFont>
     <p:embeddedFont>
       <p:font typeface="Open Sans" panose="020B0606030504020204" pitchFamily="34" charset="0"/>
-      <p:regular r:id="rId34"/>
-      <p:bold r:id="rId35"/>
-      <p:italic r:id="rId36"/>
-      <p:boldItalic r:id="rId37"/>
+      <p:regular r:id="rId36"/>
+      <p:bold r:id="rId37"/>
+      <p:italic r:id="rId38"/>
+      <p:boldItalic r:id="rId39"/>
     </p:embeddedFont>
   </p:embeddedFontLst>
   <p:defaultTextStyle>
@@ -6388,7 +6390,225 @@
     </p:spTree>
     <p:extLst>
       <p:ext uri="{BB962C8B-B14F-4D97-AF65-F5344CB8AC3E}">
+        <p14:creationId xmlns:p14="http://schemas.microsoft.com/office/powerpoint/2010/main" val="1908359397"/>
+      </p:ext>
+    </p:extLst>
+  </p:cSld>
+  <p:clrMapOvr>
+    <a:masterClrMapping/>
+  </p:clrMapOvr>
+</p:notes>
+</file>
+
+<file path=ppt/notesSlides/notesSlide28.xml><?xml version="1.0" encoding="utf-8"?>
+<p:notes xmlns:a="http://schemas.openxmlformats.org/drawingml/2006/main" xmlns:r="http://schemas.openxmlformats.org/officeDocument/2006/relationships" xmlns:p="http://schemas.openxmlformats.org/presentationml/2006/main" showMasterSp="0" showMasterPhAnim="0">
+  <p:cSld>
+    <p:spTree>
+      <p:nvGrpSpPr>
+        <p:cNvPr id="1" name="Shape 79"/>
+        <p:cNvGrpSpPr/>
+        <p:nvPr/>
+      </p:nvGrpSpPr>
+      <p:grpSpPr>
+        <a:xfrm>
+          <a:off x="0" y="0"/>
+          <a:ext cx="0" cy="0"/>
+          <a:chOff x="0" y="0"/>
+          <a:chExt cx="0" cy="0"/>
+        </a:xfrm>
+      </p:grpSpPr>
+      <p:sp>
+        <p:nvSpPr>
+          <p:cNvPr id="80" name="Google Shape;80;geed6aedbf_0_0:notes"/>
+          <p:cNvSpPr>
+            <a:spLocks noGrp="1" noRot="1" noChangeAspect="1"/>
+          </p:cNvSpPr>
+          <p:nvPr>
+            <p:ph type="sldImg" idx="2"/>
+          </p:nvPr>
+        </p:nvSpPr>
+        <p:spPr>
+          <a:xfrm>
+            <a:off x="1143000" y="685800"/>
+            <a:ext cx="4572000" cy="3429000"/>
+          </a:xfrm>
+          <a:custGeom>
+            <a:avLst/>
+            <a:gdLst/>
+            <a:ahLst/>
+            <a:cxnLst/>
+            <a:rect l="l" t="t" r="r" b="b"/>
+            <a:pathLst>
+              <a:path w="120000" h="120000" extrusionOk="0">
+                <a:moveTo>
+                  <a:pt x="0" y="0"/>
+                </a:moveTo>
+                <a:lnTo>
+                  <a:pt x="120000" y="0"/>
+                </a:lnTo>
+                <a:lnTo>
+                  <a:pt x="120000" y="120000"/>
+                </a:lnTo>
+                <a:lnTo>
+                  <a:pt x="0" y="120000"/>
+                </a:lnTo>
+                <a:close/>
+              </a:path>
+            </a:pathLst>
+          </a:custGeom>
+        </p:spPr>
+      </p:sp>
+      <p:sp>
+        <p:nvSpPr>
+          <p:cNvPr id="81" name="Google Shape;81;geed6aedbf_0_0:notes"/>
+          <p:cNvSpPr txBox="1">
+            <a:spLocks noGrp="1"/>
+          </p:cNvSpPr>
+          <p:nvPr>
+            <p:ph type="body" idx="1"/>
+          </p:nvPr>
+        </p:nvSpPr>
+        <p:spPr>
+          <a:xfrm>
+            <a:off x="685800" y="4343400"/>
+            <a:ext cx="5486400" cy="4114800"/>
+          </a:xfrm>
+          <a:prstGeom prst="rect">
+            <a:avLst/>
+          </a:prstGeom>
+        </p:spPr>
+        <p:txBody>
+          <a:bodyPr spcFirstLastPara="1" wrap="square" lIns="91425" tIns="91425" rIns="91425" bIns="91425" anchor="t" anchorCtr="0">
+            <a:noAutofit/>
+          </a:bodyPr>
+          <a:lstStyle/>
+          <a:p>
+            <a:pPr marL="0" lvl="0" indent="0" algn="l" rtl="0">
+              <a:spcBef>
+                <a:spcPts val="0"/>
+              </a:spcBef>
+              <a:spcAft>
+                <a:spcPts val="0"/>
+              </a:spcAft>
+              <a:buNone/>
+            </a:pPr>
+            <a:endParaRPr dirty="0"/>
+          </a:p>
+        </p:txBody>
+      </p:sp>
+    </p:spTree>
+    <p:extLst>
+      <p:ext uri="{BB962C8B-B14F-4D97-AF65-F5344CB8AC3E}">
         <p14:creationId xmlns:p14="http://schemas.microsoft.com/office/powerpoint/2010/main" val="1854983535"/>
+      </p:ext>
+    </p:extLst>
+  </p:cSld>
+  <p:clrMapOvr>
+    <a:masterClrMapping/>
+  </p:clrMapOvr>
+</p:notes>
+</file>
+
+<file path=ppt/notesSlides/notesSlide29.xml><?xml version="1.0" encoding="utf-8"?>
+<p:notes xmlns:a="http://schemas.openxmlformats.org/drawingml/2006/main" xmlns:r="http://schemas.openxmlformats.org/officeDocument/2006/relationships" xmlns:p="http://schemas.openxmlformats.org/presentationml/2006/main" showMasterSp="0" showMasterPhAnim="0">
+  <p:cSld>
+    <p:spTree>
+      <p:nvGrpSpPr>
+        <p:cNvPr id="1" name="Shape 79"/>
+        <p:cNvGrpSpPr/>
+        <p:nvPr/>
+      </p:nvGrpSpPr>
+      <p:grpSpPr>
+        <a:xfrm>
+          <a:off x="0" y="0"/>
+          <a:ext cx="0" cy="0"/>
+          <a:chOff x="0" y="0"/>
+          <a:chExt cx="0" cy="0"/>
+        </a:xfrm>
+      </p:grpSpPr>
+      <p:sp>
+        <p:nvSpPr>
+          <p:cNvPr id="80" name="Google Shape;80;geed6aedbf_0_0:notes"/>
+          <p:cNvSpPr>
+            <a:spLocks noGrp="1" noRot="1" noChangeAspect="1"/>
+          </p:cNvSpPr>
+          <p:nvPr>
+            <p:ph type="sldImg" idx="2"/>
+          </p:nvPr>
+        </p:nvSpPr>
+        <p:spPr>
+          <a:xfrm>
+            <a:off x="1143000" y="685800"/>
+            <a:ext cx="4572000" cy="3429000"/>
+          </a:xfrm>
+          <a:custGeom>
+            <a:avLst/>
+            <a:gdLst/>
+            <a:ahLst/>
+            <a:cxnLst/>
+            <a:rect l="l" t="t" r="r" b="b"/>
+            <a:pathLst>
+              <a:path w="120000" h="120000" extrusionOk="0">
+                <a:moveTo>
+                  <a:pt x="0" y="0"/>
+                </a:moveTo>
+                <a:lnTo>
+                  <a:pt x="120000" y="0"/>
+                </a:lnTo>
+                <a:lnTo>
+                  <a:pt x="120000" y="120000"/>
+                </a:lnTo>
+                <a:lnTo>
+                  <a:pt x="0" y="120000"/>
+                </a:lnTo>
+                <a:close/>
+              </a:path>
+            </a:pathLst>
+          </a:custGeom>
+        </p:spPr>
+      </p:sp>
+      <p:sp>
+        <p:nvSpPr>
+          <p:cNvPr id="81" name="Google Shape;81;geed6aedbf_0_0:notes"/>
+          <p:cNvSpPr txBox="1">
+            <a:spLocks noGrp="1"/>
+          </p:cNvSpPr>
+          <p:nvPr>
+            <p:ph type="body" idx="1"/>
+          </p:nvPr>
+        </p:nvSpPr>
+        <p:spPr>
+          <a:xfrm>
+            <a:off x="685800" y="4343400"/>
+            <a:ext cx="5486400" cy="4114800"/>
+          </a:xfrm>
+          <a:prstGeom prst="rect">
+            <a:avLst/>
+          </a:prstGeom>
+        </p:spPr>
+        <p:txBody>
+          <a:bodyPr spcFirstLastPara="1" wrap="square" lIns="91425" tIns="91425" rIns="91425" bIns="91425" anchor="t" anchorCtr="0">
+            <a:noAutofit/>
+          </a:bodyPr>
+          <a:lstStyle/>
+          <a:p>
+            <a:pPr marL="0" lvl="0" indent="0" algn="l" rtl="0">
+              <a:spcBef>
+                <a:spcPts val="0"/>
+              </a:spcBef>
+              <a:spcAft>
+                <a:spcPts val="0"/>
+              </a:spcAft>
+              <a:buNone/>
+            </a:pPr>
+            <a:endParaRPr dirty="0"/>
+          </a:p>
+        </p:txBody>
+      </p:sp>
+    </p:spTree>
+    <p:extLst>
+      <p:ext uri="{BB962C8B-B14F-4D97-AF65-F5344CB8AC3E}">
+        <p14:creationId xmlns:p14="http://schemas.microsoft.com/office/powerpoint/2010/main" val="1682291512"/>
       </p:ext>
     </p:extLst>
   </p:cSld>
@@ -12664,7 +12884,7 @@
           <a:p>
             <a:r>
               <a:rPr lang="en-GB" dirty="0"/>
-              <a:t>A result in stochastic approximation theory gives us the conditions required to assure convergence</a:t>
+              <a:t>A result in stochastic approximation theory gives us the conditions required to assure convergence:</a:t>
             </a:r>
           </a:p>
           <a:p>
@@ -12683,14 +12903,30 @@
             <a:pPr lvl="1"/>
             <a:r>
               <a:rPr lang="en-GB" dirty="0"/>
-              <a:t>steps should large enough to eventually overcome any initial conditions or random fluctuations</a:t>
+              <a:t>steps should </a:t>
+            </a:r>
+            <a:r>
+              <a:rPr lang="en-GB" b="1" dirty="0"/>
+              <a:t>large enough</a:t>
+            </a:r>
+            <a:r>
+              <a:rPr lang="en-GB" dirty="0"/>
+              <a:t> to overcome any initial conditions or random fluctuations</a:t>
             </a:r>
           </a:p>
           <a:p>
             <a:pPr lvl="1"/>
             <a:r>
               <a:rPr lang="en-GB" dirty="0"/>
-              <a:t>steps should become small enough to assure convergence</a:t>
+              <a:t>steps should </a:t>
+            </a:r>
+            <a:r>
+              <a:rPr lang="en-GB" b="1" dirty="0"/>
+              <a:t>become small enough</a:t>
+            </a:r>
+            <a:r>
+              <a:rPr lang="en-GB" dirty="0"/>
+              <a:t> to assure convergence</a:t>
             </a:r>
           </a:p>
           <a:p>
@@ -12716,14 +12952,26 @@
             <a:pPr lvl="1"/>
             <a:r>
               <a:rPr lang="en-GB" dirty="0"/>
-              <a:t>the estimates never converge, but continue to vary in response to the most recently received rewards</a:t>
+              <a:t>the estimates never converge, but </a:t>
+            </a:r>
+            <a:r>
+              <a:rPr lang="en-GB" b="1" dirty="0"/>
+              <a:t>continue to vary</a:t>
+            </a:r>
+            <a:r>
+              <a:rPr lang="en-GB" dirty="0"/>
+              <a:t> in response to the most recently received rewards</a:t>
             </a:r>
           </a:p>
           <a:p>
             <a:pPr lvl="1"/>
             <a:r>
               <a:rPr lang="en-GB" dirty="0"/>
-              <a:t>this is desirable in a nonstationary environment</a:t>
+              <a:t>this is </a:t>
+            </a:r>
+            <a:r>
+              <a:rPr lang="en-GB" b="1" dirty="0"/>
+              <a:t>desirable in a nonstationary environment</a:t>
             </a:r>
           </a:p>
           <a:p>
@@ -12775,7 +13023,7 @@
         </p:blipFill>
         <p:spPr>
           <a:xfrm>
-            <a:off x="695614" y="2286577"/>
+            <a:off x="837128" y="2297463"/>
             <a:ext cx="4178300" cy="927100"/>
           </a:xfrm>
           <a:prstGeom prst="rect">
@@ -13135,7 +13383,7 @@
         </p:nvSpPr>
         <p:spPr>
           <a:xfrm>
-            <a:off x="162750" y="1212537"/>
+            <a:off x="162750" y="1375822"/>
             <a:ext cx="8818500" cy="5224230"/>
           </a:xfrm>
           <a:prstGeom prst="rect">
@@ -13220,17 +13468,32 @@
             <a:endParaRPr lang="en-GB" dirty="0"/>
           </a:p>
           <a:p>
-            <a:r>
-              <a:rPr lang="en-GB" dirty="0"/>
-              <a:t>See “notebook – epsilon-</a:t>
-            </a:r>
-            <a:r>
-              <a:rPr lang="en-GB" dirty="0" err="1"/>
+            <a:endParaRPr lang="en-GB" dirty="0"/>
+          </a:p>
+          <a:p>
+            <a:r>
+              <a:rPr lang="en-GB" b="1" dirty="0">
+                <a:highlight>
+                  <a:srgbClr val="FFFF00"/>
+                </a:highlight>
+              </a:rPr>
+              <a:t>See “epsilon-</a:t>
+            </a:r>
+            <a:r>
+              <a:rPr lang="en-GB" b="1" dirty="0" err="1">
+                <a:highlight>
+                  <a:srgbClr val="FFFF00"/>
+                </a:highlight>
+              </a:rPr>
               <a:t>greedy.ipynb</a:t>
             </a:r>
             <a:r>
-              <a:rPr lang="en-GB" dirty="0"/>
-              <a:t>”</a:t>
+              <a:rPr lang="en-GB" b="1" dirty="0">
+                <a:highlight>
+                  <a:srgbClr val="FFFF00"/>
+                </a:highlight>
+              </a:rPr>
+              <a:t>” notebook</a:t>
             </a:r>
           </a:p>
           <a:p>
@@ -13274,7 +13537,7 @@
         </p:blipFill>
         <p:spPr bwMode="auto">
           <a:xfrm>
-            <a:off x="914397" y="3429000"/>
+            <a:off x="859968" y="3701143"/>
             <a:ext cx="5773872" cy="1139170"/>
           </a:xfrm>
           <a:prstGeom prst="rect">
@@ -13358,10 +13621,10 @@
       </p:sp>
       <p:pic>
         <p:nvPicPr>
-          <p:cNvPr id="5" name="Immagine 4">
+          <p:cNvPr id="3" name="Immagine 2">
             <a:extLst>
               <a:ext uri="{FF2B5EF4-FFF2-40B4-BE49-F238E27FC236}">
-                <a16:creationId xmlns:a16="http://schemas.microsoft.com/office/drawing/2014/main" id="{781ED832-CDBE-C58F-B016-C82F787B6DD9}"/>
+                <a16:creationId xmlns:a16="http://schemas.microsoft.com/office/drawing/2014/main" id="{8F5E7324-77AD-3055-2BA9-B0EE50A01F0D}"/>
               </a:ext>
             </a:extLst>
           </p:cNvPr>
@@ -13378,8 +13641,8 @@
         </p:blipFill>
         <p:spPr>
           <a:xfrm>
-            <a:off x="0" y="1376242"/>
-            <a:ext cx="8726931" cy="4789031"/>
+            <a:off x="0" y="1141705"/>
+            <a:ext cx="8937366" cy="5393034"/>
           </a:xfrm>
           <a:prstGeom prst="rect">
             <a:avLst/>
@@ -13508,14 +13771,14 @@
             <a:pPr lvl="1"/>
             <a:r>
               <a:rPr lang="en-GB" dirty="0"/>
-              <a:t>the  𝜖=0.1 explored more, and usually found the optimal action earlier, but it never selected that action more than 91% of the time (it explores 10% of the time)</a:t>
+              <a:t>𝜖=0.1 explores more and usually found the optimal action earlier, but it never selected that action more than 91% of the time (it explores 10% of the time)</a:t>
             </a:r>
           </a:p>
           <a:p>
             <a:pPr lvl="1"/>
             <a:r>
               <a:rPr lang="en-GB" dirty="0"/>
-              <a:t>the  𝜖=0.01  method improved slowly (it explores less), but eventually perform better in the long run (it explore only 1% of time)</a:t>
+              <a:t>𝜖=0.01 improves slowly (it explores less), but eventually perform better in the long run (it explore only 1% of time)</a:t>
             </a:r>
           </a:p>
           <a:p>
@@ -13717,16 +13980,28 @@
           </a:p>
           <a:p>
             <a:r>
-              <a:rPr lang="en-GB" dirty="0"/>
-              <a:t>See “notebook – decay-epsilon-</a:t>
-            </a:r>
-            <a:r>
-              <a:rPr lang="en-GB" dirty="0" err="1"/>
+              <a:rPr lang="en-GB" b="1" dirty="0">
+                <a:highlight>
+                  <a:srgbClr val="FFFF00"/>
+                </a:highlight>
+              </a:rPr>
+              <a:t>See “decay-epsilon-</a:t>
+            </a:r>
+            <a:r>
+              <a:rPr lang="en-GB" b="1" dirty="0" err="1">
+                <a:highlight>
+                  <a:srgbClr val="FFFF00"/>
+                </a:highlight>
+              </a:rPr>
               <a:t>greedy.ipynb</a:t>
             </a:r>
             <a:r>
-              <a:rPr lang="en-GB" dirty="0"/>
-              <a:t>”</a:t>
+              <a:rPr lang="en-GB" b="1" dirty="0">
+                <a:highlight>
+                  <a:srgbClr val="FFFF00"/>
+                </a:highlight>
+              </a:rPr>
+              <a:t>” notebook</a:t>
             </a:r>
           </a:p>
           <a:p>
@@ -13800,10 +14075,10 @@
       </p:sp>
       <p:pic>
         <p:nvPicPr>
-          <p:cNvPr id="4" name="Immagine 3">
+          <p:cNvPr id="3" name="Immagine 2">
             <a:extLst>
               <a:ext uri="{FF2B5EF4-FFF2-40B4-BE49-F238E27FC236}">
-                <a16:creationId xmlns:a16="http://schemas.microsoft.com/office/drawing/2014/main" id="{DCE8A95A-9D26-DBBA-1F5F-4A5B3BEF1BC1}"/>
+                <a16:creationId xmlns:a16="http://schemas.microsoft.com/office/drawing/2014/main" id="{9E6689FB-481C-EAA6-DFE6-2C6A256F2C27}"/>
               </a:ext>
             </a:extLst>
           </p:cNvPr>
@@ -13820,8 +14095,8 @@
         </p:blipFill>
         <p:spPr>
           <a:xfrm>
-            <a:off x="0" y="1821080"/>
-            <a:ext cx="8860370" cy="4136375"/>
+            <a:off x="141513" y="1140807"/>
+            <a:ext cx="8768587" cy="5390621"/>
           </a:xfrm>
           <a:prstGeom prst="rect">
             <a:avLst/>
@@ -13995,16 +14270,28 @@
           </a:p>
           <a:p>
             <a:r>
-              <a:rPr lang="en-GB" dirty="0"/>
-              <a:t>See “notebook - optimistic-initial-</a:t>
-            </a:r>
-            <a:r>
-              <a:rPr lang="en-GB" dirty="0" err="1"/>
+              <a:rPr lang="en-GB" b="1" dirty="0">
+                <a:highlight>
+                  <a:srgbClr val="FFFF00"/>
+                </a:highlight>
+              </a:rPr>
+              <a:t>See “optimistic-initial-</a:t>
+            </a:r>
+            <a:r>
+              <a:rPr lang="en-GB" b="1" dirty="0" err="1">
+                <a:highlight>
+                  <a:srgbClr val="FFFF00"/>
+                </a:highlight>
+              </a:rPr>
               <a:t>value.ipynb</a:t>
             </a:r>
             <a:r>
-              <a:rPr lang="en-GB" dirty="0"/>
-              <a:t>”</a:t>
+              <a:rPr lang="en-GB" b="1" dirty="0">
+                <a:highlight>
+                  <a:srgbClr val="FFFF00"/>
+                </a:highlight>
+              </a:rPr>
+              <a:t>” notebook</a:t>
             </a:r>
           </a:p>
           <a:p>
@@ -14086,10 +14373,10 @@
       </p:sp>
       <p:pic>
         <p:nvPicPr>
-          <p:cNvPr id="5" name="Immagine 4">
+          <p:cNvPr id="3" name="Immagine 2" descr="Immagine che contiene testo, Diagramma, linea, schermata&#10;&#10;Descrizione generata automaticamente">
             <a:extLst>
               <a:ext uri="{FF2B5EF4-FFF2-40B4-BE49-F238E27FC236}">
-                <a16:creationId xmlns:a16="http://schemas.microsoft.com/office/drawing/2014/main" id="{AEBA6BCB-F792-2CDD-79AB-E318A51E538E}"/>
+                <a16:creationId xmlns:a16="http://schemas.microsoft.com/office/drawing/2014/main" id="{C8E4BFAA-7466-0109-8BED-B8B642C1DCCE}"/>
               </a:ext>
             </a:extLst>
           </p:cNvPr>
@@ -14106,8 +14393,8 @@
         </p:blipFill>
         <p:spPr>
           <a:xfrm>
-            <a:off x="112500" y="1890718"/>
-            <a:ext cx="8918999" cy="4136012"/>
+            <a:off x="199483" y="1301131"/>
+            <a:ext cx="8565586" cy="5232280"/>
           </a:xfrm>
           <a:prstGeom prst="rect">
             <a:avLst/>
@@ -14198,8 +14485,8 @@
         </p:nvSpPr>
         <p:spPr>
           <a:xfrm>
-            <a:off x="311700" y="1234697"/>
-            <a:ext cx="8520600" cy="5202070"/>
+            <a:off x="311700" y="1699646"/>
+            <a:ext cx="8520600" cy="3833249"/>
           </a:xfrm>
           <a:prstGeom prst="rect">
             <a:avLst/>
@@ -14287,10 +14574,16 @@
           <a:p>
             <a:pPr lvl="0"/>
             <a:r>
-              <a:rPr lang="en-GB" sz="1800"/>
+              <a:rPr lang="en-GB" sz="1800" dirty="0"/>
+              <a:t>Comparison</a:t>
+            </a:r>
+          </a:p>
+          <a:p>
+            <a:pPr lvl="0"/>
+            <a:r>
+              <a:rPr lang="en-GB" sz="1800" dirty="0"/>
               <a:t>Conclusion</a:t>
             </a:r>
-            <a:endParaRPr lang="en-GB" sz="1800" dirty="0"/>
           </a:p>
           <a:p>
             <a:pPr lvl="0"/>
@@ -14407,7 +14700,7 @@
             <a:pPr lvl="1"/>
             <a:r>
               <a:rPr lang="en-GB" dirty="0"/>
-              <a:t>this results in large values being received on the initial draws and consequently very good initial play. </a:t>
+              <a:t>this results in large values being received on the initial draws and consequently very good initial play</a:t>
             </a:r>
           </a:p>
           <a:p>
@@ -14538,7 +14831,7 @@
             <a:pPr lvl="1"/>
             <a:r>
               <a:rPr lang="en-GB" dirty="0"/>
-              <a:t>imprecision is the source of our randomness</a:t>
+              <a:t>imprecision is the source of randomness</a:t>
             </a:r>
           </a:p>
           <a:p>
@@ -14743,8 +15036,8 @@
         </p:nvSpPr>
         <p:spPr>
           <a:xfrm>
-            <a:off x="162750" y="1212537"/>
-            <a:ext cx="8818500" cy="5224230"/>
+            <a:off x="162750" y="1043733"/>
+            <a:ext cx="8818500" cy="5547235"/>
           </a:xfrm>
           <a:prstGeom prst="rect">
             <a:avLst/>
@@ -14759,7 +15052,7 @@
             <a:pPr lvl="0"/>
             <a:r>
               <a:rPr lang="en-GB" dirty="0"/>
-              <a:t>We can sample actions from a probability distribution over the values</a:t>
+              <a:t>We can sample actions from a probability distribution over the estimates</a:t>
             </a:r>
           </a:p>
           <a:p>
@@ -14777,7 +15070,7 @@
             </a:r>
             <a:r>
               <a:rPr lang="en-GB" b="1" dirty="0"/>
-              <a:t>proportional to its current value </a:t>
+              <a:t>proportional to its current </a:t>
             </a:r>
             <a:r>
               <a:rPr lang="en-GB" dirty="0"/>
@@ -14788,7 +15081,15 @@
             <a:pPr lvl="1"/>
             <a:r>
               <a:rPr lang="en-GB" dirty="0"/>
-              <a:t>difference between value estimates create a tendency to select actions with the highest estimates more often, and actions with the lowest estimates less frequently</a:t>
+              <a:t>difference between estimates create a </a:t>
+            </a:r>
+            <a:r>
+              <a:rPr lang="en-GB" b="1" dirty="0"/>
+              <a:t>tendency to select actions with the highest estimates more often</a:t>
+            </a:r>
+            <a:r>
+              <a:rPr lang="en-GB" dirty="0"/>
+              <a:t>, and actions with the lowest estimates less frequently</a:t>
             </a:r>
           </a:p>
           <a:p>
@@ -14804,6 +15105,12 @@
             <a:br>
               <a:rPr lang="en-GB" dirty="0"/>
             </a:br>
+            <a:endParaRPr lang="en-GB" dirty="0"/>
+          </a:p>
+          <a:p>
+            <a:pPr marL="120650" indent="0">
+              <a:buNone/>
+            </a:pPr>
             <a:br>
               <a:rPr lang="en-GB" dirty="0"/>
             </a:br>
@@ -14858,16 +15165,28 @@
           </a:p>
           <a:p>
             <a:r>
-              <a:rPr lang="en-GB" dirty="0"/>
-              <a:t>See the “notebook – </a:t>
-            </a:r>
-            <a:r>
-              <a:rPr lang="en-GB" dirty="0" err="1"/>
+              <a:rPr lang="en-GB" b="1" dirty="0">
+                <a:highlight>
+                  <a:srgbClr val="FFFF00"/>
+                </a:highlight>
+              </a:rPr>
+              <a:t>See the “</a:t>
+            </a:r>
+            <a:r>
+              <a:rPr lang="en-GB" b="1" dirty="0" err="1">
+                <a:highlight>
+                  <a:srgbClr val="FFFF00"/>
+                </a:highlight>
+              </a:rPr>
               <a:t>softmax.ipynb</a:t>
             </a:r>
             <a:r>
-              <a:rPr lang="en-GB" dirty="0"/>
-              <a:t>”</a:t>
+              <a:rPr lang="en-GB" b="1" dirty="0">
+                <a:highlight>
+                  <a:srgbClr val="FFFF00"/>
+                </a:highlight>
+              </a:rPr>
+              <a:t>” notebook</a:t>
             </a:r>
           </a:p>
           <a:p>
@@ -14886,10 +15205,10 @@
       </p:sp>
       <p:pic>
         <p:nvPicPr>
-          <p:cNvPr id="3" name="Immagine 2">
+          <p:cNvPr id="6" name="Immagine 5" descr="Immagine che contiene Carattere, bianco, diagramma, design&#10;&#10;Descrizione generata automaticamente">
             <a:extLst>
               <a:ext uri="{FF2B5EF4-FFF2-40B4-BE49-F238E27FC236}">
-                <a16:creationId xmlns:a16="http://schemas.microsoft.com/office/drawing/2014/main" id="{6B57FC70-4F71-0F39-0146-4AD539C9AB42}"/>
+                <a16:creationId xmlns:a16="http://schemas.microsoft.com/office/drawing/2014/main" id="{3F92F947-AC4E-6317-BDAD-D5C1526B7145}"/>
               </a:ext>
             </a:extLst>
           </p:cNvPr>
@@ -14906,8 +15225,8 @@
         </p:blipFill>
         <p:spPr>
           <a:xfrm>
-            <a:off x="651163" y="3235034"/>
-            <a:ext cx="1939637" cy="1258455"/>
+            <a:off x="665428" y="3195618"/>
+            <a:ext cx="1894915" cy="1258455"/>
           </a:xfrm>
           <a:prstGeom prst="rect">
             <a:avLst/>
@@ -14984,10 +15303,10 @@
       </p:sp>
       <p:pic>
         <p:nvPicPr>
-          <p:cNvPr id="2" name="Immagine 1">
+          <p:cNvPr id="4" name="Immagine 3" descr="Immagine che contiene testo, schermata&#10;&#10;Descrizione generata automaticamente">
             <a:extLst>
               <a:ext uri="{FF2B5EF4-FFF2-40B4-BE49-F238E27FC236}">
-                <a16:creationId xmlns:a16="http://schemas.microsoft.com/office/drawing/2014/main" id="{00EDC015-A4D0-0244-200F-509C6B5C7881}"/>
+                <a16:creationId xmlns:a16="http://schemas.microsoft.com/office/drawing/2014/main" id="{E798E2BB-FE6C-BCE4-2B99-18E2A0D4E24B}"/>
               </a:ext>
             </a:extLst>
           </p:cNvPr>
@@ -15004,8 +15323,8 @@
         </p:blipFill>
         <p:spPr>
           <a:xfrm>
-            <a:off x="162750" y="1812411"/>
-            <a:ext cx="8650963" cy="4024481"/>
+            <a:off x="155522" y="1173917"/>
+            <a:ext cx="8525067" cy="5144437"/>
           </a:xfrm>
           <a:prstGeom prst="rect">
             <a:avLst/>
@@ -15192,14 +15511,6 @@
             </a:r>
           </a:p>
           <a:p>
-            <a:pPr lvl="0"/>
-            <a:endParaRPr lang="en-GB" dirty="0"/>
-          </a:p>
-          <a:p>
-            <a:pPr lvl="0"/>
-            <a:endParaRPr lang="en-GB" dirty="0"/>
-          </a:p>
-          <a:p>
             <a:pPr lvl="1"/>
             <a:endParaRPr lang="en-GB" dirty="0"/>
           </a:p>
@@ -15415,26 +15726,38 @@
           </a:p>
           <a:p>
             <a:r>
-              <a:rPr lang="en-GB" dirty="0"/>
-              <a:t>See the “notebook – </a:t>
-            </a:r>
-            <a:r>
-              <a:rPr lang="en-GB" dirty="0" err="1"/>
+              <a:rPr lang="en-GB" b="1" dirty="0">
+                <a:highlight>
+                  <a:srgbClr val="FFFF00"/>
+                </a:highlight>
+              </a:rPr>
+              <a:t>See the “</a:t>
+            </a:r>
+            <a:r>
+              <a:rPr lang="en-GB" b="1" dirty="0" err="1">
+                <a:highlight>
+                  <a:srgbClr val="FFFF00"/>
+                </a:highlight>
+              </a:rPr>
               <a:t>ucb.ipynb</a:t>
             </a:r>
             <a:r>
-              <a:rPr lang="en-GB" dirty="0"/>
-              <a:t>”</a:t>
+              <a:rPr lang="en-GB" b="1" dirty="0">
+                <a:highlight>
+                  <a:srgbClr val="FFFF00"/>
+                </a:highlight>
+              </a:rPr>
+              <a:t>” notebook</a:t>
             </a:r>
           </a:p>
         </p:txBody>
       </p:sp>
       <p:pic>
         <p:nvPicPr>
-          <p:cNvPr id="4" name="Immagine 3">
+          <p:cNvPr id="3" name="Immagine 2" descr="Immagine che contiene Carattere, testo, bianco, linea&#10;&#10;Descrizione generata automaticamente">
             <a:extLst>
               <a:ext uri="{FF2B5EF4-FFF2-40B4-BE49-F238E27FC236}">
-                <a16:creationId xmlns:a16="http://schemas.microsoft.com/office/drawing/2014/main" id="{805B05F2-B6DC-0457-1DFF-EE2EE49ABDAE}"/>
+                <a16:creationId xmlns:a16="http://schemas.microsoft.com/office/drawing/2014/main" id="{A15637CC-4CEF-45E6-E77F-F034C5A17CEF}"/>
               </a:ext>
             </a:extLst>
           </p:cNvPr>
@@ -15451,8 +15774,8 @@
         </p:blipFill>
         <p:spPr>
           <a:xfrm>
-            <a:off x="740641" y="1554019"/>
-            <a:ext cx="4254500" cy="1117600"/>
+            <a:off x="660191" y="1578859"/>
+            <a:ext cx="4034605" cy="1044419"/>
           </a:xfrm>
           <a:prstGeom prst="rect">
             <a:avLst/>
@@ -15525,10 +15848,10 @@
       </p:sp>
       <p:pic>
         <p:nvPicPr>
-          <p:cNvPr id="7" name="Immagine 6">
+          <p:cNvPr id="3" name="Immagine 2" descr="Immagine che contiene schermata, testo, Diagramma, linea&#10;&#10;Descrizione generata automaticamente">
             <a:extLst>
               <a:ext uri="{FF2B5EF4-FFF2-40B4-BE49-F238E27FC236}">
-                <a16:creationId xmlns:a16="http://schemas.microsoft.com/office/drawing/2014/main" id="{6B3A6BC4-C214-8F11-1E63-B93234F328FB}"/>
+                <a16:creationId xmlns:a16="http://schemas.microsoft.com/office/drawing/2014/main" id="{B9827DBF-00DA-E7D7-5F11-46A8C1C50B06}"/>
               </a:ext>
             </a:extLst>
           </p:cNvPr>
@@ -15545,8 +15868,8 @@
         </p:blipFill>
         <p:spPr>
           <a:xfrm>
-            <a:off x="124690" y="1507152"/>
-            <a:ext cx="8869886" cy="4131649"/>
+            <a:off x="196642" y="1335790"/>
+            <a:ext cx="8377374" cy="5100977"/>
           </a:xfrm>
           <a:prstGeom prst="rect">
             <a:avLst/>
@@ -15595,6 +15918,181 @@
         </p:nvSpPr>
         <p:spPr>
           <a:xfrm>
+            <a:off x="311700" y="482701"/>
+            <a:ext cx="8520600" cy="622500"/>
+          </a:xfrm>
+          <a:prstGeom prst="rect">
+            <a:avLst/>
+          </a:prstGeom>
+        </p:spPr>
+        <p:txBody>
+          <a:bodyPr spcFirstLastPara="1" wrap="square" lIns="91425" tIns="91425" rIns="91425" bIns="91425" anchor="b" anchorCtr="0">
+            <a:noAutofit/>
+          </a:bodyPr>
+          <a:lstStyle/>
+          <a:p>
+            <a:pPr lvl="0"/>
+            <a:r>
+              <a:rPr lang="en-GB" sz="4000" dirty="0"/>
+              <a:t>Comparison (1)</a:t>
+            </a:r>
+          </a:p>
+        </p:txBody>
+      </p:sp>
+      <p:sp>
+        <p:nvSpPr>
+          <p:cNvPr id="84" name="Google Shape;84;p14"/>
+          <p:cNvSpPr txBox="1">
+            <a:spLocks noGrp="1"/>
+          </p:cNvSpPr>
+          <p:nvPr>
+            <p:ph type="body" idx="1"/>
+          </p:nvPr>
+        </p:nvSpPr>
+        <p:spPr>
+          <a:xfrm>
+            <a:off x="162750" y="1145082"/>
+            <a:ext cx="8818500" cy="5224230"/>
+          </a:xfrm>
+          <a:prstGeom prst="rect">
+            <a:avLst/>
+          </a:prstGeom>
+        </p:spPr>
+        <p:txBody>
+          <a:bodyPr spcFirstLastPara="1" wrap="square" lIns="91425" tIns="91425" rIns="91425" bIns="91425" anchor="t" anchorCtr="0">
+            <a:noAutofit/>
+          </a:bodyPr>
+          <a:lstStyle/>
+          <a:p>
+            <a:r>
+              <a:rPr lang="en-GB" dirty="0"/>
+              <a:t>We can run simulations for all methods in order to compare their performances.</a:t>
+            </a:r>
+          </a:p>
+          <a:p>
+            <a:r>
+              <a:rPr lang="en-GB" dirty="0"/>
+              <a:t>They all have a parameter!</a:t>
+            </a:r>
+          </a:p>
+          <a:p>
+            <a:pPr lvl="1"/>
+            <a:r>
+              <a:rPr lang="en-GB" dirty="0"/>
+              <a:t>we have to consider their performance as a function of their parameter</a:t>
+            </a:r>
+          </a:p>
+          <a:p>
+            <a:r>
+              <a:rPr lang="en-GB" b="1" dirty="0"/>
+              <a:t>Parameter study</a:t>
+            </a:r>
+          </a:p>
+          <a:p>
+            <a:pPr lvl="1"/>
+            <a:r>
+              <a:rPr lang="en-GB" dirty="0"/>
+              <a:t>summarize a complete learning curve by its average value over the 1000 steps </a:t>
+            </a:r>
+          </a:p>
+          <a:p>
+            <a:pPr lvl="1"/>
+            <a:r>
+              <a:rPr lang="en-GB" dirty="0"/>
+              <a:t>shows the value as a function of the parameter, on a single scale on the x-axis</a:t>
+            </a:r>
+            <a:endParaRPr lang="en-GB" sz="1100" dirty="0"/>
+          </a:p>
+          <a:p>
+            <a:endParaRPr lang="en-GB" b="1" dirty="0">
+              <a:highlight>
+                <a:srgbClr val="FFFF00"/>
+              </a:highlight>
+            </a:endParaRPr>
+          </a:p>
+          <a:p>
+            <a:r>
+              <a:rPr lang="en-GB" b="1" dirty="0">
+                <a:highlight>
+                  <a:srgbClr val="FFFF00"/>
+                </a:highlight>
+              </a:rPr>
+              <a:t>See the “</a:t>
+            </a:r>
+            <a:r>
+              <a:rPr lang="en-GB" b="1" dirty="0" err="1">
+                <a:highlight>
+                  <a:srgbClr val="FFFF00"/>
+                </a:highlight>
+              </a:rPr>
+              <a:t>comparison.ipynb</a:t>
+            </a:r>
+            <a:r>
+              <a:rPr lang="en-GB" b="1" dirty="0">
+                <a:highlight>
+                  <a:srgbClr val="FFFF00"/>
+                </a:highlight>
+              </a:rPr>
+              <a:t>” notebook</a:t>
+            </a:r>
+          </a:p>
+          <a:p>
+            <a:endParaRPr lang="en-GB" b="1" dirty="0">
+              <a:highlight>
+                <a:srgbClr val="FFFF00"/>
+              </a:highlight>
+            </a:endParaRPr>
+          </a:p>
+          <a:p>
+            <a:r>
+              <a:rPr lang="en-GB" dirty="0"/>
+              <a:t>Overall, on this problem, UCB seems to perform best. Note the characteristic **inverted-U shapes** of each algorithm’s performance: all the algorithms perform best at an intermediate value of their parameter, neither too large nor too small. In assessing a method, we should attend not just to how well it does at its best parameter setting, but also to how sensitive it is to its parameter value. All of these algorithms are fairly insensitive, performing well over a range of parameter values varying by about an order of magnitude. </a:t>
+            </a:r>
+          </a:p>
+        </p:txBody>
+      </p:sp>
+    </p:spTree>
+    <p:extLst>
+      <p:ext uri="{BB962C8B-B14F-4D97-AF65-F5344CB8AC3E}">
+        <p14:creationId xmlns:p14="http://schemas.microsoft.com/office/powerpoint/2010/main" val="1014358788"/>
+      </p:ext>
+    </p:extLst>
+  </p:cSld>
+  <p:clrMapOvr>
+    <a:masterClrMapping/>
+  </p:clrMapOvr>
+</p:sld>
+</file>
+
+<file path=ppt/slides/slide28.xml><?xml version="1.0" encoding="utf-8"?>
+<p:sld xmlns:a="http://schemas.openxmlformats.org/drawingml/2006/main" xmlns:r="http://schemas.openxmlformats.org/officeDocument/2006/relationships" xmlns:p="http://schemas.openxmlformats.org/presentationml/2006/main">
+  <p:cSld>
+    <p:spTree>
+      <p:nvGrpSpPr>
+        <p:cNvPr id="1" name="Shape 82"/>
+        <p:cNvGrpSpPr/>
+        <p:nvPr/>
+      </p:nvGrpSpPr>
+      <p:grpSpPr>
+        <a:xfrm>
+          <a:off x="0" y="0"/>
+          <a:ext cx="0" cy="0"/>
+          <a:chOff x="0" y="0"/>
+          <a:chExt cx="0" cy="0"/>
+        </a:xfrm>
+      </p:grpSpPr>
+      <p:sp>
+        <p:nvSpPr>
+          <p:cNvPr id="83" name="Google Shape;83;p14"/>
+          <p:cNvSpPr txBox="1">
+            <a:spLocks noGrp="1"/>
+          </p:cNvSpPr>
+          <p:nvPr>
+            <p:ph type="title" idx="4294967295"/>
+          </p:nvPr>
+        </p:nvSpPr>
+        <p:spPr>
+          <a:xfrm>
             <a:off x="311700" y="421233"/>
             <a:ext cx="8520600" cy="622500"/>
           </a:xfrm>
@@ -15611,7 +16109,7 @@
             <a:pPr lvl="0"/>
             <a:r>
               <a:rPr lang="en-GB" sz="4000" dirty="0"/>
-              <a:t>Conclusion</a:t>
+              <a:t>Comparison (2)</a:t>
             </a:r>
             <a:endParaRPr sz="4000" dirty="0"/>
           </a:p>
@@ -15642,6 +16140,149 @@
           </a:bodyPr>
           <a:lstStyle/>
           <a:p>
+            <a:endParaRPr lang="en-GB" dirty="0"/>
+          </a:p>
+          <a:p>
+            <a:pPr lvl="0"/>
+            <a:endParaRPr lang="en-GB" dirty="0"/>
+          </a:p>
+          <a:p>
+            <a:pPr lvl="0"/>
+            <a:endParaRPr lang="en-GB" dirty="0"/>
+          </a:p>
+          <a:p>
+            <a:pPr lvl="0"/>
+            <a:endParaRPr lang="en-GB" dirty="0"/>
+          </a:p>
+          <a:p>
+            <a:pPr lvl="0"/>
+            <a:endParaRPr lang="en-GB" dirty="0"/>
+          </a:p>
+          <a:p>
+            <a:pPr lvl="1"/>
+            <a:endParaRPr lang="en-GB" dirty="0"/>
+          </a:p>
+        </p:txBody>
+      </p:sp>
+      <p:pic>
+        <p:nvPicPr>
+          <p:cNvPr id="3" name="Immagine 2" descr="Immagine che contiene Diagramma, linea, diagramma, schermata&#10;&#10;Descrizione generata automaticamente">
+            <a:extLst>
+              <a:ext uri="{FF2B5EF4-FFF2-40B4-BE49-F238E27FC236}">
+                <a16:creationId xmlns:a16="http://schemas.microsoft.com/office/drawing/2014/main" id="{C089544C-BA4C-C270-864C-942B999B3FC2}"/>
+              </a:ext>
+            </a:extLst>
+          </p:cNvPr>
+          <p:cNvPicPr>
+            <a:picLocks noChangeAspect="1"/>
+          </p:cNvPicPr>
+          <p:nvPr/>
+        </p:nvPicPr>
+        <p:blipFill>
+          <a:blip r:embed="rId3"/>
+          <a:stretch>
+            <a:fillRect/>
+          </a:stretch>
+        </p:blipFill>
+        <p:spPr>
+          <a:xfrm>
+            <a:off x="259722" y="1154764"/>
+            <a:ext cx="8572578" cy="5224230"/>
+          </a:xfrm>
+          <a:prstGeom prst="rect">
+            <a:avLst/>
+          </a:prstGeom>
+        </p:spPr>
+      </p:pic>
+    </p:spTree>
+    <p:extLst>
+      <p:ext uri="{BB962C8B-B14F-4D97-AF65-F5344CB8AC3E}">
+        <p14:creationId xmlns:p14="http://schemas.microsoft.com/office/powerpoint/2010/main" val="935981685"/>
+      </p:ext>
+    </p:extLst>
+  </p:cSld>
+  <p:clrMapOvr>
+    <a:masterClrMapping/>
+  </p:clrMapOvr>
+</p:sld>
+</file>
+
+<file path=ppt/slides/slide29.xml><?xml version="1.0" encoding="utf-8"?>
+<p:sld xmlns:a="http://schemas.openxmlformats.org/drawingml/2006/main" xmlns:r="http://schemas.openxmlformats.org/officeDocument/2006/relationships" xmlns:p="http://schemas.openxmlformats.org/presentationml/2006/main">
+  <p:cSld>
+    <p:spTree>
+      <p:nvGrpSpPr>
+        <p:cNvPr id="1" name="Shape 82"/>
+        <p:cNvGrpSpPr/>
+        <p:nvPr/>
+      </p:nvGrpSpPr>
+      <p:grpSpPr>
+        <a:xfrm>
+          <a:off x="0" y="0"/>
+          <a:ext cx="0" cy="0"/>
+          <a:chOff x="0" y="0"/>
+          <a:chExt cx="0" cy="0"/>
+        </a:xfrm>
+      </p:grpSpPr>
+      <p:sp>
+        <p:nvSpPr>
+          <p:cNvPr id="83" name="Google Shape;83;p14"/>
+          <p:cNvSpPr txBox="1">
+            <a:spLocks noGrp="1"/>
+          </p:cNvSpPr>
+          <p:nvPr>
+            <p:ph type="title" idx="4294967295"/>
+          </p:nvPr>
+        </p:nvSpPr>
+        <p:spPr>
+          <a:xfrm>
+            <a:off x="311700" y="421233"/>
+            <a:ext cx="8520600" cy="622500"/>
+          </a:xfrm>
+          <a:prstGeom prst="rect">
+            <a:avLst/>
+          </a:prstGeom>
+        </p:spPr>
+        <p:txBody>
+          <a:bodyPr spcFirstLastPara="1" wrap="square" lIns="91425" tIns="91425" rIns="91425" bIns="91425" anchor="b" anchorCtr="0">
+            <a:noAutofit/>
+          </a:bodyPr>
+          <a:lstStyle/>
+          <a:p>
+            <a:pPr lvl="0"/>
+            <a:r>
+              <a:rPr lang="en-GB" sz="4000" dirty="0"/>
+              <a:t>Conclusion</a:t>
+            </a:r>
+            <a:endParaRPr sz="4000" dirty="0"/>
+          </a:p>
+        </p:txBody>
+      </p:sp>
+      <p:sp>
+        <p:nvSpPr>
+          <p:cNvPr id="84" name="Google Shape;84;p14"/>
+          <p:cNvSpPr txBox="1">
+            <a:spLocks noGrp="1"/>
+          </p:cNvSpPr>
+          <p:nvPr>
+            <p:ph type="body" idx="1"/>
+          </p:nvPr>
+        </p:nvSpPr>
+        <p:spPr>
+          <a:xfrm>
+            <a:off x="162750" y="1212537"/>
+            <a:ext cx="8818500" cy="5224230"/>
+          </a:xfrm>
+          <a:prstGeom prst="rect">
+            <a:avLst/>
+          </a:prstGeom>
+        </p:spPr>
+        <p:txBody>
+          <a:bodyPr spcFirstLastPara="1" wrap="square" lIns="91425" tIns="91425" rIns="91425" bIns="91425" anchor="t" anchorCtr="0">
+            <a:noAutofit/>
+          </a:bodyPr>
+          <a:lstStyle/>
+          <a:p>
             <a:pPr lvl="0"/>
             <a:r>
               <a:rPr lang="en-GB" dirty="0"/>
@@ -15660,7 +16301,7 @@
             <a:pPr lvl="1"/>
             <a:r>
               <a:rPr lang="en-GB" dirty="0"/>
-              <a:t>𝜖-greedy methods choose randomly a small fraction of the time</a:t>
+              <a:t>epsilon-greedy methods choose randomly a small fraction of the time</a:t>
             </a:r>
           </a:p>
           <a:p>
@@ -15669,34 +16310,6 @@
               <a:rPr lang="en-GB" dirty="0"/>
               <a:t>UCB methods choose deterministically, but achieve exploration by favouring actions that have so far received fewer samples</a:t>
             </a:r>
-          </a:p>
-          <a:p>
-            <a:pPr lvl="1"/>
-            <a:endParaRPr lang="en-GB" dirty="0"/>
-          </a:p>
-          <a:p>
-            <a:pPr lvl="0"/>
-            <a:r>
-              <a:rPr lang="en-GB" dirty="0"/>
-              <a:t>The epsilon-greedy strategy (and its decaying versions) is still the most popular exploration strategy in use today</a:t>
-            </a:r>
-          </a:p>
-          <a:p>
-            <a:pPr lvl="1"/>
-            <a:r>
-              <a:rPr lang="en-GB" dirty="0"/>
-              <a:t>perhaps because it per forms well</a:t>
-            </a:r>
-          </a:p>
-          <a:p>
-            <a:pPr lvl="1"/>
-            <a:r>
-              <a:rPr lang="en-GB" dirty="0"/>
-              <a:t>perhaps because of its simplicity</a:t>
-            </a:r>
-          </a:p>
-          <a:p>
-            <a:endParaRPr lang="en-GB" dirty="0"/>
           </a:p>
           <a:p>
             <a:pPr lvl="0"/>
@@ -15704,26 +16317,36 @@
           </a:p>
           <a:p>
             <a:pPr lvl="0"/>
-            <a:endParaRPr lang="en-GB" dirty="0"/>
-          </a:p>
-          <a:p>
-            <a:pPr lvl="0"/>
-            <a:endParaRPr lang="en-GB" dirty="0"/>
-          </a:p>
-          <a:p>
-            <a:pPr lvl="0"/>
-            <a:endParaRPr lang="en-GB" dirty="0"/>
+            <a:r>
+              <a:rPr lang="en-GB" dirty="0"/>
+              <a:t>The epsilon-greedy strategy (and its decaying versions) is still the most popular exploration strategy in use today</a:t>
+            </a:r>
           </a:p>
           <a:p>
             <a:pPr lvl="1"/>
-            <a:endParaRPr lang="en-GB" dirty="0"/>
+            <a:r>
+              <a:rPr lang="en-GB" dirty="0"/>
+              <a:t>perhaps because it per forms well</a:t>
+            </a:r>
+          </a:p>
+          <a:p>
+            <a:pPr lvl="1"/>
+            <a:r>
+              <a:rPr lang="en-GB" dirty="0"/>
+              <a:t>perhaps because of its simplicity</a:t>
+            </a:r>
+            <a:endParaRPr lang="en-GB" b="1" dirty="0">
+              <a:highlight>
+                <a:srgbClr val="FFFF00"/>
+              </a:highlight>
+            </a:endParaRPr>
           </a:p>
         </p:txBody>
       </p:sp>
     </p:spTree>
     <p:extLst>
       <p:ext uri="{BB962C8B-B14F-4D97-AF65-F5344CB8AC3E}">
-        <p14:creationId xmlns:p14="http://schemas.microsoft.com/office/powerpoint/2010/main" val="935981685"/>
+        <p14:creationId xmlns:p14="http://schemas.microsoft.com/office/powerpoint/2010/main" val="1633318716"/>
       </p:ext>
     </p:extLst>
   </p:cSld>
@@ -15796,7 +16419,7 @@
         </p:nvSpPr>
         <p:spPr>
           <a:xfrm>
-            <a:off x="162750" y="1212537"/>
+            <a:off x="162750" y="1043733"/>
             <a:ext cx="8818500" cy="5224230"/>
           </a:xfrm>
           <a:prstGeom prst="rect">
@@ -15812,6 +16435,36 @@
             <a:pPr lvl="0"/>
             <a:r>
               <a:rPr lang="en-GB" dirty="0"/>
+              <a:t>For our agent is really important to </a:t>
+            </a:r>
+            <a:r>
+              <a:rPr lang="en-GB" b="1" dirty="0"/>
+              <a:t>explore</a:t>
+            </a:r>
+            <a:r>
+              <a:rPr lang="en-GB" dirty="0"/>
+              <a:t> when interacting with </a:t>
+            </a:r>
+            <a:r>
+              <a:rPr lang="en-GB" b="1" dirty="0"/>
+              <a:t>uncertain environments</a:t>
+            </a:r>
+          </a:p>
+          <a:p>
+            <a:pPr lvl="1"/>
+            <a:r>
+              <a:rPr lang="en-GB" dirty="0"/>
+              <a:t>problems in which the MDP isn’t available for planning</a:t>
+            </a:r>
+          </a:p>
+          <a:p>
+            <a:pPr lvl="1"/>
+            <a:endParaRPr lang="en-GB" sz="900" dirty="0"/>
+          </a:p>
+          <a:p>
+            <a:pPr lvl="0"/>
+            <a:r>
+              <a:rPr lang="en-GB" dirty="0"/>
               <a:t>Every decision we make is a </a:t>
             </a:r>
             <a:r>
@@ -15844,7 +16497,7 @@
           </a:p>
           <a:p>
             <a:pPr lvl="1"/>
-            <a:endParaRPr lang="en-GB" dirty="0"/>
+            <a:endParaRPr lang="en-GB" sz="900" dirty="0"/>
           </a:p>
           <a:p>
             <a:r>
@@ -15883,62 +16536,30 @@
             </a:r>
           </a:p>
           <a:p>
-            <a:pPr lvl="0"/>
-            <a:endParaRPr lang="en-GB" dirty="0"/>
-          </a:p>
-          <a:p>
-            <a:pPr lvl="0"/>
-            <a:r>
-              <a:rPr lang="en-GB" dirty="0"/>
-              <a:t>In Dynamic Programming, we considered </a:t>
-            </a:r>
-          </a:p>
-          <a:p>
             <a:pPr lvl="1"/>
-            <a:r>
-              <a:rPr lang="en-GB" dirty="0"/>
-              <a:t>learning from </a:t>
+            <a:endParaRPr lang="en-GB" sz="1050" dirty="0"/>
+          </a:p>
+          <a:p>
+            <a:r>
+              <a:rPr lang="en-GB" dirty="0"/>
+              <a:t>In order to examine this dilemma, we will consider simplified environments that aren’t sequential, but one-shot: the </a:t>
             </a:r>
             <a:r>
               <a:rPr lang="en-GB" b="1" dirty="0"/>
-              <a:t>sequential feedback</a:t>
-            </a:r>
-          </a:p>
-          <a:p>
-            <a:pPr lvl="1"/>
-            <a:r>
-              <a:rPr lang="en-GB" dirty="0"/>
-              <a:t>how to </a:t>
+              <a:t>multi-armed bandits</a:t>
+            </a:r>
+            <a:r>
+              <a:rPr lang="en-GB" dirty="0"/>
+              <a:t> (</a:t>
             </a:r>
             <a:r>
               <a:rPr lang="en-GB" b="1" dirty="0"/>
-              <a:t>balance immediate and long-term goals</a:t>
-            </a:r>
-          </a:p>
-          <a:p>
-            <a:pPr lvl="0"/>
-            <a:endParaRPr lang="en-GB" dirty="0"/>
-          </a:p>
-          <a:p>
-            <a:pPr lvl="0"/>
-            <a:r>
-              <a:rPr lang="en-GB" dirty="0"/>
-              <a:t>Now we examine the challenges of learning from </a:t>
-            </a:r>
-            <a:r>
-              <a:rPr lang="en-GB" b="1" dirty="0"/>
-              <a:t>evaluative feedback</a:t>
-            </a:r>
-          </a:p>
-          <a:p>
-            <a:pPr marL="590550" lvl="1" indent="0">
-              <a:buNone/>
-            </a:pPr>
-            <a:endParaRPr lang="en-GB" dirty="0"/>
-          </a:p>
-          <a:p>
-            <a:pPr lvl="1"/>
-            <a:endParaRPr lang="en-GB" dirty="0"/>
+              <a:t>MABs</a:t>
+            </a:r>
+            <a:r>
+              <a:rPr lang="en-GB" dirty="0"/>
+              <a:t>).</a:t>
+            </a:r>
           </a:p>
         </p:txBody>
       </p:sp>
@@ -16089,7 +16710,7 @@
           <a:p>
             <a:r>
               <a:rPr lang="en-GB" dirty="0"/>
-              <a:t>The Q-function of action 𝑎 is the expected reward given that 𝑎 is sampled</a:t>
+              <a:t>The Q-function is the expected reward given the sampled action</a:t>
             </a:r>
           </a:p>
           <a:p>
@@ -16134,16 +16755,28 @@
           </a:p>
           <a:p>
             <a:r>
-              <a:rPr lang="en-GB" dirty="0"/>
-              <a:t>See “notebook - multi-armed-</a:t>
-            </a:r>
-            <a:r>
-              <a:rPr lang="en-GB" dirty="0" err="1"/>
+              <a:rPr lang="en-GB" b="1" dirty="0">
+                <a:highlight>
+                  <a:srgbClr val="FFFF00"/>
+                </a:highlight>
+              </a:rPr>
+              <a:t>See “multi-armed-</a:t>
+            </a:r>
+            <a:r>
+              <a:rPr lang="en-GB" b="1" dirty="0" err="1">
+                <a:highlight>
+                  <a:srgbClr val="FFFF00"/>
+                </a:highlight>
+              </a:rPr>
               <a:t>bandit.ipynb</a:t>
             </a:r>
             <a:r>
-              <a:rPr lang="en-GB" dirty="0"/>
-              <a:t>”</a:t>
+              <a:rPr lang="en-GB" b="1" dirty="0">
+                <a:highlight>
+                  <a:srgbClr val="FFFF00"/>
+                </a:highlight>
+              </a:rPr>
+              <a:t>” notebook</a:t>
             </a:r>
           </a:p>
           <a:p>
@@ -16181,7 +16814,7 @@
         </p:blipFill>
         <p:spPr>
           <a:xfrm>
-            <a:off x="673680" y="3990109"/>
+            <a:off x="630137" y="4077195"/>
             <a:ext cx="2221922" cy="290946"/>
           </a:xfrm>
           <a:prstGeom prst="rect">
@@ -16424,7 +17057,15 @@
             <a:pPr lvl="0"/>
             <a:r>
               <a:rPr lang="en-GB" dirty="0"/>
-              <a:t>However, we assume to not know the action values with certainty, although we may have estimates</a:t>
+              <a:t>However, we assume </a:t>
+            </a:r>
+            <a:r>
+              <a:rPr lang="en-GB" b="1" dirty="0"/>
+              <a:t>to not know the action values </a:t>
+            </a:r>
+            <a:r>
+              <a:rPr lang="en-GB" dirty="0"/>
+              <a:t>with certainty, although we may have estimates</a:t>
             </a:r>
           </a:p>
           <a:p>
@@ -16463,7 +17104,7 @@
         </p:blipFill>
         <p:spPr>
           <a:xfrm>
-            <a:off x="667905" y="2192482"/>
+            <a:off x="646133" y="2127167"/>
             <a:ext cx="2044700" cy="533400"/>
           </a:xfrm>
           <a:prstGeom prst="rect">
@@ -16563,7 +17204,7 @@
             <a:pPr lvl="0"/>
             <a:r>
               <a:rPr lang="en-GB" dirty="0"/>
-              <a:t>Notice that the estimation of the Q-function is straightforward</a:t>
+              <a:t>Notice that the estimation of the action-value function is straightforward</a:t>
             </a:r>
           </a:p>
           <a:p>
@@ -16647,10 +17288,10 @@
       </p:sp>
       <p:pic>
         <p:nvPicPr>
-          <p:cNvPr id="3" name="Immagine 2">
+          <p:cNvPr id="4" name="Immagine 3">
             <a:extLst>
               <a:ext uri="{FF2B5EF4-FFF2-40B4-BE49-F238E27FC236}">
-                <a16:creationId xmlns:a16="http://schemas.microsoft.com/office/drawing/2014/main" id="{6574443D-ED89-1628-89F3-485CD4E11780}"/>
+                <a16:creationId xmlns:a16="http://schemas.microsoft.com/office/drawing/2014/main" id="{E92C38B0-EDBF-C0A5-25FD-9A2FDA5D907D}"/>
               </a:ext>
             </a:extLst>
           </p:cNvPr>
@@ -16667,8 +17308,8 @@
         </p:blipFill>
         <p:spPr>
           <a:xfrm>
-            <a:off x="827808" y="3022242"/>
-            <a:ext cx="2389021" cy="1799139"/>
+            <a:off x="654049" y="3088505"/>
+            <a:ext cx="2425778" cy="1472293"/>
           </a:xfrm>
           <a:prstGeom prst="rect">
             <a:avLst/>
@@ -16844,16 +17485,10 @@
             <a:endParaRPr lang="en-GB" dirty="0"/>
           </a:p>
           <a:p>
-            <a:pPr lvl="1"/>
-            <a:endParaRPr lang="en-GB" dirty="0"/>
-          </a:p>
-          <a:p>
-            <a:pPr lvl="1"/>
-            <a:endParaRPr lang="en-GB" dirty="0"/>
-          </a:p>
-          <a:p>
-            <a:pPr lvl="1"/>
-            <a:endParaRPr lang="en-GB" dirty="0"/>
+            <a:pPr marL="590550" lvl="1" indent="0">
+              <a:buNone/>
+            </a:pPr>
+            <a:endParaRPr lang="en-GB" sz="1100" dirty="0"/>
           </a:p>
           <a:p>
             <a:r>
@@ -16911,25 +17546,35 @@
             </a:r>
           </a:p>
           <a:p>
-            <a:pPr lvl="0"/>
-            <a:endParaRPr lang="en-GB" dirty="0"/>
-          </a:p>
-          <a:p>
-            <a:pPr lvl="0"/>
-            <a:endParaRPr lang="en-GB" dirty="0"/>
-          </a:p>
-          <a:p>
             <a:pPr lvl="1"/>
-            <a:endParaRPr lang="en-GB" dirty="0"/>
+            <a:r>
+              <a:rPr lang="en-GB" dirty="0"/>
+              <a:t>"Target−</a:t>
+            </a:r>
+            <a:r>
+              <a:rPr lang="en-GB" dirty="0" err="1"/>
+              <a:t>OldEstimate</a:t>
+            </a:r>
+            <a:r>
+              <a:rPr lang="en-GB" dirty="0"/>
+              <a:t>" is an error in the estimate</a:t>
+            </a:r>
+          </a:p>
+          <a:p>
+            <a:pPr lvl="1"/>
+            <a:r>
+              <a:rPr lang="en-GB" dirty="0"/>
+              <a:t>it is reduced by taking a step toward the "Target"</a:t>
+            </a:r>
           </a:p>
         </p:txBody>
       </p:sp>
       <p:pic>
         <p:nvPicPr>
-          <p:cNvPr id="3" name="Immagine 2">
+          <p:cNvPr id="4" name="Immagine 3">
             <a:extLst>
               <a:ext uri="{FF2B5EF4-FFF2-40B4-BE49-F238E27FC236}">
-                <a16:creationId xmlns:a16="http://schemas.microsoft.com/office/drawing/2014/main" id="{55F1FD09-588E-131B-CA9C-927F117F59F0}"/>
+                <a16:creationId xmlns:a16="http://schemas.microsoft.com/office/drawing/2014/main" id="{41F99557-D32B-F3E7-D185-B0CD81652DE5}"/>
               </a:ext>
             </a:extLst>
           </p:cNvPr>
@@ -16946,98 +17591,8 @@
         </p:blipFill>
         <p:spPr>
           <a:xfrm>
-            <a:off x="376958" y="2944053"/>
-            <a:ext cx="3958937" cy="822074"/>
-          </a:xfrm>
-          <a:prstGeom prst="rect">
-            <a:avLst/>
-          </a:prstGeom>
-        </p:spPr>
-      </p:pic>
-      <p:pic>
-        <p:nvPicPr>
-          <p:cNvPr id="5" name="Immagine 4">
-            <a:extLst>
-              <a:ext uri="{FF2B5EF4-FFF2-40B4-BE49-F238E27FC236}">
-                <a16:creationId xmlns:a16="http://schemas.microsoft.com/office/drawing/2014/main" id="{7B8CE0C1-15A7-D7FA-1F3A-30582C6862F4}"/>
-              </a:ext>
-            </a:extLst>
-          </p:cNvPr>
-          <p:cNvPicPr>
-            <a:picLocks noChangeAspect="1"/>
-          </p:cNvPicPr>
-          <p:nvPr/>
-        </p:nvPicPr>
-        <p:blipFill>
-          <a:blip r:embed="rId4"/>
-          <a:stretch>
-            <a:fillRect/>
-          </a:stretch>
-        </p:blipFill>
-        <p:spPr>
-          <a:xfrm>
-            <a:off x="376958" y="3583849"/>
-            <a:ext cx="5427519" cy="1011732"/>
-          </a:xfrm>
-          <a:prstGeom prst="rect">
-            <a:avLst/>
-          </a:prstGeom>
-        </p:spPr>
-      </p:pic>
-      <p:pic>
-        <p:nvPicPr>
-          <p:cNvPr id="7" name="Immagine 6">
-            <a:extLst>
-              <a:ext uri="{FF2B5EF4-FFF2-40B4-BE49-F238E27FC236}">
-                <a16:creationId xmlns:a16="http://schemas.microsoft.com/office/drawing/2014/main" id="{3A02F721-9422-281D-71CA-9C1CD5458097}"/>
-              </a:ext>
-            </a:extLst>
-          </p:cNvPr>
-          <p:cNvPicPr>
-            <a:picLocks noChangeAspect="1"/>
-          </p:cNvPicPr>
-          <p:nvPr/>
-        </p:nvPicPr>
-        <p:blipFill>
-          <a:blip r:embed="rId5"/>
-          <a:stretch>
-            <a:fillRect/>
-          </a:stretch>
-        </p:blipFill>
-        <p:spPr>
-          <a:xfrm>
-            <a:off x="419675" y="4488290"/>
-            <a:ext cx="4360719" cy="685256"/>
-          </a:xfrm>
-          <a:prstGeom prst="rect">
-            <a:avLst/>
-          </a:prstGeom>
-        </p:spPr>
-      </p:pic>
-      <p:pic>
-        <p:nvPicPr>
-          <p:cNvPr id="9" name="Immagine 8">
-            <a:extLst>
-              <a:ext uri="{FF2B5EF4-FFF2-40B4-BE49-F238E27FC236}">
-                <a16:creationId xmlns:a16="http://schemas.microsoft.com/office/drawing/2014/main" id="{5AE1904A-9A86-FEDC-9DB7-B892EFD196CD}"/>
-              </a:ext>
-            </a:extLst>
-          </p:cNvPr>
-          <p:cNvPicPr>
-            <a:picLocks noChangeAspect="1"/>
-          </p:cNvPicPr>
-          <p:nvPr/>
-        </p:nvPicPr>
-        <p:blipFill>
-          <a:blip r:embed="rId6"/>
-          <a:stretch>
-            <a:fillRect/>
-          </a:stretch>
-        </p:blipFill>
-        <p:spPr>
-          <a:xfrm>
-            <a:off x="4516580" y="4449467"/>
-            <a:ext cx="1908174" cy="685256"/>
+            <a:off x="838200" y="2914106"/>
+            <a:ext cx="7772400" cy="1407434"/>
           </a:xfrm>
           <a:prstGeom prst="rect">
             <a:avLst/>
@@ -17256,8 +17811,8 @@
         </p:blipFill>
         <p:spPr>
           <a:xfrm>
-            <a:off x="701963" y="3067627"/>
-            <a:ext cx="2641600" cy="368300"/>
+            <a:off x="701963" y="3080327"/>
+            <a:ext cx="2041237" cy="284596"/>
           </a:xfrm>
           <a:prstGeom prst="rect">
             <a:avLst/>
@@ -17286,8 +17841,8 @@
         </p:blipFill>
         <p:spPr>
           <a:xfrm>
-            <a:off x="3652981" y="3080327"/>
-            <a:ext cx="1117600" cy="342900"/>
+            <a:off x="2866446" y="3098785"/>
+            <a:ext cx="831933" cy="255252"/>
           </a:xfrm>
           <a:prstGeom prst="rect">
             <a:avLst/>

--- a/03 - Exploration vs Exploitation/slides.pptx
+++ b/03 - Exploration vs Exploitation/slides.pptx
@@ -5,7 +5,7 @@
     <p:sldMasterId id="2147483659" r:id="rId1"/>
   </p:sldMasterIdLst>
   <p:notesMasterIdLst>
-    <p:notesMasterId r:id="rId31"/>
+    <p:notesMasterId r:id="rId32"/>
   </p:notesMasterIdLst>
   <p:sldIdLst>
     <p:sldId id="256" r:id="rId2"/>
@@ -24,36 +24,37 @@
     <p:sldId id="280" r:id="rId15"/>
     <p:sldId id="277" r:id="rId16"/>
     <p:sldId id="288" r:id="rId17"/>
-    <p:sldId id="289" r:id="rId18"/>
-    <p:sldId id="273" r:id="rId19"/>
-    <p:sldId id="274" r:id="rId20"/>
-    <p:sldId id="281" r:id="rId21"/>
-    <p:sldId id="282" r:id="rId22"/>
-    <p:sldId id="283" r:id="rId23"/>
-    <p:sldId id="284" r:id="rId24"/>
-    <p:sldId id="285" r:id="rId25"/>
-    <p:sldId id="286" r:id="rId26"/>
-    <p:sldId id="287" r:id="rId27"/>
-    <p:sldId id="291" r:id="rId28"/>
-    <p:sldId id="290" r:id="rId29"/>
-    <p:sldId id="292" r:id="rId30"/>
+    <p:sldId id="293" r:id="rId18"/>
+    <p:sldId id="289" r:id="rId19"/>
+    <p:sldId id="273" r:id="rId20"/>
+    <p:sldId id="274" r:id="rId21"/>
+    <p:sldId id="281" r:id="rId22"/>
+    <p:sldId id="282" r:id="rId23"/>
+    <p:sldId id="283" r:id="rId24"/>
+    <p:sldId id="284" r:id="rId25"/>
+    <p:sldId id="285" r:id="rId26"/>
+    <p:sldId id="286" r:id="rId27"/>
+    <p:sldId id="287" r:id="rId28"/>
+    <p:sldId id="291" r:id="rId29"/>
+    <p:sldId id="290" r:id="rId30"/>
+    <p:sldId id="292" r:id="rId31"/>
   </p:sldIdLst>
   <p:sldSz cx="9144000" cy="6858000" type="screen4x3"/>
   <p:notesSz cx="6858000" cy="9144000"/>
   <p:embeddedFontLst>
     <p:embeddedFont>
       <p:font typeface="Economica" panose="02000506040000020004" pitchFamily="2" charset="77"/>
-      <p:regular r:id="rId32"/>
-      <p:bold r:id="rId33"/>
-      <p:italic r:id="rId34"/>
-      <p:boldItalic r:id="rId35"/>
+      <p:regular r:id="rId33"/>
+      <p:bold r:id="rId34"/>
+      <p:italic r:id="rId35"/>
+      <p:boldItalic r:id="rId36"/>
     </p:embeddedFont>
     <p:embeddedFont>
       <p:font typeface="Open Sans" panose="020B0606030504020204" pitchFamily="34" charset="0"/>
-      <p:regular r:id="rId36"/>
-      <p:bold r:id="rId37"/>
-      <p:italic r:id="rId38"/>
-      <p:boldItalic r:id="rId39"/>
+      <p:regular r:id="rId37"/>
+      <p:bold r:id="rId38"/>
+      <p:italic r:id="rId39"/>
+      <p:boldItalic r:id="rId40"/>
     </p:embeddedFont>
   </p:embeddedFontLst>
   <p:defaultTextStyle>
@@ -5196,7 +5197,7 @@
     </p:spTree>
     <p:extLst>
       <p:ext uri="{BB962C8B-B14F-4D97-AF65-F5344CB8AC3E}">
-        <p14:creationId xmlns:p14="http://schemas.microsoft.com/office/powerpoint/2010/main" val="3282982545"/>
+        <p14:creationId xmlns:p14="http://schemas.microsoft.com/office/powerpoint/2010/main" val="3920558201"/>
       </p:ext>
     </p:extLst>
   </p:cSld>
@@ -5305,7 +5306,7 @@
     </p:spTree>
     <p:extLst>
       <p:ext uri="{BB962C8B-B14F-4D97-AF65-F5344CB8AC3E}">
-        <p14:creationId xmlns:p14="http://schemas.microsoft.com/office/powerpoint/2010/main" val="3993875207"/>
+        <p14:creationId xmlns:p14="http://schemas.microsoft.com/office/powerpoint/2010/main" val="3282982545"/>
       </p:ext>
     </p:extLst>
   </p:cSld>
@@ -5414,7 +5415,7 @@
     </p:spTree>
     <p:extLst>
       <p:ext uri="{BB962C8B-B14F-4D97-AF65-F5344CB8AC3E}">
-        <p14:creationId xmlns:p14="http://schemas.microsoft.com/office/powerpoint/2010/main" val="3074635309"/>
+        <p14:creationId xmlns:p14="http://schemas.microsoft.com/office/powerpoint/2010/main" val="3993875207"/>
       </p:ext>
     </p:extLst>
   </p:cSld>
@@ -5627,7 +5628,7 @@
     </p:spTree>
     <p:extLst>
       <p:ext uri="{BB962C8B-B14F-4D97-AF65-F5344CB8AC3E}">
-        <p14:creationId xmlns:p14="http://schemas.microsoft.com/office/powerpoint/2010/main" val="175154283"/>
+        <p14:creationId xmlns:p14="http://schemas.microsoft.com/office/powerpoint/2010/main" val="3074635309"/>
       </p:ext>
     </p:extLst>
   </p:cSld>
@@ -5736,7 +5737,7 @@
     </p:spTree>
     <p:extLst>
       <p:ext uri="{BB962C8B-B14F-4D97-AF65-F5344CB8AC3E}">
-        <p14:creationId xmlns:p14="http://schemas.microsoft.com/office/powerpoint/2010/main" val="2480102311"/>
+        <p14:creationId xmlns:p14="http://schemas.microsoft.com/office/powerpoint/2010/main" val="175154283"/>
       </p:ext>
     </p:extLst>
   </p:cSld>
@@ -5845,7 +5846,7 @@
     </p:spTree>
     <p:extLst>
       <p:ext uri="{BB962C8B-B14F-4D97-AF65-F5344CB8AC3E}">
-        <p14:creationId xmlns:p14="http://schemas.microsoft.com/office/powerpoint/2010/main" val="2336865006"/>
+        <p14:creationId xmlns:p14="http://schemas.microsoft.com/office/powerpoint/2010/main" val="2480102311"/>
       </p:ext>
     </p:extLst>
   </p:cSld>
@@ -5954,7 +5955,7 @@
     </p:spTree>
     <p:extLst>
       <p:ext uri="{BB962C8B-B14F-4D97-AF65-F5344CB8AC3E}">
-        <p14:creationId xmlns:p14="http://schemas.microsoft.com/office/powerpoint/2010/main" val="1762573810"/>
+        <p14:creationId xmlns:p14="http://schemas.microsoft.com/office/powerpoint/2010/main" val="2336865006"/>
       </p:ext>
     </p:extLst>
   </p:cSld>
@@ -6063,7 +6064,7 @@
     </p:spTree>
     <p:extLst>
       <p:ext uri="{BB962C8B-B14F-4D97-AF65-F5344CB8AC3E}">
-        <p14:creationId xmlns:p14="http://schemas.microsoft.com/office/powerpoint/2010/main" val="1369256882"/>
+        <p14:creationId xmlns:p14="http://schemas.microsoft.com/office/powerpoint/2010/main" val="1762573810"/>
       </p:ext>
     </p:extLst>
   </p:cSld>
@@ -6172,7 +6173,7 @@
     </p:spTree>
     <p:extLst>
       <p:ext uri="{BB962C8B-B14F-4D97-AF65-F5344CB8AC3E}">
-        <p14:creationId xmlns:p14="http://schemas.microsoft.com/office/powerpoint/2010/main" val="694799437"/>
+        <p14:creationId xmlns:p14="http://schemas.microsoft.com/office/powerpoint/2010/main" val="1369256882"/>
       </p:ext>
     </p:extLst>
   </p:cSld>
@@ -6281,7 +6282,7 @@
     </p:spTree>
     <p:extLst>
       <p:ext uri="{BB962C8B-B14F-4D97-AF65-F5344CB8AC3E}">
-        <p14:creationId xmlns:p14="http://schemas.microsoft.com/office/powerpoint/2010/main" val="21700626"/>
+        <p14:creationId xmlns:p14="http://schemas.microsoft.com/office/powerpoint/2010/main" val="694799437"/>
       </p:ext>
     </p:extLst>
   </p:cSld>
@@ -6390,7 +6391,7 @@
     </p:spTree>
     <p:extLst>
       <p:ext uri="{BB962C8B-B14F-4D97-AF65-F5344CB8AC3E}">
-        <p14:creationId xmlns:p14="http://schemas.microsoft.com/office/powerpoint/2010/main" val="1908359397"/>
+        <p14:creationId xmlns:p14="http://schemas.microsoft.com/office/powerpoint/2010/main" val="21700626"/>
       </p:ext>
     </p:extLst>
   </p:cSld>
@@ -6499,7 +6500,7 @@
     </p:spTree>
     <p:extLst>
       <p:ext uri="{BB962C8B-B14F-4D97-AF65-F5344CB8AC3E}">
-        <p14:creationId xmlns:p14="http://schemas.microsoft.com/office/powerpoint/2010/main" val="1854983535"/>
+        <p14:creationId xmlns:p14="http://schemas.microsoft.com/office/powerpoint/2010/main" val="1908359397"/>
       </p:ext>
     </p:extLst>
   </p:cSld>
@@ -6608,7 +6609,7 @@
     </p:spTree>
     <p:extLst>
       <p:ext uri="{BB962C8B-B14F-4D97-AF65-F5344CB8AC3E}">
-        <p14:creationId xmlns:p14="http://schemas.microsoft.com/office/powerpoint/2010/main" val="1682291512"/>
+        <p14:creationId xmlns:p14="http://schemas.microsoft.com/office/powerpoint/2010/main" val="1854983535"/>
       </p:ext>
     </p:extLst>
   </p:cSld>
@@ -6718,6 +6719,115 @@
     <p:extLst>
       <p:ext uri="{BB962C8B-B14F-4D97-AF65-F5344CB8AC3E}">
         <p14:creationId xmlns:p14="http://schemas.microsoft.com/office/powerpoint/2010/main" val="3153866496"/>
+      </p:ext>
+    </p:extLst>
+  </p:cSld>
+  <p:clrMapOvr>
+    <a:masterClrMapping/>
+  </p:clrMapOvr>
+</p:notes>
+</file>
+
+<file path=ppt/notesSlides/notesSlide30.xml><?xml version="1.0" encoding="utf-8"?>
+<p:notes xmlns:a="http://schemas.openxmlformats.org/drawingml/2006/main" xmlns:r="http://schemas.openxmlformats.org/officeDocument/2006/relationships" xmlns:p="http://schemas.openxmlformats.org/presentationml/2006/main" showMasterSp="0" showMasterPhAnim="0">
+  <p:cSld>
+    <p:spTree>
+      <p:nvGrpSpPr>
+        <p:cNvPr id="1" name="Shape 79"/>
+        <p:cNvGrpSpPr/>
+        <p:nvPr/>
+      </p:nvGrpSpPr>
+      <p:grpSpPr>
+        <a:xfrm>
+          <a:off x="0" y="0"/>
+          <a:ext cx="0" cy="0"/>
+          <a:chOff x="0" y="0"/>
+          <a:chExt cx="0" cy="0"/>
+        </a:xfrm>
+      </p:grpSpPr>
+      <p:sp>
+        <p:nvSpPr>
+          <p:cNvPr id="80" name="Google Shape;80;geed6aedbf_0_0:notes"/>
+          <p:cNvSpPr>
+            <a:spLocks noGrp="1" noRot="1" noChangeAspect="1"/>
+          </p:cNvSpPr>
+          <p:nvPr>
+            <p:ph type="sldImg" idx="2"/>
+          </p:nvPr>
+        </p:nvSpPr>
+        <p:spPr>
+          <a:xfrm>
+            <a:off x="1143000" y="685800"/>
+            <a:ext cx="4572000" cy="3429000"/>
+          </a:xfrm>
+          <a:custGeom>
+            <a:avLst/>
+            <a:gdLst/>
+            <a:ahLst/>
+            <a:cxnLst/>
+            <a:rect l="l" t="t" r="r" b="b"/>
+            <a:pathLst>
+              <a:path w="120000" h="120000" extrusionOk="0">
+                <a:moveTo>
+                  <a:pt x="0" y="0"/>
+                </a:moveTo>
+                <a:lnTo>
+                  <a:pt x="120000" y="0"/>
+                </a:lnTo>
+                <a:lnTo>
+                  <a:pt x="120000" y="120000"/>
+                </a:lnTo>
+                <a:lnTo>
+                  <a:pt x="0" y="120000"/>
+                </a:lnTo>
+                <a:close/>
+              </a:path>
+            </a:pathLst>
+          </a:custGeom>
+        </p:spPr>
+      </p:sp>
+      <p:sp>
+        <p:nvSpPr>
+          <p:cNvPr id="81" name="Google Shape;81;geed6aedbf_0_0:notes"/>
+          <p:cNvSpPr txBox="1">
+            <a:spLocks noGrp="1"/>
+          </p:cNvSpPr>
+          <p:nvPr>
+            <p:ph type="body" idx="1"/>
+          </p:nvPr>
+        </p:nvSpPr>
+        <p:spPr>
+          <a:xfrm>
+            <a:off x="685800" y="4343400"/>
+            <a:ext cx="5486400" cy="4114800"/>
+          </a:xfrm>
+          <a:prstGeom prst="rect">
+            <a:avLst/>
+          </a:prstGeom>
+        </p:spPr>
+        <p:txBody>
+          <a:bodyPr spcFirstLastPara="1" wrap="square" lIns="91425" tIns="91425" rIns="91425" bIns="91425" anchor="t" anchorCtr="0">
+            <a:noAutofit/>
+          </a:bodyPr>
+          <a:lstStyle/>
+          <a:p>
+            <a:pPr marL="0" lvl="0" indent="0" algn="l" rtl="0">
+              <a:spcBef>
+                <a:spcPts val="0"/>
+              </a:spcBef>
+              <a:spcAft>
+                <a:spcPts val="0"/>
+              </a:spcAft>
+              <a:buNone/>
+            </a:pPr>
+            <a:endParaRPr dirty="0"/>
+          </a:p>
+        </p:txBody>
+      </p:sp>
+    </p:spTree>
+    <p:extLst>
+      <p:ext uri="{BB962C8B-B14F-4D97-AF65-F5344CB8AC3E}">
+        <p14:creationId xmlns:p14="http://schemas.microsoft.com/office/powerpoint/2010/main" val="1682291512"/>
       </p:ext>
     </p:extLst>
   </p:cSld>
@@ -12903,7 +13013,7 @@
             <a:pPr lvl="1"/>
             <a:r>
               <a:rPr lang="en-GB" dirty="0"/>
-              <a:t>steps should </a:t>
+              <a:t>steps should be </a:t>
             </a:r>
             <a:r>
               <a:rPr lang="en-GB" b="1" dirty="0"/>
@@ -14075,10 +14185,10 @@
       </p:sp>
       <p:pic>
         <p:nvPicPr>
-          <p:cNvPr id="3" name="Immagine 2">
+          <p:cNvPr id="4" name="Immagine 3" descr="Immagine che contiene schermata, linea, Diagramma, diagramma&#10;&#10;Descrizione generata automaticamente">
             <a:extLst>
               <a:ext uri="{FF2B5EF4-FFF2-40B4-BE49-F238E27FC236}">
-                <a16:creationId xmlns:a16="http://schemas.microsoft.com/office/drawing/2014/main" id="{9E6689FB-481C-EAA6-DFE6-2C6A256F2C27}"/>
+                <a16:creationId xmlns:a16="http://schemas.microsoft.com/office/drawing/2014/main" id="{F28A6F1A-7DDD-954C-920F-566F5706BA1A}"/>
               </a:ext>
             </a:extLst>
           </p:cNvPr>
@@ -14095,8 +14205,8 @@
         </p:blipFill>
         <p:spPr>
           <a:xfrm>
-            <a:off x="141513" y="1140807"/>
-            <a:ext cx="8768587" cy="5390621"/>
+            <a:off x="505097" y="1319934"/>
+            <a:ext cx="7772400" cy="4903019"/>
           </a:xfrm>
           <a:prstGeom prst="rect">
             <a:avLst/>
@@ -14106,7 +14216,7 @@
     </p:spTree>
     <p:extLst>
       <p:ext uri="{BB962C8B-B14F-4D97-AF65-F5344CB8AC3E}">
-        <p14:creationId xmlns:p14="http://schemas.microsoft.com/office/powerpoint/2010/main" val="1840436746"/>
+        <p14:creationId xmlns:p14="http://schemas.microsoft.com/office/powerpoint/2010/main" val="2517338161"/>
       </p:ext>
     </p:extLst>
   </p:cSld>
@@ -14161,156 +14271,46 @@
             <a:pPr lvl="0"/>
             <a:r>
               <a:rPr lang="en-GB" sz="4000" dirty="0"/>
-              <a:t>Optimistic initial values (1)</a:t>
+              <a:t>Decaying epsilon-greedy (3)</a:t>
             </a:r>
             <a:endParaRPr sz="4000" dirty="0"/>
           </a:p>
         </p:txBody>
       </p:sp>
-      <p:sp>
-        <p:nvSpPr>
-          <p:cNvPr id="84" name="Google Shape;84;p14"/>
-          <p:cNvSpPr txBox="1">
-            <a:spLocks noGrp="1"/>
-          </p:cNvSpPr>
-          <p:nvPr>
-            <p:ph type="body" idx="1"/>
-          </p:nvPr>
-        </p:nvSpPr>
+      <p:pic>
+        <p:nvPicPr>
+          <p:cNvPr id="3" name="Immagine 2">
+            <a:extLst>
+              <a:ext uri="{FF2B5EF4-FFF2-40B4-BE49-F238E27FC236}">
+                <a16:creationId xmlns:a16="http://schemas.microsoft.com/office/drawing/2014/main" id="{9E6689FB-481C-EAA6-DFE6-2C6A256F2C27}"/>
+              </a:ext>
+            </a:extLst>
+          </p:cNvPr>
+          <p:cNvPicPr>
+            <a:picLocks noChangeAspect="1"/>
+          </p:cNvPicPr>
+          <p:nvPr/>
+        </p:nvPicPr>
+        <p:blipFill>
+          <a:blip r:embed="rId3"/>
+          <a:stretch>
+            <a:fillRect/>
+          </a:stretch>
+        </p:blipFill>
         <p:spPr>
           <a:xfrm>
-            <a:off x="162750" y="1212537"/>
-            <a:ext cx="8818500" cy="5224230"/>
+            <a:off x="141513" y="1140807"/>
+            <a:ext cx="8768587" cy="5390621"/>
           </a:xfrm>
           <a:prstGeom prst="rect">
             <a:avLst/>
           </a:prstGeom>
         </p:spPr>
-        <p:txBody>
-          <a:bodyPr spcFirstLastPara="1" wrap="square" lIns="91425" tIns="91425" rIns="91425" bIns="91425" anchor="t" anchorCtr="0">
-            <a:noAutofit/>
-          </a:bodyPr>
-          <a:lstStyle/>
-          <a:p>
-            <a:pPr lvl="0"/>
-            <a:r>
-              <a:rPr lang="en-GB" dirty="0"/>
-              <a:t>Initial action values can be used as a simple way to </a:t>
-            </a:r>
-            <a:r>
-              <a:rPr lang="en-GB" b="1" dirty="0"/>
-              <a:t>encourage exploration</a:t>
-            </a:r>
-          </a:p>
-          <a:p>
-            <a:pPr lvl="0"/>
-            <a:endParaRPr lang="en-GB" b="1" dirty="0"/>
-          </a:p>
-          <a:p>
-            <a:pPr lvl="0"/>
-            <a:r>
-              <a:rPr lang="en-GB" dirty="0"/>
-              <a:t>Suppose to set an initial estimate in a </a:t>
-            </a:r>
-            <a:r>
-              <a:rPr lang="en-GB" b="1" dirty="0"/>
-              <a:t>wildly optimistic way</a:t>
-            </a:r>
-          </a:p>
-          <a:p>
-            <a:pPr lvl="1"/>
-            <a:r>
-              <a:rPr lang="en-GB" dirty="0"/>
-              <a:t>whichever actions are initially selected, the reward is less than the starting estimates </a:t>
-            </a:r>
-          </a:p>
-          <a:p>
-            <a:pPr lvl="1"/>
-            <a:r>
-              <a:rPr lang="en-GB" dirty="0"/>
-              <a:t>the learner switches to other actions, being "disappointed" with the rewards it is receiving</a:t>
-            </a:r>
-          </a:p>
-          <a:p>
-            <a:pPr lvl="1"/>
-            <a:r>
-              <a:rPr lang="en-GB" dirty="0"/>
-              <a:t>the result is that all actions are tried several times before the value estimates converge </a:t>
-            </a:r>
-          </a:p>
-          <a:p>
-            <a:pPr marL="120650" indent="0">
-              <a:buNone/>
-            </a:pPr>
-            <a:endParaRPr lang="en-GB" dirty="0"/>
-          </a:p>
-          <a:p>
-            <a:r>
-              <a:rPr lang="en-GB" dirty="0"/>
-              <a:t>It as a simple </a:t>
-            </a:r>
-            <a:r>
-              <a:rPr lang="en-GB" b="1" dirty="0"/>
-              <a:t>trick</a:t>
-            </a:r>
-            <a:r>
-              <a:rPr lang="en-GB" dirty="0"/>
-              <a:t> that can be quite effective on stationary problems, but it is not well suited to non-stationary problems </a:t>
-            </a:r>
-          </a:p>
-          <a:p>
-            <a:pPr lvl="1"/>
-            <a:r>
-              <a:rPr lang="en-GB" dirty="0"/>
-              <a:t>its drive for exploration is inherently temporary</a:t>
-            </a:r>
-          </a:p>
-          <a:p>
-            <a:endParaRPr lang="en-GB" dirty="0"/>
-          </a:p>
-          <a:p>
-            <a:r>
-              <a:rPr lang="en-GB" b="1" dirty="0">
-                <a:highlight>
-                  <a:srgbClr val="FFFF00"/>
-                </a:highlight>
-              </a:rPr>
-              <a:t>See “optimistic-initial-</a:t>
-            </a:r>
-            <a:r>
-              <a:rPr lang="en-GB" b="1" dirty="0" err="1">
-                <a:highlight>
-                  <a:srgbClr val="FFFF00"/>
-                </a:highlight>
-              </a:rPr>
-              <a:t>value.ipynb</a:t>
-            </a:r>
-            <a:r>
-              <a:rPr lang="en-GB" b="1" dirty="0">
-                <a:highlight>
-                  <a:srgbClr val="FFFF00"/>
-                </a:highlight>
-              </a:rPr>
-              <a:t>” notebook</a:t>
-            </a:r>
-          </a:p>
-          <a:p>
-            <a:endParaRPr lang="en-GB" dirty="0"/>
-          </a:p>
-          <a:p>
-            <a:pPr lvl="0"/>
-            <a:endParaRPr lang="en-GB" dirty="0"/>
-          </a:p>
-          <a:p>
-            <a:pPr lvl="1"/>
-            <a:endParaRPr lang="en-GB" dirty="0"/>
-          </a:p>
-        </p:txBody>
-      </p:sp>
+      </p:pic>
     </p:spTree>
     <p:extLst>
       <p:ext uri="{BB962C8B-B14F-4D97-AF65-F5344CB8AC3E}">
-        <p14:creationId xmlns:p14="http://schemas.microsoft.com/office/powerpoint/2010/main" val="2462363972"/>
+        <p14:creationId xmlns:p14="http://schemas.microsoft.com/office/powerpoint/2010/main" val="1840436746"/>
       </p:ext>
     </p:extLst>
   </p:cSld>
@@ -14365,46 +14365,156 @@
             <a:pPr lvl="0"/>
             <a:r>
               <a:rPr lang="en-GB" sz="4000" dirty="0"/>
-              <a:t>Optimistic initial values (2)</a:t>
+              <a:t>Optimistic initial values (1)</a:t>
             </a:r>
             <a:endParaRPr sz="4000" dirty="0"/>
           </a:p>
         </p:txBody>
       </p:sp>
-      <p:pic>
-        <p:nvPicPr>
-          <p:cNvPr id="3" name="Immagine 2" descr="Immagine che contiene testo, Diagramma, linea, schermata&#10;&#10;Descrizione generata automaticamente">
-            <a:extLst>
-              <a:ext uri="{FF2B5EF4-FFF2-40B4-BE49-F238E27FC236}">
-                <a16:creationId xmlns:a16="http://schemas.microsoft.com/office/drawing/2014/main" id="{C8E4BFAA-7466-0109-8BED-B8B642C1DCCE}"/>
-              </a:ext>
-            </a:extLst>
-          </p:cNvPr>
-          <p:cNvPicPr>
-            <a:picLocks noChangeAspect="1"/>
-          </p:cNvPicPr>
-          <p:nvPr/>
-        </p:nvPicPr>
-        <p:blipFill>
-          <a:blip r:embed="rId3"/>
-          <a:stretch>
-            <a:fillRect/>
-          </a:stretch>
-        </p:blipFill>
+      <p:sp>
+        <p:nvSpPr>
+          <p:cNvPr id="84" name="Google Shape;84;p14"/>
+          <p:cNvSpPr txBox="1">
+            <a:spLocks noGrp="1"/>
+          </p:cNvSpPr>
+          <p:nvPr>
+            <p:ph type="body" idx="1"/>
+          </p:nvPr>
+        </p:nvSpPr>
         <p:spPr>
           <a:xfrm>
-            <a:off x="199483" y="1301131"/>
-            <a:ext cx="8565586" cy="5232280"/>
+            <a:off x="162750" y="1212537"/>
+            <a:ext cx="8818500" cy="5224230"/>
           </a:xfrm>
           <a:prstGeom prst="rect">
             <a:avLst/>
           </a:prstGeom>
         </p:spPr>
-      </p:pic>
+        <p:txBody>
+          <a:bodyPr spcFirstLastPara="1" wrap="square" lIns="91425" tIns="91425" rIns="91425" bIns="91425" anchor="t" anchorCtr="0">
+            <a:noAutofit/>
+          </a:bodyPr>
+          <a:lstStyle/>
+          <a:p>
+            <a:pPr lvl="0"/>
+            <a:r>
+              <a:rPr lang="en-GB" dirty="0"/>
+              <a:t>Initial action values can be used as a simple way to </a:t>
+            </a:r>
+            <a:r>
+              <a:rPr lang="en-GB" b="1" dirty="0"/>
+              <a:t>encourage exploration</a:t>
+            </a:r>
+          </a:p>
+          <a:p>
+            <a:pPr lvl="0"/>
+            <a:endParaRPr lang="en-GB" b="1" dirty="0"/>
+          </a:p>
+          <a:p>
+            <a:pPr lvl="0"/>
+            <a:r>
+              <a:rPr lang="en-GB" dirty="0"/>
+              <a:t>Suppose to set an initial estimate in a </a:t>
+            </a:r>
+            <a:r>
+              <a:rPr lang="en-GB" b="1" dirty="0"/>
+              <a:t>really optimistic way</a:t>
+            </a:r>
+          </a:p>
+          <a:p>
+            <a:pPr lvl="1"/>
+            <a:r>
+              <a:rPr lang="en-GB" dirty="0"/>
+              <a:t>whichever actions are initially selected, the reward is less than the starting estimates </a:t>
+            </a:r>
+          </a:p>
+          <a:p>
+            <a:pPr lvl="1"/>
+            <a:r>
+              <a:rPr lang="en-GB" dirty="0"/>
+              <a:t>the learner switches to other actions, being "disappointed" with the rewards it is receiving</a:t>
+            </a:r>
+          </a:p>
+          <a:p>
+            <a:pPr lvl="1"/>
+            <a:r>
+              <a:rPr lang="en-GB" dirty="0"/>
+              <a:t>the result is that all actions are tried several times before the value estimates converge </a:t>
+            </a:r>
+          </a:p>
+          <a:p>
+            <a:pPr marL="120650" indent="0">
+              <a:buNone/>
+            </a:pPr>
+            <a:endParaRPr lang="en-GB" dirty="0"/>
+          </a:p>
+          <a:p>
+            <a:r>
+              <a:rPr lang="en-GB" dirty="0"/>
+              <a:t>It as a simple </a:t>
+            </a:r>
+            <a:r>
+              <a:rPr lang="en-GB" b="1" dirty="0"/>
+              <a:t>trick</a:t>
+            </a:r>
+            <a:r>
+              <a:rPr lang="en-GB" dirty="0"/>
+              <a:t> that can be quite effective on stationary problems, but it is not well suited to non-stationary problems </a:t>
+            </a:r>
+          </a:p>
+          <a:p>
+            <a:pPr lvl="1"/>
+            <a:r>
+              <a:rPr lang="en-GB" dirty="0"/>
+              <a:t>its drive for exploration is inherently temporary</a:t>
+            </a:r>
+          </a:p>
+          <a:p>
+            <a:endParaRPr lang="en-GB" dirty="0"/>
+          </a:p>
+          <a:p>
+            <a:r>
+              <a:rPr lang="en-GB" b="1" dirty="0">
+                <a:highlight>
+                  <a:srgbClr val="FFFF00"/>
+                </a:highlight>
+              </a:rPr>
+              <a:t>See “optimistic-initial-</a:t>
+            </a:r>
+            <a:r>
+              <a:rPr lang="en-GB" b="1" dirty="0" err="1">
+                <a:highlight>
+                  <a:srgbClr val="FFFF00"/>
+                </a:highlight>
+              </a:rPr>
+              <a:t>value.ipynb</a:t>
+            </a:r>
+            <a:r>
+              <a:rPr lang="en-GB" b="1" dirty="0">
+                <a:highlight>
+                  <a:srgbClr val="FFFF00"/>
+                </a:highlight>
+              </a:rPr>
+              <a:t>” notebook</a:t>
+            </a:r>
+          </a:p>
+          <a:p>
+            <a:endParaRPr lang="en-GB" dirty="0"/>
+          </a:p>
+          <a:p>
+            <a:pPr lvl="0"/>
+            <a:endParaRPr lang="en-GB" dirty="0"/>
+          </a:p>
+          <a:p>
+            <a:pPr lvl="1"/>
+            <a:endParaRPr lang="en-GB" dirty="0"/>
+          </a:p>
+        </p:txBody>
+      </p:sp>
     </p:spTree>
     <p:extLst>
       <p:ext uri="{BB962C8B-B14F-4D97-AF65-F5344CB8AC3E}">
-        <p14:creationId xmlns:p14="http://schemas.microsoft.com/office/powerpoint/2010/main" val="3574382410"/>
+        <p14:creationId xmlns:p14="http://schemas.microsoft.com/office/powerpoint/2010/main" val="2462363972"/>
       </p:ext>
     </p:extLst>
   </p:cSld>
@@ -14644,94 +14754,46 @@
             <a:pPr lvl="0"/>
             <a:r>
               <a:rPr lang="en-GB" sz="4000" dirty="0"/>
-              <a:t>Optimistic initial values (3)</a:t>
+              <a:t>Optimistic initial values (2)</a:t>
             </a:r>
             <a:endParaRPr sz="4000" dirty="0"/>
           </a:p>
         </p:txBody>
       </p:sp>
-      <p:sp>
-        <p:nvSpPr>
-          <p:cNvPr id="84" name="Google Shape;84;p14"/>
-          <p:cNvSpPr txBox="1">
-            <a:spLocks noGrp="1"/>
-          </p:cNvSpPr>
-          <p:nvPr>
-            <p:ph type="body" idx="1"/>
-          </p:nvPr>
-        </p:nvSpPr>
+      <p:pic>
+        <p:nvPicPr>
+          <p:cNvPr id="4" name="Immagine 3" descr="Immagine che contiene testo, Diagramma, linea, schermata&#10;&#10;Descrizione generata automaticamente">
+            <a:extLst>
+              <a:ext uri="{FF2B5EF4-FFF2-40B4-BE49-F238E27FC236}">
+                <a16:creationId xmlns:a16="http://schemas.microsoft.com/office/drawing/2014/main" id="{D0310EB5-CBEC-2DC8-B5C7-BE4B9A1F4B65}"/>
+              </a:ext>
+            </a:extLst>
+          </p:cNvPr>
+          <p:cNvPicPr>
+            <a:picLocks noChangeAspect="1"/>
+          </p:cNvPicPr>
+          <p:nvPr/>
+        </p:nvPicPr>
+        <p:blipFill>
+          <a:blip r:embed="rId3"/>
+          <a:stretch>
+            <a:fillRect/>
+          </a:stretch>
+        </p:blipFill>
         <p:spPr>
           <a:xfrm>
-            <a:off x="162750" y="1212537"/>
-            <a:ext cx="8818500" cy="5224230"/>
+            <a:off x="126532" y="1217515"/>
+            <a:ext cx="8890936" cy="5219252"/>
           </a:xfrm>
           <a:prstGeom prst="rect">
             <a:avLst/>
           </a:prstGeom>
         </p:spPr>
-        <p:txBody>
-          <a:bodyPr spcFirstLastPara="1" wrap="square" lIns="91425" tIns="91425" rIns="91425" bIns="91425" anchor="t" anchorCtr="0">
-            <a:noAutofit/>
-          </a:bodyPr>
-          <a:lstStyle/>
-          <a:p>
-            <a:r>
-              <a:rPr lang="en-GB" dirty="0"/>
-              <a:t>Initially the optimistic method performs worse because it explores more</a:t>
-            </a:r>
-          </a:p>
-          <a:p>
-            <a:endParaRPr lang="en-GB" dirty="0"/>
-          </a:p>
-          <a:p>
-            <a:r>
-              <a:rPr lang="en-GB" dirty="0"/>
-              <a:t>In the early part of the curve we can see oscillations and spikes</a:t>
-            </a:r>
-          </a:p>
-          <a:p>
-            <a:pPr lvl="1"/>
-            <a:r>
-              <a:rPr lang="en-GB" dirty="0"/>
-              <a:t>if the initial action selected is by chance ones of the better choices, then the estimate will be magnified resulting in an emphasis to continue playing this action</a:t>
-            </a:r>
-          </a:p>
-          <a:p>
-            <a:pPr lvl="1"/>
-            <a:r>
-              <a:rPr lang="en-GB" dirty="0"/>
-              <a:t>this results in large values being received on the initial draws and consequently very good initial play</a:t>
-            </a:r>
-          </a:p>
-          <a:p>
-            <a:pPr lvl="1"/>
-            <a:r>
-              <a:rPr lang="en-GB" dirty="0"/>
-              <a:t>if the algorithm initially selects poor actions then initially it will perform poorly resulting in very poor initial play</a:t>
-            </a:r>
-          </a:p>
-          <a:p>
-            <a:pPr lvl="0"/>
-            <a:endParaRPr lang="en-GB" dirty="0"/>
-          </a:p>
-          <a:p>
-            <a:pPr lvl="0"/>
-            <a:endParaRPr lang="en-GB" dirty="0"/>
-          </a:p>
-          <a:p>
-            <a:pPr lvl="0"/>
-            <a:endParaRPr lang="en-GB" dirty="0"/>
-          </a:p>
-          <a:p>
-            <a:pPr lvl="1"/>
-            <a:endParaRPr lang="en-GB" dirty="0"/>
-          </a:p>
-        </p:txBody>
-      </p:sp>
+      </p:pic>
     </p:spTree>
     <p:extLst>
       <p:ext uri="{BB962C8B-B14F-4D97-AF65-F5344CB8AC3E}">
-        <p14:creationId xmlns:p14="http://schemas.microsoft.com/office/powerpoint/2010/main" val="3024686074"/>
+        <p14:creationId xmlns:p14="http://schemas.microsoft.com/office/powerpoint/2010/main" val="3574382410"/>
       </p:ext>
     </p:extLst>
   </p:cSld>
@@ -14786,7 +14848,7 @@
             <a:pPr lvl="0"/>
             <a:r>
               <a:rPr lang="en-GB" sz="4000" dirty="0"/>
-              <a:t>Strategic Exploration</a:t>
+              <a:t>Optimistic initial values (3)</a:t>
             </a:r>
             <a:endParaRPr sz="4000" dirty="0"/>
           </a:p>
@@ -14817,125 +14879,39 @@
           </a:bodyPr>
           <a:lstStyle/>
           <a:p>
-            <a:pPr lvl="0"/>
-            <a:r>
-              <a:rPr lang="en-GB" dirty="0"/>
-              <a:t>While humans explore, they </a:t>
-            </a:r>
-            <a:r>
-              <a:rPr lang="en-GB" b="1" dirty="0"/>
-              <a:t>don’t explore randomly</a:t>
+            <a:r>
+              <a:rPr lang="en-GB" dirty="0"/>
+              <a:t>Initially the optimistic method performs worse because it explores more</a:t>
+            </a:r>
+          </a:p>
+          <a:p>
+            <a:endParaRPr lang="en-GB" dirty="0"/>
+          </a:p>
+          <a:p>
+            <a:r>
+              <a:rPr lang="en-GB" dirty="0"/>
+              <a:t>In the early part of the curve we can see oscillations and spikes</a:t>
             </a:r>
           </a:p>
           <a:p>
             <a:pPr lvl="1"/>
             <a:r>
               <a:rPr lang="en-GB" dirty="0"/>
-              <a:t>imprecision is the source of randomness</a:t>
-            </a:r>
-          </a:p>
-          <a:p>
-            <a:r>
-              <a:rPr lang="en-GB" dirty="0"/>
-              <a:t>A more strategic way of exploring</a:t>
+              <a:t>if the initial action selected is by chance ones of the better choices, then the estimate will be magnified resulting in an emphasis to continue playing this action</a:t>
             </a:r>
           </a:p>
           <a:p>
             <a:pPr lvl="1"/>
             <a:r>
               <a:rPr lang="en-GB" dirty="0"/>
-              <a:t>we know that we’re sacrificing short-term for long-term satisfaction</a:t>
+              <a:t>this results in large values being received on the initial draws and consequently very good initial play</a:t>
             </a:r>
           </a:p>
           <a:p>
             <a:pPr lvl="1"/>
             <a:r>
               <a:rPr lang="en-GB" dirty="0"/>
-              <a:t>we know we want to acquire information </a:t>
-            </a:r>
-          </a:p>
-          <a:p>
-            <a:pPr lvl="1"/>
-            <a:r>
-              <a:rPr lang="en-GB" dirty="0"/>
-              <a:t>we explore by trying things we haven’t sufficiently tried but </a:t>
-            </a:r>
-            <a:r>
-              <a:rPr lang="en-GB" b="1" dirty="0"/>
-              <a:t>have the potential </a:t>
-            </a:r>
-            <a:r>
-              <a:rPr lang="en-GB" dirty="0"/>
-              <a:t>to get better results </a:t>
-            </a:r>
-          </a:p>
-          <a:p>
-            <a:r>
-              <a:rPr lang="en-GB" dirty="0"/>
-              <a:t>Human exploration strategies are a </a:t>
-            </a:r>
-            <a:r>
-              <a:rPr lang="en-GB" b="1" dirty="0"/>
-              <a:t>combination of estimates and their uncertainty</a:t>
-            </a:r>
-            <a:endParaRPr lang="en-GB" dirty="0"/>
-          </a:p>
-          <a:p>
-            <a:pPr lvl="1"/>
-            <a:r>
-              <a:rPr lang="en-GB" dirty="0"/>
-              <a:t>we might prefer a dish that we’re likely to enjoy, and we haven’t tried, over a dish that we like okay, but we get every weekend</a:t>
-            </a:r>
-          </a:p>
-          <a:p>
-            <a:r>
-              <a:rPr lang="en-GB" dirty="0"/>
-              <a:t>The </a:t>
-            </a:r>
-            <a:r>
-              <a:rPr lang="en-GB" b="1" dirty="0"/>
-              <a:t>prediction error</a:t>
-            </a:r>
-            <a:r>
-              <a:rPr lang="en-GB" dirty="0"/>
-              <a:t> and </a:t>
-            </a:r>
-            <a:r>
-              <a:rPr lang="en-GB" b="1" dirty="0"/>
-              <a:t>curiosity</a:t>
-            </a:r>
-            <a:r>
-              <a:rPr lang="en-GB" dirty="0"/>
-              <a:t> could be our metric for exploration</a:t>
-            </a:r>
-          </a:p>
-          <a:p>
-            <a:pPr lvl="0"/>
-            <a:endParaRPr lang="en-GB" dirty="0"/>
-          </a:p>
-          <a:p>
-            <a:pPr lvl="0"/>
-            <a:r>
-              <a:rPr lang="en-GB" dirty="0"/>
-              <a:t>We can consider </a:t>
-            </a:r>
-            <a:r>
-              <a:rPr lang="en-GB" b="1" dirty="0"/>
-              <a:t>more advanced exploration strategies </a:t>
-            </a:r>
-          </a:p>
-          <a:p>
-            <a:pPr lvl="1"/>
-            <a:r>
-              <a:rPr lang="en-GB" dirty="0"/>
-              <a:t>apply randomness in proportion to the current estimates of the actions </a:t>
-            </a:r>
-          </a:p>
-          <a:p>
-            <a:pPr lvl="1"/>
-            <a:r>
-              <a:rPr lang="en-GB" dirty="0"/>
-              <a:t>take into account the confidence and uncertainty levels of the estimates</a:t>
+              <a:t>if the algorithm initially selects poor actions then initially it will perform poorly resulting in very poor initial play</a:t>
             </a:r>
           </a:p>
           <a:p>
@@ -14959,7 +14935,7 @@
     </p:spTree>
     <p:extLst>
       <p:ext uri="{BB962C8B-B14F-4D97-AF65-F5344CB8AC3E}">
-        <p14:creationId xmlns:p14="http://schemas.microsoft.com/office/powerpoint/2010/main" val="2542778883"/>
+        <p14:creationId xmlns:p14="http://schemas.microsoft.com/office/powerpoint/2010/main" val="3024686074"/>
       </p:ext>
     </p:extLst>
   </p:cSld>
@@ -15013,12 +14989,8 @@
           <a:p>
             <a:pPr lvl="0"/>
             <a:r>
-              <a:rPr lang="en-GB" sz="4000" dirty="0" err="1"/>
-              <a:t>Softmax</a:t>
-            </a:r>
-            <a:r>
               <a:rPr lang="en-GB" sz="4000" dirty="0"/>
-              <a:t> method (1)</a:t>
+              <a:t>Strategic Exploration</a:t>
             </a:r>
             <a:endParaRPr sz="4000" dirty="0"/>
           </a:p>
@@ -15036,8 +15008,8 @@
         </p:nvSpPr>
         <p:spPr>
           <a:xfrm>
-            <a:off x="162750" y="1043733"/>
-            <a:ext cx="8818500" cy="5547235"/>
+            <a:off x="162750" y="1212537"/>
+            <a:ext cx="8818500" cy="5224230"/>
           </a:xfrm>
           <a:prstGeom prst="rect">
             <a:avLst/>
@@ -15052,141 +15024,93 @@
             <a:pPr lvl="0"/>
             <a:r>
               <a:rPr lang="en-GB" dirty="0"/>
-              <a:t>We can sample actions from a probability distribution over the estimates</a:t>
+              <a:t>While humans explore, they </a:t>
+            </a:r>
+            <a:r>
+              <a:rPr lang="en-GB" b="1" dirty="0"/>
+              <a:t>don’t explore randomly</a:t>
             </a:r>
           </a:p>
           <a:p>
             <a:pPr lvl="1"/>
             <a:r>
               <a:rPr lang="en-GB" dirty="0"/>
-              <a:t>if there is an action that has a really low estimate, we’re less likely to try it</a:t>
+              <a:t>imprecision is the source of randomness</a:t>
+            </a:r>
+          </a:p>
+          <a:p>
+            <a:r>
+              <a:rPr lang="en-GB" dirty="0"/>
+              <a:t>A more strategic way of exploring</a:t>
             </a:r>
           </a:p>
           <a:p>
             <a:pPr lvl="1"/>
             <a:r>
               <a:rPr lang="en-GB" dirty="0"/>
-              <a:t>the probability of selecting an action is </a:t>
+              <a:t>we know that we’re sacrificing short-term for long-term satisfaction</a:t>
+            </a:r>
+          </a:p>
+          <a:p>
+            <a:pPr lvl="1"/>
+            <a:r>
+              <a:rPr lang="en-GB" dirty="0"/>
+              <a:t>we know we want to acquire information </a:t>
+            </a:r>
+          </a:p>
+          <a:p>
+            <a:pPr lvl="1"/>
+            <a:r>
+              <a:rPr lang="en-GB" dirty="0"/>
+              <a:t>we explore by trying things we haven’t sufficiently tried but </a:t>
             </a:r>
             <a:r>
               <a:rPr lang="en-GB" b="1" dirty="0"/>
-              <a:t>proportional to its current </a:t>
-            </a:r>
-            <a:r>
-              <a:rPr lang="en-GB" dirty="0"/>
-              <a:t>estimate</a:t>
-            </a:r>
+              <a:t>have the potential </a:t>
+            </a:r>
+            <a:r>
+              <a:rPr lang="en-GB" dirty="0"/>
+              <a:t>to get better results </a:t>
+            </a:r>
+          </a:p>
+          <a:p>
+            <a:r>
+              <a:rPr lang="en-GB" dirty="0"/>
+              <a:t>Human exploration strategies are a </a:t>
+            </a:r>
+            <a:r>
+              <a:rPr lang="en-GB" b="1" dirty="0"/>
+              <a:t>combination of estimates and their uncertainty</a:t>
+            </a:r>
+            <a:endParaRPr lang="en-GB" dirty="0"/>
           </a:p>
           <a:p>
             <a:pPr lvl="1"/>
             <a:r>
               <a:rPr lang="en-GB" dirty="0"/>
-              <a:t>difference between estimates create a </a:t>
+              <a:t>we might prefer a dish that we’re likely to enjoy, and we haven’t tried, over a dish that we like okay, but we get every weekend</a:t>
+            </a:r>
+          </a:p>
+          <a:p>
+            <a:r>
+              <a:rPr lang="en-GB" dirty="0"/>
+              <a:t>The </a:t>
             </a:r>
             <a:r>
               <a:rPr lang="en-GB" b="1" dirty="0"/>
-              <a:t>tendency to select actions with the highest estimates more often</a:t>
-            </a:r>
-            <a:r>
-              <a:rPr lang="en-GB" dirty="0"/>
-              <a:t>, and actions with the lowest estimates less frequently</a:t>
-            </a:r>
-          </a:p>
-          <a:p>
-            <a:r>
-              <a:rPr lang="en-GB" dirty="0"/>
-              <a:t>Suppose to have B possible actions, then the probability to select action a is:</a:t>
-            </a:r>
-          </a:p>
-          <a:p>
-            <a:pPr marL="120650" indent="0">
-              <a:buNone/>
-            </a:pPr>
-            <a:br>
-              <a:rPr lang="en-GB" dirty="0"/>
-            </a:br>
-            <a:endParaRPr lang="en-GB" dirty="0"/>
-          </a:p>
-          <a:p>
-            <a:pPr marL="120650" indent="0">
-              <a:buNone/>
-            </a:pPr>
-            <a:br>
-              <a:rPr lang="en-GB" dirty="0"/>
-            </a:br>
-            <a:br>
-              <a:rPr lang="en-GB" dirty="0"/>
-            </a:br>
-            <a:endParaRPr lang="en-GB" dirty="0"/>
-          </a:p>
-          <a:p>
-            <a:pPr lvl="0"/>
-            <a:r>
-              <a:rPr lang="en-GB" dirty="0"/>
-              <a:t>The </a:t>
+              <a:t>prediction error</a:t>
+            </a:r>
+            <a:r>
+              <a:rPr lang="en-GB" dirty="0"/>
+              <a:t> and </a:t>
             </a:r>
             <a:r>
               <a:rPr lang="en-GB" b="1" dirty="0"/>
-              <a:t>temperature</a:t>
-            </a:r>
-            <a:r>
-              <a:rPr lang="en-GB" dirty="0"/>
-              <a:t> hyperparameter </a:t>
-            </a:r>
-            <a:r>
-              <a:rPr lang="en-GB" b="1" dirty="0"/>
-              <a:t>controls the sensitivity </a:t>
-            </a:r>
-            <a:r>
-              <a:rPr lang="en-GB" dirty="0"/>
-              <a:t>to the differences</a:t>
-            </a:r>
-          </a:p>
-          <a:p>
-            <a:pPr lvl="1"/>
-            <a:r>
-              <a:rPr lang="en-GB" dirty="0"/>
-              <a:t>as it approaches infinity, the preferences over the values are equal</a:t>
-            </a:r>
-          </a:p>
-          <a:p>
-            <a:pPr lvl="1"/>
-            <a:r>
-              <a:rPr lang="en-GB" dirty="0"/>
-              <a:t>as temperature value approaches zero, the action with the highest estimated will be sampled with probability of one</a:t>
-            </a:r>
-          </a:p>
-          <a:p>
-            <a:pPr lvl="1"/>
-            <a:r>
-              <a:rPr lang="en-GB" dirty="0"/>
-              <a:t>we can decay temperature (linearly, exponentially)</a:t>
-            </a:r>
-          </a:p>
-          <a:p>
-            <a:r>
-              <a:rPr lang="en-GB" b="1" dirty="0">
-                <a:highlight>
-                  <a:srgbClr val="FFFF00"/>
-                </a:highlight>
-              </a:rPr>
-              <a:t>See the “</a:t>
-            </a:r>
-            <a:r>
-              <a:rPr lang="en-GB" b="1" dirty="0" err="1">
-                <a:highlight>
-                  <a:srgbClr val="FFFF00"/>
-                </a:highlight>
-              </a:rPr>
-              <a:t>softmax.ipynb</a:t>
-            </a:r>
-            <a:r>
-              <a:rPr lang="en-GB" b="1" dirty="0">
-                <a:highlight>
-                  <a:srgbClr val="FFFF00"/>
-                </a:highlight>
-              </a:rPr>
-              <a:t>” notebook</a:t>
+              <a:t>curiosity</a:t>
+            </a:r>
+            <a:r>
+              <a:rPr lang="en-GB" dirty="0"/>
+              <a:t> could be our metric for exploration</a:t>
             </a:r>
           </a:p>
           <a:p>
@@ -15195,6 +15119,39 @@
           </a:p>
           <a:p>
             <a:pPr lvl="0"/>
+            <a:r>
+              <a:rPr lang="en-GB" dirty="0"/>
+              <a:t>We can consider </a:t>
+            </a:r>
+            <a:r>
+              <a:rPr lang="en-GB" b="1" dirty="0"/>
+              <a:t>more advanced exploration strategies </a:t>
+            </a:r>
+          </a:p>
+          <a:p>
+            <a:pPr lvl="1"/>
+            <a:r>
+              <a:rPr lang="en-GB" dirty="0"/>
+              <a:t>apply randomness in proportion to the current estimates of the actions </a:t>
+            </a:r>
+          </a:p>
+          <a:p>
+            <a:pPr lvl="1"/>
+            <a:r>
+              <a:rPr lang="en-GB" dirty="0"/>
+              <a:t>take into account the confidence and uncertainty levels of the estimates</a:t>
+            </a:r>
+          </a:p>
+          <a:p>
+            <a:pPr lvl="0"/>
+            <a:endParaRPr lang="en-GB" dirty="0"/>
+          </a:p>
+          <a:p>
+            <a:pPr lvl="0"/>
+            <a:endParaRPr lang="en-GB" dirty="0"/>
+          </a:p>
+          <a:p>
+            <a:pPr lvl="0"/>
             <a:endParaRPr lang="en-GB" dirty="0"/>
           </a:p>
           <a:p>
@@ -15203,40 +15160,10 @@
           </a:p>
         </p:txBody>
       </p:sp>
-      <p:pic>
-        <p:nvPicPr>
-          <p:cNvPr id="6" name="Immagine 5" descr="Immagine che contiene Carattere, bianco, diagramma, design&#10;&#10;Descrizione generata automaticamente">
-            <a:extLst>
-              <a:ext uri="{FF2B5EF4-FFF2-40B4-BE49-F238E27FC236}">
-                <a16:creationId xmlns:a16="http://schemas.microsoft.com/office/drawing/2014/main" id="{3F92F947-AC4E-6317-BDAD-D5C1526B7145}"/>
-              </a:ext>
-            </a:extLst>
-          </p:cNvPr>
-          <p:cNvPicPr>
-            <a:picLocks noChangeAspect="1"/>
-          </p:cNvPicPr>
-          <p:nvPr/>
-        </p:nvPicPr>
-        <p:blipFill>
-          <a:blip r:embed="rId3"/>
-          <a:stretch>
-            <a:fillRect/>
-          </a:stretch>
-        </p:blipFill>
-        <p:spPr>
-          <a:xfrm>
-            <a:off x="665428" y="3195618"/>
-            <a:ext cx="1894915" cy="1258455"/>
-          </a:xfrm>
-          <a:prstGeom prst="rect">
-            <a:avLst/>
-          </a:prstGeom>
-        </p:spPr>
-      </p:pic>
     </p:spTree>
     <p:extLst>
       <p:ext uri="{BB962C8B-B14F-4D97-AF65-F5344CB8AC3E}">
-        <p14:creationId xmlns:p14="http://schemas.microsoft.com/office/powerpoint/2010/main" val="1671601880"/>
+        <p14:creationId xmlns:p14="http://schemas.microsoft.com/office/powerpoint/2010/main" val="2542778883"/>
       </p:ext>
     </p:extLst>
   </p:cSld>
@@ -15295,18 +15222,197 @@
             </a:r>
             <a:r>
               <a:rPr lang="en-GB" sz="4000" dirty="0"/>
-              <a:t> method (2)</a:t>
+              <a:t> method (1)</a:t>
             </a:r>
             <a:endParaRPr sz="4000" dirty="0"/>
+          </a:p>
+        </p:txBody>
+      </p:sp>
+      <p:sp>
+        <p:nvSpPr>
+          <p:cNvPr id="84" name="Google Shape;84;p14"/>
+          <p:cNvSpPr txBox="1">
+            <a:spLocks noGrp="1"/>
+          </p:cNvSpPr>
+          <p:nvPr>
+            <p:ph type="body" idx="1"/>
+          </p:nvPr>
+        </p:nvSpPr>
+        <p:spPr>
+          <a:xfrm>
+            <a:off x="162750" y="1043733"/>
+            <a:ext cx="8818500" cy="5547235"/>
+          </a:xfrm>
+          <a:prstGeom prst="rect">
+            <a:avLst/>
+          </a:prstGeom>
+        </p:spPr>
+        <p:txBody>
+          <a:bodyPr spcFirstLastPara="1" wrap="square" lIns="91425" tIns="91425" rIns="91425" bIns="91425" anchor="t" anchorCtr="0">
+            <a:noAutofit/>
+          </a:bodyPr>
+          <a:lstStyle/>
+          <a:p>
+            <a:pPr lvl="0"/>
+            <a:r>
+              <a:rPr lang="en-GB" dirty="0"/>
+              <a:t>We can sample actions from a probability distribution over the estimates</a:t>
+            </a:r>
+          </a:p>
+          <a:p>
+            <a:pPr lvl="1"/>
+            <a:r>
+              <a:rPr lang="en-GB" dirty="0"/>
+              <a:t>if there is an action that has a really low estimate, we’re less likely to try it</a:t>
+            </a:r>
+          </a:p>
+          <a:p>
+            <a:pPr lvl="1"/>
+            <a:r>
+              <a:rPr lang="en-GB" dirty="0"/>
+              <a:t>the probability of selecting an action is </a:t>
+            </a:r>
+            <a:r>
+              <a:rPr lang="en-GB" b="1" dirty="0"/>
+              <a:t>proportional to its current </a:t>
+            </a:r>
+            <a:r>
+              <a:rPr lang="en-GB" dirty="0"/>
+              <a:t>estimate</a:t>
+            </a:r>
+          </a:p>
+          <a:p>
+            <a:pPr lvl="1"/>
+            <a:r>
+              <a:rPr lang="en-GB" dirty="0"/>
+              <a:t>difference between estimates create a </a:t>
+            </a:r>
+            <a:r>
+              <a:rPr lang="en-GB" b="1" dirty="0"/>
+              <a:t>tendency to select actions with the highest estimates more often</a:t>
+            </a:r>
+            <a:r>
+              <a:rPr lang="en-GB" dirty="0"/>
+              <a:t>, and actions with the lowest estimates less frequently</a:t>
+            </a:r>
+          </a:p>
+          <a:p>
+            <a:r>
+              <a:rPr lang="en-GB" dirty="0"/>
+              <a:t>Suppose to have B possible actions, then the probability to select action a is:</a:t>
+            </a:r>
+          </a:p>
+          <a:p>
+            <a:pPr marL="120650" indent="0">
+              <a:buNone/>
+            </a:pPr>
+            <a:br>
+              <a:rPr lang="en-GB" dirty="0"/>
+            </a:br>
+            <a:endParaRPr lang="en-GB" dirty="0"/>
+          </a:p>
+          <a:p>
+            <a:pPr marL="120650" indent="0">
+              <a:buNone/>
+            </a:pPr>
+            <a:br>
+              <a:rPr lang="en-GB" dirty="0"/>
+            </a:br>
+            <a:br>
+              <a:rPr lang="en-GB" dirty="0"/>
+            </a:br>
+            <a:endParaRPr lang="en-GB" dirty="0"/>
+          </a:p>
+          <a:p>
+            <a:pPr lvl="0"/>
+            <a:r>
+              <a:rPr lang="en-GB" dirty="0"/>
+              <a:t>The </a:t>
+            </a:r>
+            <a:r>
+              <a:rPr lang="en-GB" b="1" dirty="0"/>
+              <a:t>temperature</a:t>
+            </a:r>
+            <a:r>
+              <a:rPr lang="en-GB" dirty="0"/>
+              <a:t> hyperparameter </a:t>
+            </a:r>
+            <a:r>
+              <a:rPr lang="en-GB" b="1" dirty="0"/>
+              <a:t>controls the sensitivity </a:t>
+            </a:r>
+            <a:r>
+              <a:rPr lang="en-GB" dirty="0"/>
+              <a:t>to the differences</a:t>
+            </a:r>
+          </a:p>
+          <a:p>
+            <a:pPr lvl="1"/>
+            <a:r>
+              <a:rPr lang="en-GB" dirty="0"/>
+              <a:t>as it approaches infinity, the preferences over the values are equal</a:t>
+            </a:r>
+          </a:p>
+          <a:p>
+            <a:pPr lvl="1"/>
+            <a:r>
+              <a:rPr lang="en-GB" dirty="0"/>
+              <a:t>as temperature value approaches zero, the action with the highest estimated will be sampled with probability of one</a:t>
+            </a:r>
+          </a:p>
+          <a:p>
+            <a:pPr lvl="1"/>
+            <a:r>
+              <a:rPr lang="en-GB" dirty="0"/>
+              <a:t>we can decay temperature (linearly, exponentially)</a:t>
+            </a:r>
+          </a:p>
+          <a:p>
+            <a:r>
+              <a:rPr lang="en-GB" b="1" dirty="0">
+                <a:highlight>
+                  <a:srgbClr val="FFFF00"/>
+                </a:highlight>
+              </a:rPr>
+              <a:t>See the “</a:t>
+            </a:r>
+            <a:r>
+              <a:rPr lang="en-GB" b="1" dirty="0" err="1">
+                <a:highlight>
+                  <a:srgbClr val="FFFF00"/>
+                </a:highlight>
+              </a:rPr>
+              <a:t>softmax.ipynb</a:t>
+            </a:r>
+            <a:r>
+              <a:rPr lang="en-GB" b="1" dirty="0">
+                <a:highlight>
+                  <a:srgbClr val="FFFF00"/>
+                </a:highlight>
+              </a:rPr>
+              <a:t>” notebook</a:t>
+            </a:r>
+          </a:p>
+          <a:p>
+            <a:pPr lvl="0"/>
+            <a:endParaRPr lang="en-GB" dirty="0"/>
+          </a:p>
+          <a:p>
+            <a:pPr lvl="0"/>
+            <a:endParaRPr lang="en-GB" dirty="0"/>
+          </a:p>
+          <a:p>
+            <a:pPr lvl="1"/>
+            <a:endParaRPr lang="en-GB" dirty="0"/>
           </a:p>
         </p:txBody>
       </p:sp>
       <p:pic>
         <p:nvPicPr>
-          <p:cNvPr id="4" name="Immagine 3" descr="Immagine che contiene testo, schermata&#10;&#10;Descrizione generata automaticamente">
+          <p:cNvPr id="6" name="Immagine 5" descr="Immagine che contiene Carattere, bianco, diagramma, design&#10;&#10;Descrizione generata automaticamente">
             <a:extLst>
               <a:ext uri="{FF2B5EF4-FFF2-40B4-BE49-F238E27FC236}">
-                <a16:creationId xmlns:a16="http://schemas.microsoft.com/office/drawing/2014/main" id="{E798E2BB-FE6C-BCE4-2B99-18E2A0D4E24B}"/>
+                <a16:creationId xmlns:a16="http://schemas.microsoft.com/office/drawing/2014/main" id="{3F92F947-AC4E-6317-BDAD-D5C1526B7145}"/>
               </a:ext>
             </a:extLst>
           </p:cNvPr>
@@ -15323,8 +15429,8 @@
         </p:blipFill>
         <p:spPr>
           <a:xfrm>
-            <a:off x="155522" y="1173917"/>
-            <a:ext cx="8525067" cy="5144437"/>
+            <a:off x="665428" y="3195618"/>
+            <a:ext cx="1894915" cy="1258455"/>
           </a:xfrm>
           <a:prstGeom prst="rect">
             <a:avLst/>
@@ -15334,7 +15440,7 @@
     </p:spTree>
     <p:extLst>
       <p:ext uri="{BB962C8B-B14F-4D97-AF65-F5344CB8AC3E}">
-        <p14:creationId xmlns:p14="http://schemas.microsoft.com/office/powerpoint/2010/main" val="233351088"/>
+        <p14:creationId xmlns:p14="http://schemas.microsoft.com/office/powerpoint/2010/main" val="1671601880"/>
       </p:ext>
     </p:extLst>
   </p:cSld>
@@ -15388,138 +15494,51 @@
           <a:p>
             <a:pPr lvl="0"/>
             <a:r>
+              <a:rPr lang="en-GB" sz="4000" dirty="0" err="1"/>
+              <a:t>Softmax</a:t>
+            </a:r>
+            <a:r>
               <a:rPr lang="en-GB" sz="4000" dirty="0"/>
-              <a:t>Upper Confidence Bound method (1)</a:t>
+              <a:t> method (2)</a:t>
             </a:r>
             <a:endParaRPr sz="4000" dirty="0"/>
           </a:p>
         </p:txBody>
       </p:sp>
-      <p:sp>
-        <p:nvSpPr>
-          <p:cNvPr id="84" name="Google Shape;84;p14"/>
-          <p:cNvSpPr txBox="1">
-            <a:spLocks noGrp="1"/>
-          </p:cNvSpPr>
-          <p:nvPr>
-            <p:ph type="body" idx="1"/>
-          </p:nvPr>
-        </p:nvSpPr>
+      <p:pic>
+        <p:nvPicPr>
+          <p:cNvPr id="4" name="Immagine 3" descr="Immagine che contiene testo, schermata&#10;&#10;Descrizione generata automaticamente">
+            <a:extLst>
+              <a:ext uri="{FF2B5EF4-FFF2-40B4-BE49-F238E27FC236}">
+                <a16:creationId xmlns:a16="http://schemas.microsoft.com/office/drawing/2014/main" id="{E798E2BB-FE6C-BCE4-2B99-18E2A0D4E24B}"/>
+              </a:ext>
+            </a:extLst>
+          </p:cNvPr>
+          <p:cNvPicPr>
+            <a:picLocks noChangeAspect="1"/>
+          </p:cNvPicPr>
+          <p:nvPr/>
+        </p:nvPicPr>
+        <p:blipFill>
+          <a:blip r:embed="rId3"/>
+          <a:stretch>
+            <a:fillRect/>
+          </a:stretch>
+        </p:blipFill>
         <p:spPr>
           <a:xfrm>
-            <a:off x="162750" y="1212537"/>
-            <a:ext cx="8818500" cy="5224230"/>
+            <a:off x="155522" y="1173917"/>
+            <a:ext cx="8525067" cy="5144437"/>
           </a:xfrm>
           <a:prstGeom prst="rect">
             <a:avLst/>
           </a:prstGeom>
         </p:spPr>
-        <p:txBody>
-          <a:bodyPr spcFirstLastPara="1" wrap="square" lIns="91425" tIns="91425" rIns="91425" bIns="91425" anchor="t" anchorCtr="0">
-            <a:noAutofit/>
-          </a:bodyPr>
-          <a:lstStyle/>
-          <a:p>
-            <a:pPr lvl="0"/>
-            <a:r>
-              <a:rPr lang="en-GB" dirty="0"/>
-              <a:t>Optimistic initialization is a clever and efficient approach, however </a:t>
-            </a:r>
-            <a:r>
-              <a:rPr lang="en-GB" b="1" dirty="0"/>
-              <a:t>we don’t know the maximum reward </a:t>
-            </a:r>
-            <a:r>
-              <a:rPr lang="en-GB" dirty="0"/>
-              <a:t>the agent can obtain </a:t>
-            </a:r>
-          </a:p>
-          <a:p>
-            <a:pPr lvl="1"/>
-            <a:r>
-              <a:rPr lang="en-GB" dirty="0"/>
-              <a:t>if we set it to a value much higher than its actual value, the algorithm will perform sub-optimally for a long time (many episodes to bring the estimates near the actual values)</a:t>
-            </a:r>
-          </a:p>
-          <a:p>
-            <a:pPr lvl="1"/>
-            <a:r>
-              <a:rPr lang="en-GB" dirty="0"/>
-              <a:t>if we set the initial values lower than the maximum, the algorithm will no longer be optimistic, and it will no longer work </a:t>
-            </a:r>
-          </a:p>
-          <a:p>
-            <a:endParaRPr lang="en-GB" dirty="0"/>
-          </a:p>
-          <a:p>
-            <a:r>
-              <a:rPr lang="en-GB" dirty="0"/>
-              <a:t>A better strategy that follows the same principle is to use statistical techniques to calculate the </a:t>
-            </a:r>
-            <a:r>
-              <a:rPr lang="en-GB" b="1" dirty="0"/>
-              <a:t>value estimate uncertainty </a:t>
-            </a:r>
-            <a:r>
-              <a:rPr lang="en-GB" dirty="0"/>
-              <a:t>and uses it as a </a:t>
-            </a:r>
-            <a:r>
-              <a:rPr lang="en-GB" b="1" dirty="0"/>
-              <a:t>bonus for exploration</a:t>
-            </a:r>
-          </a:p>
-          <a:p>
-            <a:pPr lvl="1"/>
-            <a:r>
-              <a:rPr lang="en-GB" dirty="0"/>
-              <a:t>we’re still optimistic, but it’s a more a realistic optimism</a:t>
-            </a:r>
-          </a:p>
-          <a:p>
-            <a:pPr lvl="1"/>
-            <a:r>
-              <a:rPr lang="en-GB" dirty="0"/>
-              <a:t>instead of blindly hoping for the best, we look at the uncertainty of value estimates </a:t>
-            </a:r>
-          </a:p>
-          <a:p>
-            <a:pPr lvl="1"/>
-            <a:r>
-              <a:rPr lang="en-GB" b="1" dirty="0"/>
-              <a:t>the more uncertain an estimate, the more critical it is to explore it</a:t>
-            </a:r>
-          </a:p>
-          <a:p>
-            <a:endParaRPr lang="en-GB" dirty="0"/>
-          </a:p>
-          <a:p>
-            <a:r>
-              <a:rPr lang="en-GB" dirty="0"/>
-              <a:t>The metric here is </a:t>
-            </a:r>
-            <a:r>
-              <a:rPr lang="en-GB" b="1" dirty="0"/>
-              <a:t>uncertainty</a:t>
-            </a:r>
-          </a:p>
-          <a:p>
-            <a:pPr lvl="1"/>
-            <a:r>
-              <a:rPr lang="en-GB" dirty="0"/>
-              <a:t>we want to give actions the benefit of the doubt</a:t>
-            </a:r>
-          </a:p>
-          <a:p>
-            <a:pPr lvl="1"/>
-            <a:endParaRPr lang="en-GB" dirty="0"/>
-          </a:p>
-        </p:txBody>
-      </p:sp>
+      </p:pic>
     </p:spTree>
     <p:extLst>
       <p:ext uri="{BB962C8B-B14F-4D97-AF65-F5344CB8AC3E}">
-        <p14:creationId xmlns:p14="http://schemas.microsoft.com/office/powerpoint/2010/main" val="853800667"/>
+        <p14:creationId xmlns:p14="http://schemas.microsoft.com/office/powerpoint/2010/main" val="233351088"/>
       </p:ext>
     </p:extLst>
   </p:cSld>
@@ -15574,8 +15593,9 @@
             <a:pPr lvl="0"/>
             <a:r>
               <a:rPr lang="en-GB" sz="4000" dirty="0"/>
-              <a:t>Upper Confidence Bound method (2)</a:t>
-            </a:r>
+              <a:t>Upper Confidence Bound method (1)</a:t>
+            </a:r>
+            <a:endParaRPr sz="4000" dirty="0"/>
           </a:p>
         </p:txBody>
       </p:sp>
@@ -15607,185 +15627,103 @@
             <a:pPr lvl="0"/>
             <a:r>
               <a:rPr lang="en-GB" dirty="0"/>
-              <a:t>To select the action </a:t>
-            </a:r>
-            <a:r>
-              <a:rPr lang="en-GB" i="1" dirty="0"/>
-              <a:t>A </a:t>
-            </a:r>
-            <a:r>
-              <a:rPr lang="en-GB" dirty="0"/>
-              <a:t>we add the value estimates and an uncertainty bonus</a:t>
-            </a:r>
-          </a:p>
-          <a:p>
-            <a:pPr lvl="0"/>
+              <a:t>Optimistic initialization is a clever and efficient approach, however </a:t>
+            </a:r>
+            <a:r>
+              <a:rPr lang="en-GB" b="1" dirty="0"/>
+              <a:t>we don’t know the maximum reward </a:t>
+            </a:r>
+            <a:r>
+              <a:rPr lang="en-GB" dirty="0"/>
+              <a:t>the agent can obtain </a:t>
+            </a:r>
+          </a:p>
+          <a:p>
+            <a:pPr lvl="1"/>
+            <a:r>
+              <a:rPr lang="en-GB" dirty="0"/>
+              <a:t>if we set it to a value much higher than its actual value, the algorithm will perform sub-optimally for a long time (many episodes to bring the estimates near the actual values)</a:t>
+            </a:r>
+          </a:p>
+          <a:p>
+            <a:pPr lvl="1"/>
+            <a:r>
+              <a:rPr lang="en-GB" dirty="0"/>
+              <a:t>if we set the initial values lower than the maximum, the algorithm will no longer be optimistic, and it will no longer work </a:t>
+            </a:r>
+          </a:p>
+          <a:p>
             <a:endParaRPr lang="en-GB" dirty="0"/>
           </a:p>
           <a:p>
-            <a:pPr lvl="0"/>
+            <a:r>
+              <a:rPr lang="en-GB" dirty="0"/>
+              <a:t>A better strategy that follows the same principle is to use statistical techniques to calculate the </a:t>
+            </a:r>
+            <a:r>
+              <a:rPr lang="en-GB" b="1" dirty="0"/>
+              <a:t>value estimate uncertainty </a:t>
+            </a:r>
+            <a:r>
+              <a:rPr lang="en-GB" dirty="0"/>
+              <a:t>and uses it as a </a:t>
+            </a:r>
+            <a:r>
+              <a:rPr lang="en-GB" b="1" dirty="0"/>
+              <a:t>bonus for exploration</a:t>
+            </a:r>
+          </a:p>
+          <a:p>
+            <a:pPr lvl="1"/>
+            <a:r>
+              <a:rPr lang="en-GB" dirty="0"/>
+              <a:t>we’re still optimistic, but it’s a more a realistic optimism</a:t>
+            </a:r>
+          </a:p>
+          <a:p>
+            <a:pPr lvl="1"/>
+            <a:r>
+              <a:rPr lang="en-GB" dirty="0"/>
+              <a:t>instead of blindly hoping for the best, we look at the uncertainty of value estimates </a:t>
+            </a:r>
+          </a:p>
+          <a:p>
+            <a:pPr lvl="1"/>
+            <a:r>
+              <a:rPr lang="en-GB" b="1" dirty="0"/>
+              <a:t>the more uncertain an estimate, the more critical it is to explore it</a:t>
+            </a:r>
+          </a:p>
+          <a:p>
             <a:endParaRPr lang="en-GB" dirty="0"/>
           </a:p>
           <a:p>
-            <a:pPr lvl="0"/>
+            <a:r>
+              <a:rPr lang="en-GB" dirty="0"/>
+              <a:t>The metric here is </a:t>
+            </a:r>
+            <a:r>
+              <a:rPr lang="en-GB" b="1" dirty="0"/>
+              <a:t>uncertainty</a:t>
+            </a:r>
+          </a:p>
+          <a:p>
+            <a:pPr lvl="1"/>
+            <a:r>
+              <a:rPr lang="en-GB" dirty="0"/>
+              <a:t>we want to give actions the benefit of the doubt</a:t>
+            </a:r>
+          </a:p>
+          <a:p>
+            <a:pPr lvl="1"/>
             <a:endParaRPr lang="en-GB" dirty="0"/>
-          </a:p>
-          <a:p>
-            <a:pPr marL="120650" lvl="0" indent="0">
-              <a:buNone/>
-            </a:pPr>
-            <a:endParaRPr lang="en-GB" dirty="0"/>
-          </a:p>
-          <a:p>
-            <a:pPr lvl="0"/>
-            <a:r>
-              <a:rPr lang="en-GB" dirty="0"/>
-              <a:t>The square-root term is a </a:t>
-            </a:r>
-            <a:r>
-              <a:rPr lang="en-GB" b="1" dirty="0"/>
-              <a:t>measure of the uncertainty </a:t>
-            </a:r>
-            <a:r>
-              <a:rPr lang="en-GB" dirty="0"/>
-              <a:t>in the estimate</a:t>
-            </a:r>
-          </a:p>
-          <a:p>
-            <a:pPr lvl="1"/>
-            <a:r>
-              <a:rPr lang="en-GB" dirty="0"/>
-              <a:t>each time </a:t>
-            </a:r>
-            <a:r>
-              <a:rPr lang="en-GB" i="1" dirty="0"/>
-              <a:t>a</a:t>
-            </a:r>
-            <a:r>
-              <a:rPr lang="en-GB" dirty="0"/>
-              <a:t> is selected, the uncertainty is presumably reduced:  </a:t>
-            </a:r>
-            <a:r>
-              <a:rPr lang="en-GB" i="1" dirty="0" err="1"/>
-              <a:t>N</a:t>
-            </a:r>
-            <a:r>
-              <a:rPr lang="en-GB" i="1" baseline="-25000" dirty="0" err="1"/>
-              <a:t>t</a:t>
-            </a:r>
-            <a:r>
-              <a:rPr lang="en-GB" i="1" dirty="0"/>
-              <a:t>(a)</a:t>
-            </a:r>
-            <a:r>
-              <a:rPr lang="en-GB" dirty="0"/>
-              <a:t> increments and the uncertainty term decreases</a:t>
-            </a:r>
-          </a:p>
-          <a:p>
-            <a:pPr lvl="1"/>
-            <a:r>
-              <a:rPr lang="en-GB" dirty="0"/>
-              <a:t>each time an action other than </a:t>
-            </a:r>
-            <a:r>
-              <a:rPr lang="en-GB" i="1" dirty="0"/>
-              <a:t>a</a:t>
-            </a:r>
-            <a:r>
-              <a:rPr lang="en-GB" dirty="0"/>
-              <a:t> is selected, </a:t>
-            </a:r>
-            <a:r>
-              <a:rPr lang="en-GB" i="1" dirty="0"/>
-              <a:t>t</a:t>
-            </a:r>
-            <a:r>
-              <a:rPr lang="en-GB" dirty="0"/>
-              <a:t> increases and the uncertainty estimate increases</a:t>
-            </a:r>
-          </a:p>
-          <a:p>
-            <a:pPr lvl="1"/>
-            <a:r>
-              <a:rPr lang="en-GB" dirty="0"/>
-              <a:t>logarithm means that the increases get smaller over time, but are unbounded</a:t>
-            </a:r>
-          </a:p>
-          <a:p>
-            <a:endParaRPr lang="en-GB" sz="1000" dirty="0"/>
-          </a:p>
-          <a:p>
-            <a:r>
-              <a:rPr lang="en-GB" dirty="0"/>
-              <a:t>All actions will eventually be selected, but actions with lower value estimates, or that have already been selected frequently, will be selected with decreasing frequency over time</a:t>
-            </a:r>
-          </a:p>
-          <a:p>
-            <a:endParaRPr lang="en-GB" sz="1100" dirty="0"/>
-          </a:p>
-          <a:p>
-            <a:r>
-              <a:rPr lang="en-GB" b="1" dirty="0">
-                <a:highlight>
-                  <a:srgbClr val="FFFF00"/>
-                </a:highlight>
-              </a:rPr>
-              <a:t>See the “</a:t>
-            </a:r>
-            <a:r>
-              <a:rPr lang="en-GB" b="1" dirty="0" err="1">
-                <a:highlight>
-                  <a:srgbClr val="FFFF00"/>
-                </a:highlight>
-              </a:rPr>
-              <a:t>ucb.ipynb</a:t>
-            </a:r>
-            <a:r>
-              <a:rPr lang="en-GB" b="1" dirty="0">
-                <a:highlight>
-                  <a:srgbClr val="FFFF00"/>
-                </a:highlight>
-              </a:rPr>
-              <a:t>” notebook</a:t>
-            </a:r>
           </a:p>
         </p:txBody>
       </p:sp>
-      <p:pic>
-        <p:nvPicPr>
-          <p:cNvPr id="3" name="Immagine 2" descr="Immagine che contiene Carattere, testo, bianco, linea&#10;&#10;Descrizione generata automaticamente">
-            <a:extLst>
-              <a:ext uri="{FF2B5EF4-FFF2-40B4-BE49-F238E27FC236}">
-                <a16:creationId xmlns:a16="http://schemas.microsoft.com/office/drawing/2014/main" id="{A15637CC-4CEF-45E6-E77F-F034C5A17CEF}"/>
-              </a:ext>
-            </a:extLst>
-          </p:cNvPr>
-          <p:cNvPicPr>
-            <a:picLocks noChangeAspect="1"/>
-          </p:cNvPicPr>
-          <p:nvPr/>
-        </p:nvPicPr>
-        <p:blipFill>
-          <a:blip r:embed="rId3"/>
-          <a:stretch>
-            <a:fillRect/>
-          </a:stretch>
-        </p:blipFill>
-        <p:spPr>
-          <a:xfrm>
-            <a:off x="660191" y="1578859"/>
-            <a:ext cx="4034605" cy="1044419"/>
-          </a:xfrm>
-          <a:prstGeom prst="rect">
-            <a:avLst/>
-          </a:prstGeom>
-        </p:spPr>
-      </p:pic>
     </p:spTree>
     <p:extLst>
       <p:ext uri="{BB962C8B-B14F-4D97-AF65-F5344CB8AC3E}">
-        <p14:creationId xmlns:p14="http://schemas.microsoft.com/office/powerpoint/2010/main" val="3190013514"/>
+        <p14:creationId xmlns:p14="http://schemas.microsoft.com/office/powerpoint/2010/main" val="853800667"/>
       </p:ext>
     </p:extLst>
   </p:cSld>
@@ -15840,6 +15778,296 @@
             <a:pPr lvl="0"/>
             <a:r>
               <a:rPr lang="en-GB" sz="4000" dirty="0"/>
+              <a:t>Upper Confidence Bound method (2)</a:t>
+            </a:r>
+          </a:p>
+        </p:txBody>
+      </p:sp>
+      <p:sp>
+        <p:nvSpPr>
+          <p:cNvPr id="84" name="Google Shape;84;p14"/>
+          <p:cNvSpPr txBox="1">
+            <a:spLocks noGrp="1"/>
+          </p:cNvSpPr>
+          <p:nvPr>
+            <p:ph type="body" idx="1"/>
+          </p:nvPr>
+        </p:nvSpPr>
+        <p:spPr>
+          <a:xfrm>
+            <a:off x="162750" y="1212537"/>
+            <a:ext cx="8818500" cy="5224230"/>
+          </a:xfrm>
+          <a:prstGeom prst="rect">
+            <a:avLst/>
+          </a:prstGeom>
+        </p:spPr>
+        <p:txBody>
+          <a:bodyPr spcFirstLastPara="1" wrap="square" lIns="91425" tIns="91425" rIns="91425" bIns="91425" anchor="t" anchorCtr="0">
+            <a:noAutofit/>
+          </a:bodyPr>
+          <a:lstStyle/>
+          <a:p>
+            <a:pPr lvl="0"/>
+            <a:r>
+              <a:rPr lang="en-GB" dirty="0"/>
+              <a:t>To select the action </a:t>
+            </a:r>
+            <a:r>
+              <a:rPr lang="en-GB" i="1" dirty="0"/>
+              <a:t>A </a:t>
+            </a:r>
+            <a:r>
+              <a:rPr lang="en-GB" dirty="0"/>
+              <a:t>we add the value estimates and an uncertainty bonus</a:t>
+            </a:r>
+          </a:p>
+          <a:p>
+            <a:pPr lvl="0"/>
+            <a:endParaRPr lang="en-GB" dirty="0"/>
+          </a:p>
+          <a:p>
+            <a:pPr lvl="0"/>
+            <a:endParaRPr lang="en-GB" dirty="0"/>
+          </a:p>
+          <a:p>
+            <a:pPr lvl="0"/>
+            <a:endParaRPr lang="en-GB" dirty="0"/>
+          </a:p>
+          <a:p>
+            <a:pPr marL="120650" lvl="0" indent="0">
+              <a:buNone/>
+            </a:pPr>
+            <a:endParaRPr lang="en-GB" dirty="0"/>
+          </a:p>
+          <a:p>
+            <a:pPr lvl="0"/>
+            <a:r>
+              <a:rPr lang="en-GB" dirty="0"/>
+              <a:t>The square-root term is a </a:t>
+            </a:r>
+            <a:r>
+              <a:rPr lang="en-GB" b="1" dirty="0"/>
+              <a:t>measure of the uncertainty </a:t>
+            </a:r>
+            <a:r>
+              <a:rPr lang="en-GB" dirty="0"/>
+              <a:t>in the estimate</a:t>
+            </a:r>
+          </a:p>
+          <a:p>
+            <a:pPr lvl="1"/>
+            <a:r>
+              <a:rPr lang="en-GB" dirty="0"/>
+              <a:t>each time </a:t>
+            </a:r>
+            <a:r>
+              <a:rPr lang="en-GB" i="1" dirty="0"/>
+              <a:t>a</a:t>
+            </a:r>
+            <a:r>
+              <a:rPr lang="en-GB" dirty="0"/>
+              <a:t> is selected, the uncertainty is presumably reduced:  </a:t>
+            </a:r>
+            <a:r>
+              <a:rPr lang="en-GB" i="1" dirty="0" err="1"/>
+              <a:t>N</a:t>
+            </a:r>
+            <a:r>
+              <a:rPr lang="en-GB" i="1" baseline="-25000" dirty="0" err="1"/>
+              <a:t>t</a:t>
+            </a:r>
+            <a:r>
+              <a:rPr lang="en-GB" i="1" dirty="0"/>
+              <a:t>(a)</a:t>
+            </a:r>
+            <a:r>
+              <a:rPr lang="en-GB" dirty="0"/>
+              <a:t> increments and the uncertainty term decreases</a:t>
+            </a:r>
+          </a:p>
+          <a:p>
+            <a:pPr lvl="1"/>
+            <a:r>
+              <a:rPr lang="en-GB" dirty="0"/>
+              <a:t>each time an action other than </a:t>
+            </a:r>
+            <a:r>
+              <a:rPr lang="en-GB" i="1" dirty="0"/>
+              <a:t>a</a:t>
+            </a:r>
+            <a:r>
+              <a:rPr lang="en-GB" dirty="0"/>
+              <a:t> is selected, </a:t>
+            </a:r>
+            <a:r>
+              <a:rPr lang="en-GB" i="1" dirty="0"/>
+              <a:t>t</a:t>
+            </a:r>
+            <a:r>
+              <a:rPr lang="en-GB" dirty="0"/>
+              <a:t> increases and the uncertainty estimate increases</a:t>
+            </a:r>
+          </a:p>
+          <a:p>
+            <a:pPr lvl="1"/>
+            <a:r>
+              <a:rPr lang="en-GB" dirty="0"/>
+              <a:t>logarithm means that the increases get smaller over time, but are unbounded</a:t>
+            </a:r>
+          </a:p>
+          <a:p>
+            <a:endParaRPr lang="en-GB" sz="1000" dirty="0"/>
+          </a:p>
+          <a:p>
+            <a:r>
+              <a:rPr lang="en-GB" dirty="0"/>
+              <a:t>All actions will </a:t>
+            </a:r>
+            <a:r>
+              <a:rPr lang="en-GB" b="1" dirty="0"/>
+              <a:t>eventually be selected</a:t>
+            </a:r>
+            <a:r>
+              <a:rPr lang="en-GB" dirty="0"/>
+              <a:t>, but actions with </a:t>
+            </a:r>
+            <a:r>
+              <a:rPr lang="en-GB" b="1" dirty="0"/>
+              <a:t>lower value estimates</a:t>
+            </a:r>
+            <a:r>
+              <a:rPr lang="en-GB" dirty="0"/>
+              <a:t>, or that </a:t>
+            </a:r>
+            <a:r>
+              <a:rPr lang="en-GB" b="1" dirty="0"/>
+              <a:t>have already been selected frequently</a:t>
+            </a:r>
+            <a:r>
+              <a:rPr lang="en-GB" dirty="0"/>
+              <a:t>, will be selected with decreasing frequency over time</a:t>
+            </a:r>
+          </a:p>
+          <a:p>
+            <a:endParaRPr lang="en-GB" sz="1100" dirty="0"/>
+          </a:p>
+          <a:p>
+            <a:r>
+              <a:rPr lang="en-GB" b="1" dirty="0">
+                <a:highlight>
+                  <a:srgbClr val="FFFF00"/>
+                </a:highlight>
+              </a:rPr>
+              <a:t>See the “</a:t>
+            </a:r>
+            <a:r>
+              <a:rPr lang="en-GB" b="1" dirty="0" err="1">
+                <a:highlight>
+                  <a:srgbClr val="FFFF00"/>
+                </a:highlight>
+              </a:rPr>
+              <a:t>ucb.ipynb</a:t>
+            </a:r>
+            <a:r>
+              <a:rPr lang="en-GB" b="1" dirty="0">
+                <a:highlight>
+                  <a:srgbClr val="FFFF00"/>
+                </a:highlight>
+              </a:rPr>
+              <a:t>” notebook</a:t>
+            </a:r>
+          </a:p>
+        </p:txBody>
+      </p:sp>
+      <p:pic>
+        <p:nvPicPr>
+          <p:cNvPr id="3" name="Immagine 2" descr="Immagine che contiene Carattere, testo, bianco, linea&#10;&#10;Descrizione generata automaticamente">
+            <a:extLst>
+              <a:ext uri="{FF2B5EF4-FFF2-40B4-BE49-F238E27FC236}">
+                <a16:creationId xmlns:a16="http://schemas.microsoft.com/office/drawing/2014/main" id="{A15637CC-4CEF-45E6-E77F-F034C5A17CEF}"/>
+              </a:ext>
+            </a:extLst>
+          </p:cNvPr>
+          <p:cNvPicPr>
+            <a:picLocks noChangeAspect="1"/>
+          </p:cNvPicPr>
+          <p:nvPr/>
+        </p:nvPicPr>
+        <p:blipFill>
+          <a:blip r:embed="rId3"/>
+          <a:stretch>
+            <a:fillRect/>
+          </a:stretch>
+        </p:blipFill>
+        <p:spPr>
+          <a:xfrm>
+            <a:off x="660191" y="1578859"/>
+            <a:ext cx="4034605" cy="1044419"/>
+          </a:xfrm>
+          <a:prstGeom prst="rect">
+            <a:avLst/>
+          </a:prstGeom>
+        </p:spPr>
+      </p:pic>
+    </p:spTree>
+    <p:extLst>
+      <p:ext uri="{BB962C8B-B14F-4D97-AF65-F5344CB8AC3E}">
+        <p14:creationId xmlns:p14="http://schemas.microsoft.com/office/powerpoint/2010/main" val="3190013514"/>
+      </p:ext>
+    </p:extLst>
+  </p:cSld>
+  <p:clrMapOvr>
+    <a:masterClrMapping/>
+  </p:clrMapOvr>
+</p:sld>
+</file>
+
+<file path=ppt/slides/slide27.xml><?xml version="1.0" encoding="utf-8"?>
+<p:sld xmlns:a="http://schemas.openxmlformats.org/drawingml/2006/main" xmlns:r="http://schemas.openxmlformats.org/officeDocument/2006/relationships" xmlns:p="http://schemas.openxmlformats.org/presentationml/2006/main">
+  <p:cSld>
+    <p:spTree>
+      <p:nvGrpSpPr>
+        <p:cNvPr id="1" name="Shape 82"/>
+        <p:cNvGrpSpPr/>
+        <p:nvPr/>
+      </p:nvGrpSpPr>
+      <p:grpSpPr>
+        <a:xfrm>
+          <a:off x="0" y="0"/>
+          <a:ext cx="0" cy="0"/>
+          <a:chOff x="0" y="0"/>
+          <a:chExt cx="0" cy="0"/>
+        </a:xfrm>
+      </p:grpSpPr>
+      <p:sp>
+        <p:nvSpPr>
+          <p:cNvPr id="83" name="Google Shape;83;p14"/>
+          <p:cNvSpPr txBox="1">
+            <a:spLocks noGrp="1"/>
+          </p:cNvSpPr>
+          <p:nvPr>
+            <p:ph type="title" idx="4294967295"/>
+          </p:nvPr>
+        </p:nvSpPr>
+        <p:spPr>
+          <a:xfrm>
+            <a:off x="311700" y="421233"/>
+            <a:ext cx="8520600" cy="622500"/>
+          </a:xfrm>
+          <a:prstGeom prst="rect">
+            <a:avLst/>
+          </a:prstGeom>
+        </p:spPr>
+        <p:txBody>
+          <a:bodyPr spcFirstLastPara="1" wrap="square" lIns="91425" tIns="91425" rIns="91425" bIns="91425" anchor="b" anchorCtr="0">
+            <a:noAutofit/>
+          </a:bodyPr>
+          <a:lstStyle/>
+          <a:p>
+            <a:pPr lvl="0"/>
+            <a:r>
+              <a:rPr lang="en-GB" sz="4000" dirty="0"/>
               <a:t>Upper Confidence Bound method (3)</a:t>
             </a:r>
             <a:endParaRPr sz="4000" dirty="0"/>
@@ -15889,7 +16117,7 @@
 </p:sld>
 </file>
 
-<file path=ppt/slides/slide27.xml><?xml version="1.0" encoding="utf-8"?>
+<file path=ppt/slides/slide28.xml><?xml version="1.0" encoding="utf-8"?>
 <p:sld xmlns:a="http://schemas.openxmlformats.org/drawingml/2006/main" xmlns:r="http://schemas.openxmlformats.org/officeDocument/2006/relationships" xmlns:p="http://schemas.openxmlformats.org/presentationml/2006/main">
   <p:cSld>
     <p:spTree>
@@ -15966,7 +16194,7 @@
           <a:p>
             <a:r>
               <a:rPr lang="en-GB" dirty="0"/>
-              <a:t>We can run simulations for all methods in order to compare their performances.</a:t>
+              <a:t>We can run simulations for all methods in order to compare their performances</a:t>
             </a:r>
           </a:p>
           <a:p>
@@ -15979,7 +16207,11 @@
             <a:pPr lvl="1"/>
             <a:r>
               <a:rPr lang="en-GB" dirty="0"/>
-              <a:t>we have to consider their performance as a function of their parameter</a:t>
+              <a:t>we have to consider their performance as </a:t>
+            </a:r>
+            <a:r>
+              <a:rPr lang="en-GB" b="1" dirty="0"/>
+              <a:t>a function of their parameter</a:t>
             </a:r>
           </a:p>
           <a:p>
@@ -16046,7 +16278,43 @@
           <a:p>
             <a:r>
               <a:rPr lang="en-GB" dirty="0"/>
-              <a:t>Overall, on this problem, UCB seems to perform best. Note the characteristic **inverted-U shapes** of each algorithm’s performance: all the algorithms perform best at an intermediate value of their parameter, neither too large nor too small. In assessing a method, we should attend not just to how well it does at its best parameter setting, but also to how sensitive it is to its parameter value. All of these algorithms are fairly insensitive, performing well over a range of parameter values varying by about an order of magnitude. </a:t>
+              <a:t>UCB seems to perform best</a:t>
+            </a:r>
+          </a:p>
+          <a:p>
+            <a:pPr lvl="1"/>
+            <a:r>
+              <a:rPr lang="en-GB" dirty="0"/>
+              <a:t>notice the </a:t>
+            </a:r>
+            <a:r>
+              <a:rPr lang="en-GB" b="1" dirty="0"/>
+              <a:t>inverted-U shapes</a:t>
+            </a:r>
+            <a:r>
+              <a:rPr lang="en-GB" dirty="0"/>
+              <a:t> of each algorithm’s performance</a:t>
+            </a:r>
+          </a:p>
+          <a:p>
+            <a:pPr lvl="1"/>
+            <a:r>
+              <a:rPr lang="en-GB" dirty="0"/>
+              <a:t>all the algorithms perform best at an intermediate value of their parameter, neither too large nor too small</a:t>
+            </a:r>
+          </a:p>
+          <a:p>
+            <a:r>
+              <a:rPr lang="en-GB" dirty="0"/>
+              <a:t>In assessing a method, we should attend not just to how well it does at its best parameter setting, but also to </a:t>
+            </a:r>
+            <a:r>
+              <a:rPr lang="en-GB" b="1" dirty="0"/>
+              <a:t>how sensitive it is to its parameter</a:t>
+            </a:r>
+            <a:r>
+              <a:rPr lang="en-GB" dirty="0"/>
+              <a:t> value</a:t>
             </a:r>
           </a:p>
         </p:txBody>
@@ -16055,149 +16323,6 @@
     <p:extLst>
       <p:ext uri="{BB962C8B-B14F-4D97-AF65-F5344CB8AC3E}">
         <p14:creationId xmlns:p14="http://schemas.microsoft.com/office/powerpoint/2010/main" val="1014358788"/>
-      </p:ext>
-    </p:extLst>
-  </p:cSld>
-  <p:clrMapOvr>
-    <a:masterClrMapping/>
-  </p:clrMapOvr>
-</p:sld>
-</file>
-
-<file path=ppt/slides/slide28.xml><?xml version="1.0" encoding="utf-8"?>
-<p:sld xmlns:a="http://schemas.openxmlformats.org/drawingml/2006/main" xmlns:r="http://schemas.openxmlformats.org/officeDocument/2006/relationships" xmlns:p="http://schemas.openxmlformats.org/presentationml/2006/main">
-  <p:cSld>
-    <p:spTree>
-      <p:nvGrpSpPr>
-        <p:cNvPr id="1" name="Shape 82"/>
-        <p:cNvGrpSpPr/>
-        <p:nvPr/>
-      </p:nvGrpSpPr>
-      <p:grpSpPr>
-        <a:xfrm>
-          <a:off x="0" y="0"/>
-          <a:ext cx="0" cy="0"/>
-          <a:chOff x="0" y="0"/>
-          <a:chExt cx="0" cy="0"/>
-        </a:xfrm>
-      </p:grpSpPr>
-      <p:sp>
-        <p:nvSpPr>
-          <p:cNvPr id="83" name="Google Shape;83;p14"/>
-          <p:cNvSpPr txBox="1">
-            <a:spLocks noGrp="1"/>
-          </p:cNvSpPr>
-          <p:nvPr>
-            <p:ph type="title" idx="4294967295"/>
-          </p:nvPr>
-        </p:nvSpPr>
-        <p:spPr>
-          <a:xfrm>
-            <a:off x="311700" y="421233"/>
-            <a:ext cx="8520600" cy="622500"/>
-          </a:xfrm>
-          <a:prstGeom prst="rect">
-            <a:avLst/>
-          </a:prstGeom>
-        </p:spPr>
-        <p:txBody>
-          <a:bodyPr spcFirstLastPara="1" wrap="square" lIns="91425" tIns="91425" rIns="91425" bIns="91425" anchor="b" anchorCtr="0">
-            <a:noAutofit/>
-          </a:bodyPr>
-          <a:lstStyle/>
-          <a:p>
-            <a:pPr lvl="0"/>
-            <a:r>
-              <a:rPr lang="en-GB" sz="4000" dirty="0"/>
-              <a:t>Comparison (2)</a:t>
-            </a:r>
-            <a:endParaRPr sz="4000" dirty="0"/>
-          </a:p>
-        </p:txBody>
-      </p:sp>
-      <p:sp>
-        <p:nvSpPr>
-          <p:cNvPr id="84" name="Google Shape;84;p14"/>
-          <p:cNvSpPr txBox="1">
-            <a:spLocks noGrp="1"/>
-          </p:cNvSpPr>
-          <p:nvPr>
-            <p:ph type="body" idx="1"/>
-          </p:nvPr>
-        </p:nvSpPr>
-        <p:spPr>
-          <a:xfrm>
-            <a:off x="162750" y="1212537"/>
-            <a:ext cx="8818500" cy="5224230"/>
-          </a:xfrm>
-          <a:prstGeom prst="rect">
-            <a:avLst/>
-          </a:prstGeom>
-        </p:spPr>
-        <p:txBody>
-          <a:bodyPr spcFirstLastPara="1" wrap="square" lIns="91425" tIns="91425" rIns="91425" bIns="91425" anchor="t" anchorCtr="0">
-            <a:noAutofit/>
-          </a:bodyPr>
-          <a:lstStyle/>
-          <a:p>
-            <a:endParaRPr lang="en-GB" dirty="0"/>
-          </a:p>
-          <a:p>
-            <a:pPr lvl="0"/>
-            <a:endParaRPr lang="en-GB" dirty="0"/>
-          </a:p>
-          <a:p>
-            <a:pPr lvl="0"/>
-            <a:endParaRPr lang="en-GB" dirty="0"/>
-          </a:p>
-          <a:p>
-            <a:pPr lvl="0"/>
-            <a:endParaRPr lang="en-GB" dirty="0"/>
-          </a:p>
-          <a:p>
-            <a:pPr lvl="0"/>
-            <a:endParaRPr lang="en-GB" dirty="0"/>
-          </a:p>
-          <a:p>
-            <a:pPr lvl="1"/>
-            <a:endParaRPr lang="en-GB" dirty="0"/>
-          </a:p>
-        </p:txBody>
-      </p:sp>
-      <p:pic>
-        <p:nvPicPr>
-          <p:cNvPr id="3" name="Immagine 2" descr="Immagine che contiene Diagramma, linea, diagramma, schermata&#10;&#10;Descrizione generata automaticamente">
-            <a:extLst>
-              <a:ext uri="{FF2B5EF4-FFF2-40B4-BE49-F238E27FC236}">
-                <a16:creationId xmlns:a16="http://schemas.microsoft.com/office/drawing/2014/main" id="{C089544C-BA4C-C270-864C-942B999B3FC2}"/>
-              </a:ext>
-            </a:extLst>
-          </p:cNvPr>
-          <p:cNvPicPr>
-            <a:picLocks noChangeAspect="1"/>
-          </p:cNvPicPr>
-          <p:nvPr/>
-        </p:nvPicPr>
-        <p:blipFill>
-          <a:blip r:embed="rId3"/>
-          <a:stretch>
-            <a:fillRect/>
-          </a:stretch>
-        </p:blipFill>
-        <p:spPr>
-          <a:xfrm>
-            <a:off x="259722" y="1154764"/>
-            <a:ext cx="8572578" cy="5224230"/>
-          </a:xfrm>
-          <a:prstGeom prst="rect">
-            <a:avLst/>
-          </a:prstGeom>
-        </p:spPr>
-      </p:pic>
-    </p:spTree>
-    <p:extLst>
-      <p:ext uri="{BB962C8B-B14F-4D97-AF65-F5344CB8AC3E}">
-        <p14:creationId xmlns:p14="http://schemas.microsoft.com/office/powerpoint/2010/main" val="935981685"/>
       </p:ext>
     </p:extLst>
   </p:cSld>
@@ -16252,7 +16377,7 @@
             <a:pPr lvl="0"/>
             <a:r>
               <a:rPr lang="en-GB" sz="4000" dirty="0"/>
-              <a:t>Conclusion</a:t>
+              <a:t>Comparison (2)</a:t>
             </a:r>
             <a:endParaRPr sz="4000" dirty="0"/>
           </a:p>
@@ -16283,33 +16408,7 @@
           </a:bodyPr>
           <a:lstStyle/>
           <a:p>
-            <a:pPr lvl="0"/>
-            <a:r>
-              <a:rPr lang="en-GB" dirty="0"/>
-              <a:t>We have presented several ways of </a:t>
-            </a:r>
-            <a:r>
-              <a:rPr lang="en-GB" b="1" dirty="0"/>
-              <a:t>balancing exploration and exploitation</a:t>
-            </a:r>
-            <a:r>
-              <a:rPr lang="en-GB" dirty="0"/>
-              <a:t> </a:t>
-            </a:r>
-          </a:p>
-          <a:p>
-            <a:pPr lvl="1"/>
-            <a:r>
-              <a:rPr lang="en-GB" dirty="0"/>
-              <a:t>epsilon-greedy methods choose randomly a small fraction of the time</a:t>
-            </a:r>
-          </a:p>
-          <a:p>
-            <a:pPr lvl="1"/>
-            <a:r>
-              <a:rPr lang="en-GB" dirty="0"/>
-              <a:t>UCB methods choose deterministically, but achieve exploration by favouring actions that have so far received fewer samples</a:t>
-            </a:r>
+            <a:endParaRPr lang="en-GB" dirty="0"/>
           </a:p>
           <a:p>
             <a:pPr lvl="0"/>
@@ -16317,36 +16416,56 @@
           </a:p>
           <a:p>
             <a:pPr lvl="0"/>
-            <a:r>
-              <a:rPr lang="en-GB" dirty="0"/>
-              <a:t>The epsilon-greedy strategy (and its decaying versions) is still the most popular exploration strategy in use today</a:t>
-            </a:r>
+            <a:endParaRPr lang="en-GB" dirty="0"/>
+          </a:p>
+          <a:p>
+            <a:pPr lvl="0"/>
+            <a:endParaRPr lang="en-GB" dirty="0"/>
+          </a:p>
+          <a:p>
+            <a:pPr lvl="0"/>
+            <a:endParaRPr lang="en-GB" dirty="0"/>
           </a:p>
           <a:p>
             <a:pPr lvl="1"/>
-            <a:r>
-              <a:rPr lang="en-GB" dirty="0"/>
-              <a:t>perhaps because it per forms well</a:t>
-            </a:r>
-          </a:p>
-          <a:p>
-            <a:pPr lvl="1"/>
-            <a:r>
-              <a:rPr lang="en-GB" dirty="0"/>
-              <a:t>perhaps because of its simplicity</a:t>
-            </a:r>
-            <a:endParaRPr lang="en-GB" b="1" dirty="0">
-              <a:highlight>
-                <a:srgbClr val="FFFF00"/>
-              </a:highlight>
-            </a:endParaRPr>
+            <a:endParaRPr lang="en-GB" dirty="0"/>
           </a:p>
         </p:txBody>
       </p:sp>
+      <p:pic>
+        <p:nvPicPr>
+          <p:cNvPr id="3" name="Immagine 2" descr="Immagine che contiene Diagramma, linea, diagramma, schermata&#10;&#10;Descrizione generata automaticamente">
+            <a:extLst>
+              <a:ext uri="{FF2B5EF4-FFF2-40B4-BE49-F238E27FC236}">
+                <a16:creationId xmlns:a16="http://schemas.microsoft.com/office/drawing/2014/main" id="{C089544C-BA4C-C270-864C-942B999B3FC2}"/>
+              </a:ext>
+            </a:extLst>
+          </p:cNvPr>
+          <p:cNvPicPr>
+            <a:picLocks noChangeAspect="1"/>
+          </p:cNvPicPr>
+          <p:nvPr/>
+        </p:nvPicPr>
+        <p:blipFill>
+          <a:blip r:embed="rId3"/>
+          <a:stretch>
+            <a:fillRect/>
+          </a:stretch>
+        </p:blipFill>
+        <p:spPr>
+          <a:xfrm>
+            <a:off x="259722" y="1154764"/>
+            <a:ext cx="8572578" cy="5224230"/>
+          </a:xfrm>
+          <a:prstGeom prst="rect">
+            <a:avLst/>
+          </a:prstGeom>
+        </p:spPr>
+      </p:pic>
     </p:spTree>
     <p:extLst>
       <p:ext uri="{BB962C8B-B14F-4D97-AF65-F5344CB8AC3E}">
-        <p14:creationId xmlns:p14="http://schemas.microsoft.com/office/powerpoint/2010/main" val="1633318716"/>
+        <p14:creationId xmlns:p14="http://schemas.microsoft.com/office/powerpoint/2010/main" val="935981685"/>
       </p:ext>
     </p:extLst>
   </p:cSld>
@@ -16465,7 +16584,7 @@
             <a:pPr lvl="0"/>
             <a:r>
               <a:rPr lang="en-GB" dirty="0"/>
-              <a:t>Every decision we make is a </a:t>
+              <a:t>Every decision is a </a:t>
             </a:r>
             <a:r>
               <a:rPr lang="en-GB" b="1" dirty="0"/>
@@ -16492,7 +16611,7 @@
             <a:pPr lvl="1"/>
             <a:r>
               <a:rPr lang="en-GB" dirty="0"/>
-              <a:t>when we go to a restaurant, should we order our favourite dish or should we request that dish you’ve been meaning to try? </a:t>
+              <a:t>when we go to a restaurant, should we order our favourite dish or should we request that dish we want to try? </a:t>
             </a:r>
           </a:p>
           <a:p>
@@ -16567,6 +16686,171 @@
     <p:extLst>
       <p:ext uri="{BB962C8B-B14F-4D97-AF65-F5344CB8AC3E}">
         <p14:creationId xmlns:p14="http://schemas.microsoft.com/office/powerpoint/2010/main" val="2056707301"/>
+      </p:ext>
+    </p:extLst>
+  </p:cSld>
+  <p:clrMapOvr>
+    <a:masterClrMapping/>
+  </p:clrMapOvr>
+</p:sld>
+</file>
+
+<file path=ppt/slides/slide30.xml><?xml version="1.0" encoding="utf-8"?>
+<p:sld xmlns:a="http://schemas.openxmlformats.org/drawingml/2006/main" xmlns:r="http://schemas.openxmlformats.org/officeDocument/2006/relationships" xmlns:p="http://schemas.openxmlformats.org/presentationml/2006/main">
+  <p:cSld>
+    <p:spTree>
+      <p:nvGrpSpPr>
+        <p:cNvPr id="1" name="Shape 82"/>
+        <p:cNvGrpSpPr/>
+        <p:nvPr/>
+      </p:nvGrpSpPr>
+      <p:grpSpPr>
+        <a:xfrm>
+          <a:off x="0" y="0"/>
+          <a:ext cx="0" cy="0"/>
+          <a:chOff x="0" y="0"/>
+          <a:chExt cx="0" cy="0"/>
+        </a:xfrm>
+      </p:grpSpPr>
+      <p:sp>
+        <p:nvSpPr>
+          <p:cNvPr id="83" name="Google Shape;83;p14"/>
+          <p:cNvSpPr txBox="1">
+            <a:spLocks noGrp="1"/>
+          </p:cNvSpPr>
+          <p:nvPr>
+            <p:ph type="title" idx="4294967295"/>
+          </p:nvPr>
+        </p:nvSpPr>
+        <p:spPr>
+          <a:xfrm>
+            <a:off x="311700" y="421233"/>
+            <a:ext cx="8520600" cy="622500"/>
+          </a:xfrm>
+          <a:prstGeom prst="rect">
+            <a:avLst/>
+          </a:prstGeom>
+        </p:spPr>
+        <p:txBody>
+          <a:bodyPr spcFirstLastPara="1" wrap="square" lIns="91425" tIns="91425" rIns="91425" bIns="91425" anchor="b" anchorCtr="0">
+            <a:noAutofit/>
+          </a:bodyPr>
+          <a:lstStyle/>
+          <a:p>
+            <a:pPr lvl="0"/>
+            <a:r>
+              <a:rPr lang="en-GB" sz="4000" dirty="0"/>
+              <a:t>Conclusion</a:t>
+            </a:r>
+            <a:endParaRPr sz="4000" dirty="0"/>
+          </a:p>
+        </p:txBody>
+      </p:sp>
+      <p:sp>
+        <p:nvSpPr>
+          <p:cNvPr id="84" name="Google Shape;84;p14"/>
+          <p:cNvSpPr txBox="1">
+            <a:spLocks noGrp="1"/>
+          </p:cNvSpPr>
+          <p:nvPr>
+            <p:ph type="body" idx="1"/>
+          </p:nvPr>
+        </p:nvSpPr>
+        <p:spPr>
+          <a:xfrm>
+            <a:off x="162750" y="1212537"/>
+            <a:ext cx="8818500" cy="5224230"/>
+          </a:xfrm>
+          <a:prstGeom prst="rect">
+            <a:avLst/>
+          </a:prstGeom>
+        </p:spPr>
+        <p:txBody>
+          <a:bodyPr spcFirstLastPara="1" wrap="square" lIns="91425" tIns="91425" rIns="91425" bIns="91425" anchor="t" anchorCtr="0">
+            <a:noAutofit/>
+          </a:bodyPr>
+          <a:lstStyle/>
+          <a:p>
+            <a:pPr lvl="0"/>
+            <a:r>
+              <a:rPr lang="en-GB" dirty="0"/>
+              <a:t>We have presented several ways of </a:t>
+            </a:r>
+            <a:r>
+              <a:rPr lang="en-GB" b="1" dirty="0"/>
+              <a:t>balancing exploration and exploitation</a:t>
+            </a:r>
+            <a:r>
+              <a:rPr lang="en-GB" dirty="0"/>
+              <a:t> </a:t>
+            </a:r>
+          </a:p>
+          <a:p>
+            <a:pPr lvl="1"/>
+            <a:r>
+              <a:rPr lang="en-GB" dirty="0"/>
+              <a:t>epsilon-greedy methods choose randomly a small fraction of the time</a:t>
+            </a:r>
+          </a:p>
+          <a:p>
+            <a:pPr lvl="1"/>
+            <a:r>
+              <a:rPr lang="en-GB" dirty="0"/>
+              <a:t>UCB methods choose deterministically, but achieve exploration by favouring actions that have so far received fewer samples</a:t>
+            </a:r>
+          </a:p>
+          <a:p>
+            <a:pPr lvl="0"/>
+            <a:endParaRPr lang="en-GB" dirty="0"/>
+          </a:p>
+          <a:p>
+            <a:pPr lvl="0"/>
+            <a:r>
+              <a:rPr lang="en-GB" dirty="0"/>
+              <a:t>The </a:t>
+            </a:r>
+            <a:r>
+              <a:rPr lang="en-GB" b="1" dirty="0"/>
+              <a:t>epsilon-greedy strategy </a:t>
+            </a:r>
+            <a:r>
+              <a:rPr lang="en-GB" dirty="0"/>
+              <a:t>(and its decaying versions) is still the </a:t>
+            </a:r>
+            <a:r>
+              <a:rPr lang="en-GB" b="1" dirty="0"/>
+              <a:t>most popular exploration strateg</a:t>
+            </a:r>
+            <a:r>
+              <a:rPr lang="en-GB" dirty="0"/>
+              <a:t>y in use today</a:t>
+            </a:r>
+          </a:p>
+          <a:p>
+            <a:pPr lvl="1"/>
+            <a:r>
+              <a:rPr lang="en-GB" dirty="0"/>
+              <a:t>because it performs well</a:t>
+            </a:r>
+          </a:p>
+          <a:p>
+            <a:pPr lvl="1"/>
+            <a:r>
+              <a:rPr lang="en-GB" dirty="0"/>
+              <a:t>because of its simplicity</a:t>
+            </a:r>
+            <a:endParaRPr lang="en-GB" b="1" dirty="0">
+              <a:highlight>
+                <a:srgbClr val="FFFF00"/>
+              </a:highlight>
+            </a:endParaRPr>
+          </a:p>
+        </p:txBody>
+      </p:sp>
+    </p:spTree>
+    <p:extLst>
+      <p:ext uri="{BB962C8B-B14F-4D97-AF65-F5344CB8AC3E}">
+        <p14:creationId xmlns:p14="http://schemas.microsoft.com/office/powerpoint/2010/main" val="1633318716"/>
       </p:ext>
     </p:extLst>
   </p:cSld>
@@ -17450,7 +17734,7 @@
             </a:r>
             <a:r>
               <a:rPr lang="en-GB" b="1" dirty="0"/>
-              <a:t>this</a:t>
+              <a:t>that</a:t>
             </a:r>
             <a:r>
               <a:rPr lang="en-GB" dirty="0"/>

--- a/03 - Exploration vs Exploitation/slides.pptx
+++ b/03 - Exploration vs Exploitation/slides.pptx
@@ -13581,13 +13581,14 @@
             <a:endParaRPr lang="en-GB" dirty="0"/>
           </a:p>
           <a:p>
+            <a:pPr lvl="0"/>
             <a:r>
               <a:rPr lang="en-GB" b="1" dirty="0">
                 <a:highlight>
                   <a:srgbClr val="FFFF00"/>
                 </a:highlight>
               </a:rPr>
-              <a:t>See “epsilon-</a:t>
+              <a:t>See “</a:t>
             </a:r>
             <a:r>
               <a:rPr lang="en-GB" b="1" dirty="0" err="1">
@@ -13595,7 +13596,7 @@
                   <a:srgbClr val="FFFF00"/>
                 </a:highlight>
               </a:rPr>
-              <a:t>greedy.ipynb</a:t>
+              <a:t>notebook.ipynb</a:t>
             </a:r>
             <a:r>
               <a:rPr lang="en-GB" b="1" dirty="0">
@@ -13603,7 +13604,7 @@
                   <a:srgbClr val="FFFF00"/>
                 </a:highlight>
               </a:rPr>
-              <a:t>” notebook</a:t>
+              <a:t>”</a:t>
             </a:r>
           </a:p>
           <a:p>
@@ -14089,13 +14090,14 @@
             <a:endParaRPr lang="en-GB" sz="800" dirty="0"/>
           </a:p>
           <a:p>
+            <a:pPr lvl="0"/>
             <a:r>
               <a:rPr lang="en-GB" b="1" dirty="0">
                 <a:highlight>
                   <a:srgbClr val="FFFF00"/>
                 </a:highlight>
               </a:rPr>
-              <a:t>See “decay-epsilon-</a:t>
+              <a:t>See “</a:t>
             </a:r>
             <a:r>
               <a:rPr lang="en-GB" b="1" dirty="0" err="1">
@@ -14103,7 +14105,7 @@
                   <a:srgbClr val="FFFF00"/>
                 </a:highlight>
               </a:rPr>
-              <a:t>greedy.ipynb</a:t>
+              <a:t>notebook.ipynb</a:t>
             </a:r>
             <a:r>
               <a:rPr lang="en-GB" b="1" dirty="0">
@@ -14111,7 +14113,7 @@
                   <a:srgbClr val="FFFF00"/>
                 </a:highlight>
               </a:rPr>
-              <a:t>” notebook</a:t>
+              <a:t>”</a:t>
             </a:r>
           </a:p>
           <a:p>
@@ -14473,13 +14475,14 @@
             <a:endParaRPr lang="en-GB" dirty="0"/>
           </a:p>
           <a:p>
+            <a:pPr lvl="0"/>
             <a:r>
               <a:rPr lang="en-GB" b="1" dirty="0">
                 <a:highlight>
                   <a:srgbClr val="FFFF00"/>
                 </a:highlight>
               </a:rPr>
-              <a:t>See “optimistic-initial-</a:t>
+              <a:t>See “</a:t>
             </a:r>
             <a:r>
               <a:rPr lang="en-GB" b="1" dirty="0" err="1">
@@ -14487,7 +14490,7 @@
                   <a:srgbClr val="FFFF00"/>
                 </a:highlight>
               </a:rPr>
-              <a:t>value.ipynb</a:t>
+              <a:t>notebook.ipynb</a:t>
             </a:r>
             <a:r>
               <a:rPr lang="en-GB" b="1" dirty="0">
@@ -14495,7 +14498,7 @@
                   <a:srgbClr val="FFFF00"/>
                 </a:highlight>
               </a:rPr>
-              <a:t>” notebook</a:t>
+              <a:t>”</a:t>
             </a:r>
           </a:p>
           <a:p>
@@ -15368,13 +15371,14 @@
             </a:r>
           </a:p>
           <a:p>
+            <a:pPr lvl="0"/>
             <a:r>
               <a:rPr lang="en-GB" b="1" dirty="0">
                 <a:highlight>
                   <a:srgbClr val="FFFF00"/>
                 </a:highlight>
               </a:rPr>
-              <a:t>See the “</a:t>
+              <a:t>See “</a:t>
             </a:r>
             <a:r>
               <a:rPr lang="en-GB" b="1" dirty="0" err="1">
@@ -15382,7 +15386,7 @@
                   <a:srgbClr val="FFFF00"/>
                 </a:highlight>
               </a:rPr>
-              <a:t>softmax.ipynb</a:t>
+              <a:t>notebook.ipynb</a:t>
             </a:r>
             <a:r>
               <a:rPr lang="en-GB" b="1" dirty="0">
@@ -15390,7 +15394,7 @@
                   <a:srgbClr val="FFFF00"/>
                 </a:highlight>
               </a:rPr>
-              <a:t>” notebook</a:t>
+              <a:t>”</a:t>
             </a:r>
           </a:p>
           <a:p>
@@ -15953,13 +15957,14 @@
             <a:endParaRPr lang="en-GB" sz="1100" dirty="0"/>
           </a:p>
           <a:p>
+            <a:pPr lvl="0"/>
             <a:r>
               <a:rPr lang="en-GB" b="1" dirty="0">
                 <a:highlight>
                   <a:srgbClr val="FFFF00"/>
                 </a:highlight>
               </a:rPr>
-              <a:t>See the “</a:t>
+              <a:t>See “</a:t>
             </a:r>
             <a:r>
               <a:rPr lang="en-GB" b="1" dirty="0" err="1">
@@ -15967,7 +15972,7 @@
                   <a:srgbClr val="FFFF00"/>
                 </a:highlight>
               </a:rPr>
-              <a:t>ucb.ipynb</a:t>
+              <a:t>notebook.ipynb</a:t>
             </a:r>
             <a:r>
               <a:rPr lang="en-GB" b="1" dirty="0">
@@ -15975,7 +15980,7 @@
                   <a:srgbClr val="FFFF00"/>
                 </a:highlight>
               </a:rPr>
-              <a:t>” notebook</a:t>
+              <a:t>”</a:t>
             </a:r>
           </a:p>
         </p:txBody>
@@ -16243,13 +16248,14 @@
             </a:endParaRPr>
           </a:p>
           <a:p>
+            <a:pPr lvl="0"/>
             <a:r>
               <a:rPr lang="en-GB" b="1" dirty="0">
                 <a:highlight>
                   <a:srgbClr val="FFFF00"/>
                 </a:highlight>
               </a:rPr>
-              <a:t>See the “</a:t>
+              <a:t>See “</a:t>
             </a:r>
             <a:r>
               <a:rPr lang="en-GB" b="1" dirty="0" err="1">
@@ -16257,7 +16263,7 @@
                   <a:srgbClr val="FFFF00"/>
                 </a:highlight>
               </a:rPr>
-              <a:t>comparison.ipynb</a:t>
+              <a:t>notebook.ipynb</a:t>
             </a:r>
             <a:r>
               <a:rPr lang="en-GB" b="1" dirty="0">
@@ -16265,7 +16271,7 @@
                   <a:srgbClr val="FFFF00"/>
                 </a:highlight>
               </a:rPr>
-              <a:t>” notebook</a:t>
+              <a:t>”</a:t>
             </a:r>
           </a:p>
           <a:p>
@@ -17038,13 +17044,14 @@
             </a:r>
           </a:p>
           <a:p>
+            <a:pPr lvl="0"/>
             <a:r>
               <a:rPr lang="en-GB" b="1" dirty="0">
                 <a:highlight>
                   <a:srgbClr val="FFFF00"/>
                 </a:highlight>
               </a:rPr>
-              <a:t>See “multi-armed-</a:t>
+              <a:t>See “</a:t>
             </a:r>
             <a:r>
               <a:rPr lang="en-GB" b="1" dirty="0" err="1">
@@ -17052,7 +17059,7 @@
                   <a:srgbClr val="FFFF00"/>
                 </a:highlight>
               </a:rPr>
-              <a:t>bandit.ipynb</a:t>
+              <a:t>notebook.ipynb</a:t>
             </a:r>
             <a:r>
               <a:rPr lang="en-GB" b="1" dirty="0">
@@ -17060,7 +17067,7 @@
                   <a:srgbClr val="FFFF00"/>
                 </a:highlight>
               </a:rPr>
-              <a:t>” notebook</a:t>
+              <a:t>”</a:t>
             </a:r>
           </a:p>
           <a:p>

--- a/03 - Exploration vs Exploitation/slides.pptx
+++ b/03 - Exploration vs Exploitation/slides.pptx
@@ -5,7 +5,7 @@
     <p:sldMasterId id="2147483659" r:id="rId1"/>
   </p:sldMasterIdLst>
   <p:notesMasterIdLst>
-    <p:notesMasterId r:id="rId32"/>
+    <p:notesMasterId r:id="rId34"/>
   </p:notesMasterIdLst>
   <p:sldIdLst>
     <p:sldId id="256" r:id="rId2"/>
@@ -21,40 +21,42 @@
     <p:sldId id="272" r:id="rId12"/>
     <p:sldId id="275" r:id="rId13"/>
     <p:sldId id="276" r:id="rId14"/>
-    <p:sldId id="280" r:id="rId15"/>
-    <p:sldId id="277" r:id="rId16"/>
-    <p:sldId id="288" r:id="rId17"/>
-    <p:sldId id="293" r:id="rId18"/>
-    <p:sldId id="289" r:id="rId19"/>
-    <p:sldId id="273" r:id="rId20"/>
-    <p:sldId id="274" r:id="rId21"/>
-    <p:sldId id="281" r:id="rId22"/>
-    <p:sldId id="282" r:id="rId23"/>
-    <p:sldId id="283" r:id="rId24"/>
-    <p:sldId id="284" r:id="rId25"/>
-    <p:sldId id="285" r:id="rId26"/>
-    <p:sldId id="286" r:id="rId27"/>
-    <p:sldId id="287" r:id="rId28"/>
-    <p:sldId id="291" r:id="rId29"/>
-    <p:sldId id="290" r:id="rId30"/>
-    <p:sldId id="292" r:id="rId31"/>
+    <p:sldId id="295" r:id="rId15"/>
+    <p:sldId id="280" r:id="rId16"/>
+    <p:sldId id="277" r:id="rId17"/>
+    <p:sldId id="288" r:id="rId18"/>
+    <p:sldId id="293" r:id="rId19"/>
+    <p:sldId id="289" r:id="rId20"/>
+    <p:sldId id="273" r:id="rId21"/>
+    <p:sldId id="274" r:id="rId22"/>
+    <p:sldId id="281" r:id="rId23"/>
+    <p:sldId id="282" r:id="rId24"/>
+    <p:sldId id="283" r:id="rId25"/>
+    <p:sldId id="296" r:id="rId26"/>
+    <p:sldId id="285" r:id="rId27"/>
+    <p:sldId id="286" r:id="rId28"/>
+    <p:sldId id="287" r:id="rId29"/>
+    <p:sldId id="291" r:id="rId30"/>
+    <p:sldId id="290" r:id="rId31"/>
+    <p:sldId id="297" r:id="rId32"/>
+    <p:sldId id="292" r:id="rId33"/>
   </p:sldIdLst>
   <p:sldSz cx="9144000" cy="6858000" type="screen4x3"/>
   <p:notesSz cx="6858000" cy="9144000"/>
   <p:embeddedFontLst>
     <p:embeddedFont>
       <p:font typeface="Economica" panose="02000506040000020004" pitchFamily="2" charset="77"/>
-      <p:regular r:id="rId33"/>
-      <p:bold r:id="rId34"/>
-      <p:italic r:id="rId35"/>
-      <p:boldItalic r:id="rId36"/>
+      <p:regular r:id="rId35"/>
+      <p:bold r:id="rId36"/>
+      <p:italic r:id="rId37"/>
+      <p:boldItalic r:id="rId38"/>
     </p:embeddedFont>
     <p:embeddedFont>
       <p:font typeface="Open Sans" panose="020B0606030504020204" pitchFamily="34" charset="0"/>
-      <p:regular r:id="rId37"/>
-      <p:bold r:id="rId38"/>
-      <p:italic r:id="rId39"/>
-      <p:boldItalic r:id="rId40"/>
+      <p:regular r:id="rId39"/>
+      <p:bold r:id="rId40"/>
+      <p:italic r:id="rId41"/>
+      <p:boldItalic r:id="rId42"/>
     </p:embeddedFont>
   </p:embeddedFontLst>
   <p:defaultTextStyle>
@@ -4776,7 +4778,13 @@
   <p:cSld>
     <p:spTree>
       <p:nvGrpSpPr>
-        <p:cNvPr id="1" name="Shape 79"/>
+        <p:cNvPr id="1" name="Shape 79">
+          <a:extLst>
+            <a:ext uri="{FF2B5EF4-FFF2-40B4-BE49-F238E27FC236}">
+              <a16:creationId xmlns:a16="http://schemas.microsoft.com/office/drawing/2014/main" id="{E5C2CA61-03CC-7D1B-356E-EB6E1C739BF3}"/>
+            </a:ext>
+          </a:extLst>
+        </p:cNvPr>
         <p:cNvGrpSpPr/>
         <p:nvPr/>
       </p:nvGrpSpPr>
@@ -4790,7 +4798,13 @@
       </p:grpSpPr>
       <p:sp>
         <p:nvSpPr>
-          <p:cNvPr id="80" name="Google Shape;80;geed6aedbf_0_0:notes"/>
+          <p:cNvPr id="80" name="Google Shape;80;geed6aedbf_0_0:notes">
+            <a:extLst>
+              <a:ext uri="{FF2B5EF4-FFF2-40B4-BE49-F238E27FC236}">
+                <a16:creationId xmlns:a16="http://schemas.microsoft.com/office/drawing/2014/main" id="{8753D6F2-8872-A5F2-09E8-9A5EE3E6E3F4}"/>
+              </a:ext>
+            </a:extLst>
+          </p:cNvPr>
           <p:cNvSpPr>
             <a:spLocks noGrp="1" noRot="1" noChangeAspect="1"/>
           </p:cNvSpPr>
@@ -4831,7 +4845,13 @@
       </p:sp>
       <p:sp>
         <p:nvSpPr>
-          <p:cNvPr id="81" name="Google Shape;81;geed6aedbf_0_0:notes"/>
+          <p:cNvPr id="81" name="Google Shape;81;geed6aedbf_0_0:notes">
+            <a:extLst>
+              <a:ext uri="{FF2B5EF4-FFF2-40B4-BE49-F238E27FC236}">
+                <a16:creationId xmlns:a16="http://schemas.microsoft.com/office/drawing/2014/main" id="{9332E025-C56F-AA53-F1F4-56370E2BD737}"/>
+              </a:ext>
+            </a:extLst>
+          </p:cNvPr>
           <p:cNvSpPr txBox="1">
             <a:spLocks noGrp="1"/>
           </p:cNvSpPr>
@@ -4870,7 +4890,7 @@
     </p:spTree>
     <p:extLst>
       <p:ext uri="{BB962C8B-B14F-4D97-AF65-F5344CB8AC3E}">
-        <p14:creationId xmlns:p14="http://schemas.microsoft.com/office/powerpoint/2010/main" val="1282624216"/>
+        <p14:creationId xmlns:p14="http://schemas.microsoft.com/office/powerpoint/2010/main" val="1040177523"/>
       </p:ext>
     </p:extLst>
   </p:cSld>
@@ -4979,7 +4999,7 @@
     </p:spTree>
     <p:extLst>
       <p:ext uri="{BB962C8B-B14F-4D97-AF65-F5344CB8AC3E}">
-        <p14:creationId xmlns:p14="http://schemas.microsoft.com/office/powerpoint/2010/main" val="1463941834"/>
+        <p14:creationId xmlns:p14="http://schemas.microsoft.com/office/powerpoint/2010/main" val="1282624216"/>
       </p:ext>
     </p:extLst>
   </p:cSld>
@@ -5088,7 +5108,7 @@
     </p:spTree>
     <p:extLst>
       <p:ext uri="{BB962C8B-B14F-4D97-AF65-F5344CB8AC3E}">
-        <p14:creationId xmlns:p14="http://schemas.microsoft.com/office/powerpoint/2010/main" val="1792700484"/>
+        <p14:creationId xmlns:p14="http://schemas.microsoft.com/office/powerpoint/2010/main" val="1463941834"/>
       </p:ext>
     </p:extLst>
   </p:cSld>
@@ -5197,7 +5217,7 @@
     </p:spTree>
     <p:extLst>
       <p:ext uri="{BB962C8B-B14F-4D97-AF65-F5344CB8AC3E}">
-        <p14:creationId xmlns:p14="http://schemas.microsoft.com/office/powerpoint/2010/main" val="3920558201"/>
+        <p14:creationId xmlns:p14="http://schemas.microsoft.com/office/powerpoint/2010/main" val="1792700484"/>
       </p:ext>
     </p:extLst>
   </p:cSld>
@@ -5306,7 +5326,7 @@
     </p:spTree>
     <p:extLst>
       <p:ext uri="{BB962C8B-B14F-4D97-AF65-F5344CB8AC3E}">
-        <p14:creationId xmlns:p14="http://schemas.microsoft.com/office/powerpoint/2010/main" val="3282982545"/>
+        <p14:creationId xmlns:p14="http://schemas.microsoft.com/office/powerpoint/2010/main" val="3920558201"/>
       </p:ext>
     </p:extLst>
   </p:cSld>
@@ -5415,7 +5435,7 @@
     </p:spTree>
     <p:extLst>
       <p:ext uri="{BB962C8B-B14F-4D97-AF65-F5344CB8AC3E}">
-        <p14:creationId xmlns:p14="http://schemas.microsoft.com/office/powerpoint/2010/main" val="3993875207"/>
+        <p14:creationId xmlns:p14="http://schemas.microsoft.com/office/powerpoint/2010/main" val="3282982545"/>
       </p:ext>
     </p:extLst>
   </p:cSld>
@@ -5628,7 +5648,7 @@
     </p:spTree>
     <p:extLst>
       <p:ext uri="{BB962C8B-B14F-4D97-AF65-F5344CB8AC3E}">
-        <p14:creationId xmlns:p14="http://schemas.microsoft.com/office/powerpoint/2010/main" val="3074635309"/>
+        <p14:creationId xmlns:p14="http://schemas.microsoft.com/office/powerpoint/2010/main" val="3993875207"/>
       </p:ext>
     </p:extLst>
   </p:cSld>
@@ -5737,7 +5757,7 @@
     </p:spTree>
     <p:extLst>
       <p:ext uri="{BB962C8B-B14F-4D97-AF65-F5344CB8AC3E}">
-        <p14:creationId xmlns:p14="http://schemas.microsoft.com/office/powerpoint/2010/main" val="175154283"/>
+        <p14:creationId xmlns:p14="http://schemas.microsoft.com/office/powerpoint/2010/main" val="3074635309"/>
       </p:ext>
     </p:extLst>
   </p:cSld>
@@ -5846,7 +5866,7 @@
     </p:spTree>
     <p:extLst>
       <p:ext uri="{BB962C8B-B14F-4D97-AF65-F5344CB8AC3E}">
-        <p14:creationId xmlns:p14="http://schemas.microsoft.com/office/powerpoint/2010/main" val="2480102311"/>
+        <p14:creationId xmlns:p14="http://schemas.microsoft.com/office/powerpoint/2010/main" val="175154283"/>
       </p:ext>
     </p:extLst>
   </p:cSld>
@@ -5955,7 +5975,7 @@
     </p:spTree>
     <p:extLst>
       <p:ext uri="{BB962C8B-B14F-4D97-AF65-F5344CB8AC3E}">
-        <p14:creationId xmlns:p14="http://schemas.microsoft.com/office/powerpoint/2010/main" val="2336865006"/>
+        <p14:creationId xmlns:p14="http://schemas.microsoft.com/office/powerpoint/2010/main" val="2480102311"/>
       </p:ext>
     </p:extLst>
   </p:cSld>
@@ -6064,7 +6084,7 @@
     </p:spTree>
     <p:extLst>
       <p:ext uri="{BB962C8B-B14F-4D97-AF65-F5344CB8AC3E}">
-        <p14:creationId xmlns:p14="http://schemas.microsoft.com/office/powerpoint/2010/main" val="1762573810"/>
+        <p14:creationId xmlns:p14="http://schemas.microsoft.com/office/powerpoint/2010/main" val="2336865006"/>
       </p:ext>
     </p:extLst>
   </p:cSld>
@@ -6079,7 +6099,13 @@
   <p:cSld>
     <p:spTree>
       <p:nvGrpSpPr>
-        <p:cNvPr id="1" name="Shape 79"/>
+        <p:cNvPr id="1" name="Shape 79">
+          <a:extLst>
+            <a:ext uri="{FF2B5EF4-FFF2-40B4-BE49-F238E27FC236}">
+              <a16:creationId xmlns:a16="http://schemas.microsoft.com/office/drawing/2014/main" id="{F3273DA6-E731-A5D6-2378-AC5DF52E89AD}"/>
+            </a:ext>
+          </a:extLst>
+        </p:cNvPr>
         <p:cNvGrpSpPr/>
         <p:nvPr/>
       </p:nvGrpSpPr>
@@ -6093,7 +6119,13 @@
       </p:grpSpPr>
       <p:sp>
         <p:nvSpPr>
-          <p:cNvPr id="80" name="Google Shape;80;geed6aedbf_0_0:notes"/>
+          <p:cNvPr id="80" name="Google Shape;80;geed6aedbf_0_0:notes">
+            <a:extLst>
+              <a:ext uri="{FF2B5EF4-FFF2-40B4-BE49-F238E27FC236}">
+                <a16:creationId xmlns:a16="http://schemas.microsoft.com/office/drawing/2014/main" id="{262B6CDF-6537-9027-9A64-3A46A9E5AADB}"/>
+              </a:ext>
+            </a:extLst>
+          </p:cNvPr>
           <p:cNvSpPr>
             <a:spLocks noGrp="1" noRot="1" noChangeAspect="1"/>
           </p:cNvSpPr>
@@ -6134,7 +6166,13 @@
       </p:sp>
       <p:sp>
         <p:nvSpPr>
-          <p:cNvPr id="81" name="Google Shape;81;geed6aedbf_0_0:notes"/>
+          <p:cNvPr id="81" name="Google Shape;81;geed6aedbf_0_0:notes">
+            <a:extLst>
+              <a:ext uri="{FF2B5EF4-FFF2-40B4-BE49-F238E27FC236}">
+                <a16:creationId xmlns:a16="http://schemas.microsoft.com/office/drawing/2014/main" id="{4F968B63-FB42-E372-2237-2AB6FCDDF4D3}"/>
+              </a:ext>
+            </a:extLst>
+          </p:cNvPr>
           <p:cNvSpPr txBox="1">
             <a:spLocks noGrp="1"/>
           </p:cNvSpPr>
@@ -6173,7 +6211,7 @@
     </p:spTree>
     <p:extLst>
       <p:ext uri="{BB962C8B-B14F-4D97-AF65-F5344CB8AC3E}">
-        <p14:creationId xmlns:p14="http://schemas.microsoft.com/office/powerpoint/2010/main" val="1369256882"/>
+        <p14:creationId xmlns:p14="http://schemas.microsoft.com/office/powerpoint/2010/main" val="1833024302"/>
       </p:ext>
     </p:extLst>
   </p:cSld>
@@ -6282,7 +6320,7 @@
     </p:spTree>
     <p:extLst>
       <p:ext uri="{BB962C8B-B14F-4D97-AF65-F5344CB8AC3E}">
-        <p14:creationId xmlns:p14="http://schemas.microsoft.com/office/powerpoint/2010/main" val="694799437"/>
+        <p14:creationId xmlns:p14="http://schemas.microsoft.com/office/powerpoint/2010/main" val="1369256882"/>
       </p:ext>
     </p:extLst>
   </p:cSld>
@@ -6391,7 +6429,7 @@
     </p:spTree>
     <p:extLst>
       <p:ext uri="{BB962C8B-B14F-4D97-AF65-F5344CB8AC3E}">
-        <p14:creationId xmlns:p14="http://schemas.microsoft.com/office/powerpoint/2010/main" val="21700626"/>
+        <p14:creationId xmlns:p14="http://schemas.microsoft.com/office/powerpoint/2010/main" val="694799437"/>
       </p:ext>
     </p:extLst>
   </p:cSld>
@@ -6500,7 +6538,7 @@
     </p:spTree>
     <p:extLst>
       <p:ext uri="{BB962C8B-B14F-4D97-AF65-F5344CB8AC3E}">
-        <p14:creationId xmlns:p14="http://schemas.microsoft.com/office/powerpoint/2010/main" val="1908359397"/>
+        <p14:creationId xmlns:p14="http://schemas.microsoft.com/office/powerpoint/2010/main" val="21700626"/>
       </p:ext>
     </p:extLst>
   </p:cSld>
@@ -6609,7 +6647,7 @@
     </p:spTree>
     <p:extLst>
       <p:ext uri="{BB962C8B-B14F-4D97-AF65-F5344CB8AC3E}">
-        <p14:creationId xmlns:p14="http://schemas.microsoft.com/office/powerpoint/2010/main" val="1854983535"/>
+        <p14:creationId xmlns:p14="http://schemas.microsoft.com/office/powerpoint/2010/main" val="1908359397"/>
       </p:ext>
     </p:extLst>
   </p:cSld>
@@ -6729,6 +6767,242 @@
 </file>
 
 <file path=ppt/notesSlides/notesSlide30.xml><?xml version="1.0" encoding="utf-8"?>
+<p:notes xmlns:a="http://schemas.openxmlformats.org/drawingml/2006/main" xmlns:r="http://schemas.openxmlformats.org/officeDocument/2006/relationships" xmlns:p="http://schemas.openxmlformats.org/presentationml/2006/main" showMasterSp="0" showMasterPhAnim="0">
+  <p:cSld>
+    <p:spTree>
+      <p:nvGrpSpPr>
+        <p:cNvPr id="1" name="Shape 79"/>
+        <p:cNvGrpSpPr/>
+        <p:nvPr/>
+      </p:nvGrpSpPr>
+      <p:grpSpPr>
+        <a:xfrm>
+          <a:off x="0" y="0"/>
+          <a:ext cx="0" cy="0"/>
+          <a:chOff x="0" y="0"/>
+          <a:chExt cx="0" cy="0"/>
+        </a:xfrm>
+      </p:grpSpPr>
+      <p:sp>
+        <p:nvSpPr>
+          <p:cNvPr id="80" name="Google Shape;80;geed6aedbf_0_0:notes"/>
+          <p:cNvSpPr>
+            <a:spLocks noGrp="1" noRot="1" noChangeAspect="1"/>
+          </p:cNvSpPr>
+          <p:nvPr>
+            <p:ph type="sldImg" idx="2"/>
+          </p:nvPr>
+        </p:nvSpPr>
+        <p:spPr>
+          <a:xfrm>
+            <a:off x="1143000" y="685800"/>
+            <a:ext cx="4572000" cy="3429000"/>
+          </a:xfrm>
+          <a:custGeom>
+            <a:avLst/>
+            <a:gdLst/>
+            <a:ahLst/>
+            <a:cxnLst/>
+            <a:rect l="l" t="t" r="r" b="b"/>
+            <a:pathLst>
+              <a:path w="120000" h="120000" extrusionOk="0">
+                <a:moveTo>
+                  <a:pt x="0" y="0"/>
+                </a:moveTo>
+                <a:lnTo>
+                  <a:pt x="120000" y="0"/>
+                </a:lnTo>
+                <a:lnTo>
+                  <a:pt x="120000" y="120000"/>
+                </a:lnTo>
+                <a:lnTo>
+                  <a:pt x="0" y="120000"/>
+                </a:lnTo>
+                <a:close/>
+              </a:path>
+            </a:pathLst>
+          </a:custGeom>
+        </p:spPr>
+      </p:sp>
+      <p:sp>
+        <p:nvSpPr>
+          <p:cNvPr id="81" name="Google Shape;81;geed6aedbf_0_0:notes"/>
+          <p:cNvSpPr txBox="1">
+            <a:spLocks noGrp="1"/>
+          </p:cNvSpPr>
+          <p:nvPr>
+            <p:ph type="body" idx="1"/>
+          </p:nvPr>
+        </p:nvSpPr>
+        <p:spPr>
+          <a:xfrm>
+            <a:off x="685800" y="4343400"/>
+            <a:ext cx="5486400" cy="4114800"/>
+          </a:xfrm>
+          <a:prstGeom prst="rect">
+            <a:avLst/>
+          </a:prstGeom>
+        </p:spPr>
+        <p:txBody>
+          <a:bodyPr spcFirstLastPara="1" wrap="square" lIns="91425" tIns="91425" rIns="91425" bIns="91425" anchor="t" anchorCtr="0">
+            <a:noAutofit/>
+          </a:bodyPr>
+          <a:lstStyle/>
+          <a:p>
+            <a:pPr marL="0" lvl="0" indent="0" algn="l" rtl="0">
+              <a:spcBef>
+                <a:spcPts val="0"/>
+              </a:spcBef>
+              <a:spcAft>
+                <a:spcPts val="0"/>
+              </a:spcAft>
+              <a:buNone/>
+            </a:pPr>
+            <a:endParaRPr dirty="0"/>
+          </a:p>
+        </p:txBody>
+      </p:sp>
+    </p:spTree>
+    <p:extLst>
+      <p:ext uri="{BB962C8B-B14F-4D97-AF65-F5344CB8AC3E}">
+        <p14:creationId xmlns:p14="http://schemas.microsoft.com/office/powerpoint/2010/main" val="1854983535"/>
+      </p:ext>
+    </p:extLst>
+  </p:cSld>
+  <p:clrMapOvr>
+    <a:masterClrMapping/>
+  </p:clrMapOvr>
+</p:notes>
+</file>
+
+<file path=ppt/notesSlides/notesSlide31.xml><?xml version="1.0" encoding="utf-8"?>
+<p:notes xmlns:a="http://schemas.openxmlformats.org/drawingml/2006/main" xmlns:r="http://schemas.openxmlformats.org/officeDocument/2006/relationships" xmlns:p="http://schemas.openxmlformats.org/presentationml/2006/main" showMasterSp="0" showMasterPhAnim="0">
+  <p:cSld>
+    <p:spTree>
+      <p:nvGrpSpPr>
+        <p:cNvPr id="1" name="Shape 79">
+          <a:extLst>
+            <a:ext uri="{FF2B5EF4-FFF2-40B4-BE49-F238E27FC236}">
+              <a16:creationId xmlns:a16="http://schemas.microsoft.com/office/drawing/2014/main" id="{E0975884-EE75-FD0F-177A-2BFABDCD5293}"/>
+            </a:ext>
+          </a:extLst>
+        </p:cNvPr>
+        <p:cNvGrpSpPr/>
+        <p:nvPr/>
+      </p:nvGrpSpPr>
+      <p:grpSpPr>
+        <a:xfrm>
+          <a:off x="0" y="0"/>
+          <a:ext cx="0" cy="0"/>
+          <a:chOff x="0" y="0"/>
+          <a:chExt cx="0" cy="0"/>
+        </a:xfrm>
+      </p:grpSpPr>
+      <p:sp>
+        <p:nvSpPr>
+          <p:cNvPr id="80" name="Google Shape;80;geed6aedbf_0_0:notes">
+            <a:extLst>
+              <a:ext uri="{FF2B5EF4-FFF2-40B4-BE49-F238E27FC236}">
+                <a16:creationId xmlns:a16="http://schemas.microsoft.com/office/drawing/2014/main" id="{02FE17D2-5E41-DFE6-202E-ABB627CC4520}"/>
+              </a:ext>
+            </a:extLst>
+          </p:cNvPr>
+          <p:cNvSpPr>
+            <a:spLocks noGrp="1" noRot="1" noChangeAspect="1"/>
+          </p:cNvSpPr>
+          <p:nvPr>
+            <p:ph type="sldImg" idx="2"/>
+          </p:nvPr>
+        </p:nvSpPr>
+        <p:spPr>
+          <a:xfrm>
+            <a:off x="1143000" y="685800"/>
+            <a:ext cx="4572000" cy="3429000"/>
+          </a:xfrm>
+          <a:custGeom>
+            <a:avLst/>
+            <a:gdLst/>
+            <a:ahLst/>
+            <a:cxnLst/>
+            <a:rect l="l" t="t" r="r" b="b"/>
+            <a:pathLst>
+              <a:path w="120000" h="120000" extrusionOk="0">
+                <a:moveTo>
+                  <a:pt x="0" y="0"/>
+                </a:moveTo>
+                <a:lnTo>
+                  <a:pt x="120000" y="0"/>
+                </a:lnTo>
+                <a:lnTo>
+                  <a:pt x="120000" y="120000"/>
+                </a:lnTo>
+                <a:lnTo>
+                  <a:pt x="0" y="120000"/>
+                </a:lnTo>
+                <a:close/>
+              </a:path>
+            </a:pathLst>
+          </a:custGeom>
+        </p:spPr>
+      </p:sp>
+      <p:sp>
+        <p:nvSpPr>
+          <p:cNvPr id="81" name="Google Shape;81;geed6aedbf_0_0:notes">
+            <a:extLst>
+              <a:ext uri="{FF2B5EF4-FFF2-40B4-BE49-F238E27FC236}">
+                <a16:creationId xmlns:a16="http://schemas.microsoft.com/office/drawing/2014/main" id="{D1E28E2A-CA51-EAFE-5C77-06463F9AA9CF}"/>
+              </a:ext>
+            </a:extLst>
+          </p:cNvPr>
+          <p:cNvSpPr txBox="1">
+            <a:spLocks noGrp="1"/>
+          </p:cNvSpPr>
+          <p:nvPr>
+            <p:ph type="body" idx="1"/>
+          </p:nvPr>
+        </p:nvSpPr>
+        <p:spPr>
+          <a:xfrm>
+            <a:off x="685800" y="4343400"/>
+            <a:ext cx="5486400" cy="4114800"/>
+          </a:xfrm>
+          <a:prstGeom prst="rect">
+            <a:avLst/>
+          </a:prstGeom>
+        </p:spPr>
+        <p:txBody>
+          <a:bodyPr spcFirstLastPara="1" wrap="square" lIns="91425" tIns="91425" rIns="91425" bIns="91425" anchor="t" anchorCtr="0">
+            <a:noAutofit/>
+          </a:bodyPr>
+          <a:lstStyle/>
+          <a:p>
+            <a:pPr marL="0" lvl="0" indent="0" algn="l" rtl="0">
+              <a:spcBef>
+                <a:spcPts val="0"/>
+              </a:spcBef>
+              <a:spcAft>
+                <a:spcPts val="0"/>
+              </a:spcAft>
+              <a:buNone/>
+            </a:pPr>
+            <a:endParaRPr dirty="0"/>
+          </a:p>
+        </p:txBody>
+      </p:sp>
+    </p:spTree>
+    <p:extLst>
+      <p:ext uri="{BB962C8B-B14F-4D97-AF65-F5344CB8AC3E}">
+        <p14:creationId xmlns:p14="http://schemas.microsoft.com/office/powerpoint/2010/main" val="942271461"/>
+      </p:ext>
+    </p:extLst>
+  </p:cSld>
+  <p:clrMapOvr>
+    <a:masterClrMapping/>
+  </p:clrMapOvr>
+</p:notes>
+</file>
+
+<file path=ppt/notesSlides/notesSlide32.xml><?xml version="1.0" encoding="utf-8"?>
 <p:notes xmlns:a="http://schemas.openxmlformats.org/drawingml/2006/main" xmlns:r="http://schemas.openxmlformats.org/officeDocument/2006/relationships" xmlns:p="http://schemas.openxmlformats.org/presentationml/2006/main" showMasterSp="0" showMasterPhAnim="0">
   <p:cSld>
     <p:spTree>
@@ -12779,34 +13053,26 @@
             <a:endParaRPr lang="en-GB" dirty="0"/>
           </a:p>
           <a:p>
-            <a:pPr lvl="0"/>
-            <a:endParaRPr lang="en-GB" dirty="0"/>
-          </a:p>
-          <a:p>
             <a:pPr marL="120650" lvl="0" indent="0">
               <a:buNone/>
             </a:pPr>
             <a:endParaRPr lang="en-GB" dirty="0"/>
           </a:p>
           <a:p>
-            <a:pPr lvl="0"/>
             <a:endParaRPr lang="en-GB" dirty="0"/>
           </a:p>
           <a:p>
-            <a:endParaRPr lang="en-GB" dirty="0"/>
-          </a:p>
-          <a:p>
             <a:r>
               <a:rPr lang="en-GB" dirty="0"/>
               <a:t>𝛼</a:t>
             </a:r>
             <a:r>
               <a:rPr lang="en-GB" baseline="-25000" dirty="0"/>
-              <a:t>𝑛</a:t>
-            </a:r>
-            <a:r>
-              <a:rPr lang="en-GB" dirty="0"/>
-              <a:t>(𝑎)=1/𝑛  results in the sample-average method</a:t>
+              <a:t>t</a:t>
+            </a:r>
+            <a:r>
+              <a:rPr lang="en-GB" dirty="0"/>
+              <a:t>(𝑎)=1/t  results in the sample-average method</a:t>
             </a:r>
           </a:p>
           <a:p>
@@ -12832,39 +13098,10 @@
       </p:sp>
       <p:pic>
         <p:nvPicPr>
-          <p:cNvPr id="3" name="Immagine 2">
+          <p:cNvPr id="4" name="Immagine 3" descr="Immagine che contiene testo, Carattere, ricevuta, bianco&#10;&#10;Descrizione generata automaticamente">
             <a:extLst>
               <a:ext uri="{FF2B5EF4-FFF2-40B4-BE49-F238E27FC236}">
-                <a16:creationId xmlns:a16="http://schemas.microsoft.com/office/drawing/2014/main" id="{B5B9CD22-6FF9-D225-5EB2-8DE268A8A97E}"/>
-              </a:ext>
-            </a:extLst>
-          </p:cNvPr>
-          <p:cNvPicPr>
-            <a:picLocks noChangeAspect="1"/>
-          </p:cNvPicPr>
-          <p:nvPr/>
-        </p:nvPicPr>
-        <p:blipFill rotWithShape="1">
-          <a:blip r:embed="rId3"/>
-          <a:srcRect b="30831"/>
-          <a:stretch/>
-        </p:blipFill>
-        <p:spPr>
-          <a:xfrm>
-            <a:off x="707159" y="1909621"/>
-            <a:ext cx="6123132" cy="2038927"/>
-          </a:xfrm>
-          <a:prstGeom prst="rect">
-            <a:avLst/>
-          </a:prstGeom>
-        </p:spPr>
-      </p:pic>
-      <p:pic>
-        <p:nvPicPr>
-          <p:cNvPr id="5" name="Immagine 4">
-            <a:extLst>
-              <a:ext uri="{FF2B5EF4-FFF2-40B4-BE49-F238E27FC236}">
-                <a16:creationId xmlns:a16="http://schemas.microsoft.com/office/drawing/2014/main" id="{833D9F46-C1B7-FCF8-0BA0-C772F1F351DC}"/>
+                <a16:creationId xmlns:a16="http://schemas.microsoft.com/office/drawing/2014/main" id="{1A521971-9504-AF96-F9D9-5D564F756419}"/>
               </a:ext>
             </a:extLst>
           </p:cNvPr>
@@ -12874,15 +13111,15 @@
           <p:nvPr/>
         </p:nvPicPr>
         <p:blipFill>
-          <a:blip r:embed="rId4"/>
+          <a:blip r:embed="rId3"/>
           <a:stretch>
             <a:fillRect/>
           </a:stretch>
         </p:blipFill>
         <p:spPr>
           <a:xfrm>
-            <a:off x="707159" y="4264632"/>
-            <a:ext cx="3759200" cy="762000"/>
+            <a:off x="685800" y="1811438"/>
+            <a:ext cx="7772400" cy="2227757"/>
           </a:xfrm>
           <a:prstGeom prst="rect">
             <a:avLst/>
@@ -12984,7 +13221,7 @@
             </a:r>
             <a:r>
               <a:rPr lang="en-GB" baseline="-25000" dirty="0"/>
-              <a:t>𝑛</a:t>
+              <a:t>t</a:t>
             </a:r>
             <a:r>
               <a:rPr lang="en-GB" dirty="0"/>
@@ -13004,9 +13241,9 @@
             <a:endParaRPr lang="en-GB" dirty="0"/>
           </a:p>
           <a:p>
-            <a:endParaRPr lang="en-GB" dirty="0"/>
-          </a:p>
-          <a:p>
+            <a:pPr marL="120650" indent="0">
+              <a:buNone/>
+            </a:pPr>
             <a:endParaRPr lang="en-GB" dirty="0"/>
           </a:p>
           <a:p>
@@ -13113,10 +13350,10 @@
       </p:sp>
       <p:pic>
         <p:nvPicPr>
-          <p:cNvPr id="3" name="Immagine 2">
+          <p:cNvPr id="3" name="Immagine 2" descr="Immagine che contiene Carattere, testo, bianco, calligrafia&#10;&#10;Descrizione generata automaticamente">
             <a:extLst>
               <a:ext uri="{FF2B5EF4-FFF2-40B4-BE49-F238E27FC236}">
-                <a16:creationId xmlns:a16="http://schemas.microsoft.com/office/drawing/2014/main" id="{92FD63EA-BC54-10A8-C07E-222460BB60C7}"/>
+                <a16:creationId xmlns:a16="http://schemas.microsoft.com/office/drawing/2014/main" id="{C1CEAED4-2227-C4A5-D274-A16CB0F23133}"/>
               </a:ext>
             </a:extLst>
           </p:cNvPr>
@@ -13133,8 +13370,8 @@
         </p:blipFill>
         <p:spPr>
           <a:xfrm>
-            <a:off x="837128" y="2297463"/>
-            <a:ext cx="4178300" cy="927100"/>
+            <a:off x="770038" y="2272495"/>
+            <a:ext cx="2997200" cy="762000"/>
           </a:xfrm>
           <a:prstGeom prst="rect">
             <a:avLst/>
@@ -13447,6 +13684,36 @@
           <a:chExt cx="0" cy="0"/>
         </a:xfrm>
       </p:grpSpPr>
+      <p:pic>
+        <p:nvPicPr>
+          <p:cNvPr id="3" name="Immagine 2">
+            <a:extLst>
+              <a:ext uri="{FF2B5EF4-FFF2-40B4-BE49-F238E27FC236}">
+                <a16:creationId xmlns:a16="http://schemas.microsoft.com/office/drawing/2014/main" id="{D1E8EE98-A507-049A-9A15-3D872207AD73}"/>
+              </a:ext>
+            </a:extLst>
+          </p:cNvPr>
+          <p:cNvPicPr>
+            <a:picLocks noChangeAspect="1"/>
+          </p:cNvPicPr>
+          <p:nvPr/>
+        </p:nvPicPr>
+        <p:blipFill>
+          <a:blip r:embed="rId3"/>
+          <a:stretch>
+            <a:fillRect/>
+          </a:stretch>
+        </p:blipFill>
+        <p:spPr>
+          <a:xfrm>
+            <a:off x="916478" y="3368642"/>
+            <a:ext cx="7311044" cy="2667068"/>
+          </a:xfrm>
+          <a:prstGeom prst="rect">
+            <a:avLst/>
+          </a:prstGeom>
+        </p:spPr>
+      </p:pic>
       <p:sp>
         <p:nvSpPr>
           <p:cNvPr id="83" name="Google Shape;83;p14"/>
@@ -13536,7 +13803,15 @@
             <a:pPr lvl="0"/>
             <a:r>
               <a:rPr lang="en-GB" dirty="0"/>
-              <a:t>We can combine: the agent can exploit, but also collect information</a:t>
+              <a:t>We can </a:t>
+            </a:r>
+            <a:r>
+              <a:rPr lang="en-GB" b="1" dirty="0"/>
+              <a:t>combine</a:t>
+            </a:r>
+            <a:r>
+              <a:rPr lang="en-GB" dirty="0"/>
+              <a:t>: the agent can exploit, but also collect information</a:t>
             </a:r>
           </a:p>
           <a:p>
@@ -13550,7 +13825,7 @@
             <a:pPr lvl="1"/>
             <a:r>
               <a:rPr lang="en-GB" dirty="0"/>
-              <a:t>we explore randomly every so often</a:t>
+              <a:t>sometimes we explore randomly</a:t>
             </a:r>
           </a:p>
           <a:p>
@@ -13578,34 +13853,14 @@
             <a:endParaRPr lang="en-GB" dirty="0"/>
           </a:p>
           <a:p>
-            <a:endParaRPr lang="en-GB" dirty="0"/>
-          </a:p>
-          <a:p>
-            <a:pPr lvl="0"/>
-            <a:r>
-              <a:rPr lang="en-GB" b="1" dirty="0">
-                <a:highlight>
-                  <a:srgbClr val="FFFF00"/>
-                </a:highlight>
-              </a:rPr>
-              <a:t>See “</a:t>
-            </a:r>
-            <a:r>
-              <a:rPr lang="en-GB" b="1" dirty="0" err="1">
-                <a:highlight>
-                  <a:srgbClr val="FFFF00"/>
-                </a:highlight>
-              </a:rPr>
-              <a:t>notebook.ipynb</a:t>
-            </a:r>
-            <a:r>
-              <a:rPr lang="en-GB" b="1" dirty="0">
-                <a:highlight>
-                  <a:srgbClr val="FFFF00"/>
-                </a:highlight>
-              </a:rPr>
-              <a:t>”</a:t>
-            </a:r>
+            <a:pPr marL="120650" lvl="0" indent="0">
+              <a:buNone/>
+            </a:pPr>
+            <a:endParaRPr lang="en-GB" b="1" dirty="0">
+              <a:highlight>
+                <a:srgbClr val="FFFF00"/>
+              </a:highlight>
+            </a:endParaRPr>
           </a:p>
           <a:p>
             <a:pPr lvl="0"/>
@@ -13621,51 +13876,6 @@
           </a:p>
         </p:txBody>
       </p:sp>
-      <p:pic>
-        <p:nvPicPr>
-          <p:cNvPr id="1026" name="Picture 2" descr="Epsilon-Greedy Algorithm in Reinforcement Learning - GeeksforGeeks">
-            <a:extLst>
-              <a:ext uri="{FF2B5EF4-FFF2-40B4-BE49-F238E27FC236}">
-                <a16:creationId xmlns:a16="http://schemas.microsoft.com/office/drawing/2014/main" id="{B8BDFC4E-73ED-1392-5951-BC12BD3EAC04}"/>
-              </a:ext>
-            </a:extLst>
-          </p:cNvPr>
-          <p:cNvPicPr>
-            <a:picLocks noChangeAspect="1" noChangeArrowheads="1"/>
-          </p:cNvPicPr>
-          <p:nvPr/>
-        </p:nvPicPr>
-        <p:blipFill rotWithShape="1">
-          <a:blip r:embed="rId3">
-            <a:extLst>
-              <a:ext uri="{28A0092B-C50C-407E-A947-70E740481C1C}">
-                <a14:useLocalDpi xmlns:a14="http://schemas.microsoft.com/office/drawing/2010/main" val="0"/>
-              </a:ext>
-            </a:extLst>
-          </a:blip>
-          <a:srcRect l="4946" t="15118" r="15483" b="19968"/>
-          <a:stretch/>
-        </p:blipFill>
-        <p:spPr bwMode="auto">
-          <a:xfrm>
-            <a:off x="859968" y="3701143"/>
-            <a:ext cx="5773872" cy="1139170"/>
-          </a:xfrm>
-          <a:prstGeom prst="rect">
-            <a:avLst/>
-          </a:prstGeom>
-          <a:noFill/>
-          <a:extLst>
-            <a:ext uri="{909E8E84-426E-40DD-AFC4-6F175D3DCCD1}">
-              <a14:hiddenFill xmlns:a14="http://schemas.microsoft.com/office/drawing/2010/main">
-                <a:solidFill>
-                  <a:srgbClr val="FFFFFF"/>
-                </a:solidFill>
-              </a14:hiddenFill>
-            </a:ext>
-          </a:extLst>
-        </p:spPr>
-      </p:pic>
     </p:spTree>
     <p:extLst>
       <p:ext uri="{BB962C8B-B14F-4D97-AF65-F5344CB8AC3E}">
@@ -13684,7 +13894,13 @@
   <p:cSld>
     <p:spTree>
       <p:nvGrpSpPr>
-        <p:cNvPr id="1" name="Shape 82"/>
+        <p:cNvPr id="1" name="Shape 82">
+          <a:extLst>
+            <a:ext uri="{FF2B5EF4-FFF2-40B4-BE49-F238E27FC236}">
+              <a16:creationId xmlns:a16="http://schemas.microsoft.com/office/drawing/2014/main" id="{9C914E5C-A3AC-AC68-6429-C471445686FC}"/>
+            </a:ext>
+          </a:extLst>
+        </p:cNvPr>
         <p:cNvGrpSpPr/>
         <p:nvPr/>
       </p:nvGrpSpPr>
@@ -13698,7 +13914,13 @@
       </p:grpSpPr>
       <p:sp>
         <p:nvSpPr>
-          <p:cNvPr id="83" name="Google Shape;83;p14"/>
+          <p:cNvPr id="83" name="Google Shape;83;p14">
+            <a:extLst>
+              <a:ext uri="{FF2B5EF4-FFF2-40B4-BE49-F238E27FC236}">
+                <a16:creationId xmlns:a16="http://schemas.microsoft.com/office/drawing/2014/main" id="{A18A16FF-72AD-671D-3860-A104185F89B1}"/>
+              </a:ext>
+            </a:extLst>
+          </p:cNvPr>
           <p:cNvSpPr txBox="1">
             <a:spLocks noGrp="1"/>
           </p:cNvSpPr>
@@ -13732,10 +13954,10 @@
       </p:sp>
       <p:pic>
         <p:nvPicPr>
-          <p:cNvPr id="3" name="Immagine 2">
+          <p:cNvPr id="6" name="Immagine 5">
             <a:extLst>
               <a:ext uri="{FF2B5EF4-FFF2-40B4-BE49-F238E27FC236}">
-                <a16:creationId xmlns:a16="http://schemas.microsoft.com/office/drawing/2014/main" id="{8F5E7324-77AD-3055-2BA9-B0EE50A01F0D}"/>
+                <a16:creationId xmlns:a16="http://schemas.microsoft.com/office/drawing/2014/main" id="{6EDE17A9-BD8C-AC97-1342-5310B9042BB1}"/>
               </a:ext>
             </a:extLst>
           </p:cNvPr>
@@ -13752,8 +13974,38 @@
         </p:blipFill>
         <p:spPr>
           <a:xfrm>
-            <a:off x="0" y="1141705"/>
-            <a:ext cx="8937366" cy="5393034"/>
+            <a:off x="255206" y="1162772"/>
+            <a:ext cx="8633588" cy="5180153"/>
+          </a:xfrm>
+          <a:prstGeom prst="rect">
+            <a:avLst/>
+          </a:prstGeom>
+        </p:spPr>
+      </p:pic>
+      <p:pic>
+        <p:nvPicPr>
+          <p:cNvPr id="7" name="Immagine 6" descr="Immagine che contiene Carattere, Elementi grafici, logo, cerchio&#10;&#10;Descrizione generata automaticamente">
+            <a:extLst>
+              <a:ext uri="{FF2B5EF4-FFF2-40B4-BE49-F238E27FC236}">
+                <a16:creationId xmlns:a16="http://schemas.microsoft.com/office/drawing/2014/main" id="{170EDBD4-B0A2-3EF6-E02A-E61E9AF9A1A3}"/>
+              </a:ext>
+            </a:extLst>
+          </p:cNvPr>
+          <p:cNvPicPr>
+            <a:picLocks noChangeAspect="1"/>
+          </p:cNvPicPr>
+          <p:nvPr/>
+        </p:nvPicPr>
+        <p:blipFill>
+          <a:blip r:embed="rId4"/>
+          <a:stretch>
+            <a:fillRect/>
+          </a:stretch>
+        </p:blipFill>
+        <p:spPr>
+          <a:xfrm>
+            <a:off x="8656536" y="134642"/>
+            <a:ext cx="407258" cy="495579"/>
           </a:xfrm>
           <a:prstGeom prst="rect">
             <a:avLst/>
@@ -13763,7 +14015,7 @@
     </p:spTree>
     <p:extLst>
       <p:ext uri="{BB962C8B-B14F-4D97-AF65-F5344CB8AC3E}">
-        <p14:creationId xmlns:p14="http://schemas.microsoft.com/office/powerpoint/2010/main" val="3996141558"/>
+        <p14:creationId xmlns:p14="http://schemas.microsoft.com/office/powerpoint/2010/main" val="450539659"/>
       </p:ext>
     </p:extLst>
   </p:cSld>
@@ -13818,104 +14070,76 @@
             <a:pPr lvl="0"/>
             <a:r>
               <a:rPr lang="en-GB" sz="4000" dirty="0"/>
-              <a:t>Epsilon greedy (3)</a:t>
+              <a:t>Comparison (1)</a:t>
             </a:r>
             <a:endParaRPr sz="4000" dirty="0"/>
           </a:p>
         </p:txBody>
       </p:sp>
-      <p:sp>
-        <p:nvSpPr>
-          <p:cNvPr id="84" name="Google Shape;84;p14"/>
-          <p:cNvSpPr txBox="1">
-            <a:spLocks noGrp="1"/>
-          </p:cNvSpPr>
-          <p:nvPr>
-            <p:ph type="body" idx="1"/>
-          </p:nvPr>
-        </p:nvSpPr>
+      <p:pic>
+        <p:nvPicPr>
+          <p:cNvPr id="4" name="Immagine 3">
+            <a:extLst>
+              <a:ext uri="{FF2B5EF4-FFF2-40B4-BE49-F238E27FC236}">
+                <a16:creationId xmlns:a16="http://schemas.microsoft.com/office/drawing/2014/main" id="{8C630D95-2653-31AD-D457-6745323ADF45}"/>
+              </a:ext>
+            </a:extLst>
+          </p:cNvPr>
+          <p:cNvPicPr>
+            <a:picLocks noChangeAspect="1"/>
+          </p:cNvPicPr>
+          <p:nvPr/>
+        </p:nvPicPr>
+        <p:blipFill>
+          <a:blip r:embed="rId3"/>
+          <a:stretch>
+            <a:fillRect/>
+          </a:stretch>
+        </p:blipFill>
         <p:spPr>
           <a:xfrm>
-            <a:off x="162750" y="1212537"/>
-            <a:ext cx="8818500" cy="5224230"/>
+            <a:off x="49356" y="1065300"/>
+            <a:ext cx="9088245" cy="5568257"/>
           </a:xfrm>
           <a:prstGeom prst="rect">
             <a:avLst/>
           </a:prstGeom>
         </p:spPr>
-        <p:txBody>
-          <a:bodyPr spcFirstLastPara="1" wrap="square" lIns="91425" tIns="91425" rIns="91425" bIns="91425" anchor="t" anchorCtr="0">
-            <a:noAutofit/>
-          </a:bodyPr>
-          <a:lstStyle/>
-          <a:p>
-            <a:pPr lvl="0"/>
-            <a:r>
-              <a:rPr lang="en-GB" dirty="0"/>
-              <a:t>Pure exploitation improves faster, but performs worse in the long run</a:t>
-            </a:r>
-          </a:p>
-          <a:p>
-            <a:pPr lvl="1"/>
-            <a:r>
-              <a:rPr lang="en-GB" dirty="0"/>
-              <a:t>it got stuck performing suboptimal actions </a:t>
-            </a:r>
-          </a:p>
-          <a:p>
-            <a:endParaRPr lang="en-GB" dirty="0"/>
-          </a:p>
-          <a:p>
-            <a:r>
-              <a:rPr lang="en-GB" dirty="0"/>
-              <a:t>Greedy methods performs better in the long run</a:t>
-            </a:r>
-          </a:p>
-          <a:p>
-            <a:pPr lvl="1"/>
-            <a:r>
-              <a:rPr lang="en-GB" dirty="0"/>
-              <a:t>they continued to explore to improve their chances of recognizing the optimal action</a:t>
-            </a:r>
-          </a:p>
-          <a:p>
-            <a:pPr lvl="1"/>
-            <a:r>
-              <a:rPr lang="en-GB" dirty="0"/>
-              <a:t>𝜖=0.1 explores more and usually found the optimal action earlier, but it never selected that action more than 91% of the time (it explores 10% of the time)</a:t>
-            </a:r>
-          </a:p>
-          <a:p>
-            <a:pPr lvl="1"/>
-            <a:r>
-              <a:rPr lang="en-GB" dirty="0"/>
-              <a:t>𝜖=0.01 improves slowly (it explores less), but eventually perform better in the long run (it explore only 1% of time)</a:t>
-            </a:r>
-          </a:p>
-          <a:p>
-            <a:pPr lvl="1"/>
-            <a:endParaRPr lang="en-GB" dirty="0"/>
-          </a:p>
-          <a:p>
-            <a:r>
-              <a:rPr lang="en-GB" dirty="0"/>
-              <a:t>It is possible to </a:t>
-            </a:r>
-            <a:r>
-              <a:rPr lang="en-GB" b="1" dirty="0"/>
-              <a:t>reduce 𝜖 over time </a:t>
-            </a:r>
-            <a:r>
-              <a:rPr lang="en-GB" dirty="0"/>
-              <a:t>to get the best of both high and low values</a:t>
-            </a:r>
-          </a:p>
-        </p:txBody>
-      </p:sp>
+      </p:pic>
+      <p:pic>
+        <p:nvPicPr>
+          <p:cNvPr id="2" name="Immagine 1" descr="Immagine che contiene Carattere, Elementi grafici, logo, cerchio&#10;&#10;Descrizione generata automaticamente">
+            <a:extLst>
+              <a:ext uri="{FF2B5EF4-FFF2-40B4-BE49-F238E27FC236}">
+                <a16:creationId xmlns:a16="http://schemas.microsoft.com/office/drawing/2014/main" id="{86DDE76D-82DF-C099-A30D-646A278AD178}"/>
+              </a:ext>
+            </a:extLst>
+          </p:cNvPr>
+          <p:cNvPicPr>
+            <a:picLocks noChangeAspect="1"/>
+          </p:cNvPicPr>
+          <p:nvPr/>
+        </p:nvPicPr>
+        <p:blipFill>
+          <a:blip r:embed="rId4"/>
+          <a:stretch>
+            <a:fillRect/>
+          </a:stretch>
+        </p:blipFill>
+        <p:spPr>
+          <a:xfrm>
+            <a:off x="8656536" y="134642"/>
+            <a:ext cx="407258" cy="495579"/>
+          </a:xfrm>
+          <a:prstGeom prst="rect">
+            <a:avLst/>
+          </a:prstGeom>
+        </p:spPr>
+      </p:pic>
     </p:spTree>
     <p:extLst>
       <p:ext uri="{BB962C8B-B14F-4D97-AF65-F5344CB8AC3E}">
-        <p14:creationId xmlns:p14="http://schemas.microsoft.com/office/powerpoint/2010/main" val="859965913"/>
+        <p14:creationId xmlns:p14="http://schemas.microsoft.com/office/powerpoint/2010/main" val="3996141558"/>
       </p:ext>
     </p:extLst>
   </p:cSld>
@@ -13970,7 +14194,7 @@
             <a:pPr lvl="0"/>
             <a:r>
               <a:rPr lang="en-GB" sz="4000" dirty="0"/>
-              <a:t>Decaying epsilon-greedy (1)</a:t>
+              <a:t>Comparison (2)</a:t>
             </a:r>
             <a:endParaRPr sz="4000" dirty="0"/>
           </a:p>
@@ -14001,130 +14225,81 @@
           </a:bodyPr>
           <a:lstStyle/>
           <a:p>
+            <a:pPr lvl="0"/>
+            <a:r>
+              <a:rPr lang="en-GB" dirty="0"/>
+              <a:t>Pure exploitation improves faster, but performs worse in the long run</a:t>
+            </a:r>
+          </a:p>
+          <a:p>
+            <a:pPr lvl="1"/>
+            <a:r>
+              <a:rPr lang="en-GB" dirty="0"/>
+              <a:t>it got stuck performing suboptimal actions </a:t>
+            </a:r>
+          </a:p>
+          <a:p>
+            <a:endParaRPr lang="en-GB" dirty="0"/>
+          </a:p>
+          <a:p>
+            <a:r>
+              <a:rPr lang="en-GB" dirty="0"/>
+              <a:t>Greedy methods performs better in the long run</a:t>
+            </a:r>
+          </a:p>
+          <a:p>
+            <a:pPr lvl="1"/>
+            <a:r>
+              <a:rPr lang="en-GB" dirty="0"/>
+              <a:t>they continued to explore to improve their chances of recognizing the optimal action</a:t>
+            </a:r>
+          </a:p>
+          <a:p>
+            <a:pPr lvl="1"/>
+            <a:r>
+              <a:rPr lang="en-GB" sz="2000" dirty="0"/>
+              <a:t>𝜖</a:t>
+            </a:r>
+            <a:r>
+              <a:rPr lang="en-GB" dirty="0"/>
+              <a:t>=0.2 explores more and usually found the optimal action earlier, but it never selected that action more than 80% of the time (it explores 20% of the time)</a:t>
+            </a:r>
+          </a:p>
+          <a:p>
+            <a:pPr lvl="1"/>
+            <a:r>
+              <a:rPr lang="en-GB" sz="2000" dirty="0"/>
+              <a:t>𝜖</a:t>
+            </a:r>
+            <a:r>
+              <a:rPr lang="en-GB" dirty="0"/>
+              <a:t>=0.01 improves slowly (it explores less), but eventually perform better in the long run (it explore only 1% of time)</a:t>
+            </a:r>
+          </a:p>
+          <a:p>
+            <a:pPr lvl="1"/>
+            <a:endParaRPr lang="en-GB" dirty="0"/>
+          </a:p>
+          <a:p>
+            <a:r>
+              <a:rPr lang="en-GB" dirty="0"/>
+              <a:t>It is possible to </a:t>
+            </a:r>
             <a:r>
               <a:rPr lang="en-GB" b="1" dirty="0"/>
-              <a:t>Early on we can explore </a:t>
-            </a:r>
-            <a:r>
-              <a:rPr lang="en-GB" dirty="0"/>
-              <a:t>the most</a:t>
-            </a:r>
-          </a:p>
-          <a:p>
-            <a:pPr lvl="1"/>
-            <a:r>
-              <a:rPr lang="en-GB" dirty="0"/>
-              <a:t>when the agent hasn’t experienced the environment enough</a:t>
-            </a:r>
-          </a:p>
-          <a:p>
-            <a:pPr lvl="1"/>
-            <a:r>
-              <a:rPr lang="en-GB" dirty="0"/>
-              <a:t>there’s a high likelihood that value estimates are wrong</a:t>
-            </a:r>
-          </a:p>
-          <a:p>
-            <a:r>
-              <a:rPr lang="en-GB" b="1" dirty="0"/>
-              <a:t>Later we want the agent to exploit</a:t>
-            </a:r>
-            <a:r>
-              <a:rPr lang="en-GB" dirty="0"/>
-              <a:t> more and more</a:t>
-            </a:r>
-          </a:p>
-          <a:p>
-            <a:pPr lvl="1"/>
-            <a:r>
-              <a:rPr lang="en-GB" dirty="0"/>
-              <a:t>as time passes and agent acquires knowledge</a:t>
-            </a:r>
-          </a:p>
-          <a:p>
-            <a:pPr lvl="1"/>
-            <a:r>
-              <a:rPr lang="en-GB" dirty="0"/>
-              <a:t>it obtains better estimates of the value functions</a:t>
-            </a:r>
-          </a:p>
-          <a:p>
-            <a:pPr lvl="1"/>
-            <a:r>
-              <a:rPr lang="en-GB" dirty="0"/>
-              <a:t>the likelihood that value estimates are close to the actual values increases, which is when we should explore less frequently and exploit the knowledge acquired</a:t>
-            </a:r>
-          </a:p>
-          <a:p>
-            <a:pPr marL="590550" lvl="1" indent="0">
-              <a:buNone/>
-            </a:pPr>
-            <a:endParaRPr lang="en-GB" sz="100" dirty="0"/>
-          </a:p>
-          <a:p>
-            <a:r>
-              <a:rPr lang="en-GB" dirty="0"/>
-              <a:t>This strategy can take many forms </a:t>
-            </a:r>
-            <a:r>
-              <a:rPr lang="en-GB" b="1" dirty="0"/>
-              <a:t>depending on how we change the value of epsilon</a:t>
-            </a:r>
-          </a:p>
-          <a:p>
-            <a:pPr lvl="1"/>
-            <a:r>
-              <a:rPr lang="en-GB" dirty="0"/>
-              <a:t>e.g. linearly, exponentially</a:t>
-            </a:r>
-          </a:p>
-          <a:p>
-            <a:pPr lvl="1"/>
-            <a:r>
-              <a:rPr lang="en-GB" dirty="0"/>
-              <a:t>the bottom line is that the agent should explore with a higher chance early and exploit with a higher chance later</a:t>
-            </a:r>
-          </a:p>
-          <a:p>
-            <a:pPr lvl="1"/>
-            <a:endParaRPr lang="en-GB" sz="800" dirty="0"/>
-          </a:p>
-          <a:p>
-            <a:pPr lvl="0"/>
-            <a:r>
-              <a:rPr lang="en-GB" b="1" dirty="0">
-                <a:highlight>
-                  <a:srgbClr val="FFFF00"/>
-                </a:highlight>
-              </a:rPr>
-              <a:t>See “</a:t>
-            </a:r>
-            <a:r>
-              <a:rPr lang="en-GB" b="1" dirty="0" err="1">
-                <a:highlight>
-                  <a:srgbClr val="FFFF00"/>
-                </a:highlight>
-              </a:rPr>
-              <a:t>notebook.ipynb</a:t>
-            </a:r>
-            <a:r>
-              <a:rPr lang="en-GB" b="1" dirty="0">
-                <a:highlight>
-                  <a:srgbClr val="FFFF00"/>
-                </a:highlight>
-              </a:rPr>
-              <a:t>”</a:t>
-            </a:r>
-          </a:p>
-          <a:p>
-            <a:endParaRPr lang="en-GB" dirty="0"/>
+              <a:t>reduce 𝜖 over time </a:t>
+            </a:r>
+            <a:r>
+              <a:rPr lang="en-GB" dirty="0"/>
+              <a:t>to get the best of both high and low values</a:t>
+            </a:r>
           </a:p>
         </p:txBody>
       </p:sp>
     </p:spTree>
     <p:extLst>
       <p:ext uri="{BB962C8B-B14F-4D97-AF65-F5344CB8AC3E}">
-        <p14:creationId xmlns:p14="http://schemas.microsoft.com/office/powerpoint/2010/main" val="823020580"/>
+        <p14:creationId xmlns:p14="http://schemas.microsoft.com/office/powerpoint/2010/main" val="859965913"/>
       </p:ext>
     </p:extLst>
   </p:cSld>
@@ -14179,46 +14354,135 @@
             <a:pPr lvl="0"/>
             <a:r>
               <a:rPr lang="en-GB" sz="4000" dirty="0"/>
-              <a:t>Decaying epsilon-greedy (2)</a:t>
+              <a:t>Decaying epsilon-greedy (1)</a:t>
             </a:r>
             <a:endParaRPr sz="4000" dirty="0"/>
           </a:p>
         </p:txBody>
       </p:sp>
-      <p:pic>
-        <p:nvPicPr>
-          <p:cNvPr id="4" name="Immagine 3" descr="Immagine che contiene schermata, linea, Diagramma, diagramma&#10;&#10;Descrizione generata automaticamente">
-            <a:extLst>
-              <a:ext uri="{FF2B5EF4-FFF2-40B4-BE49-F238E27FC236}">
-                <a16:creationId xmlns:a16="http://schemas.microsoft.com/office/drawing/2014/main" id="{F28A6F1A-7DDD-954C-920F-566F5706BA1A}"/>
-              </a:ext>
-            </a:extLst>
-          </p:cNvPr>
-          <p:cNvPicPr>
-            <a:picLocks noChangeAspect="1"/>
-          </p:cNvPicPr>
-          <p:nvPr/>
-        </p:nvPicPr>
-        <p:blipFill>
-          <a:blip r:embed="rId3"/>
-          <a:stretch>
-            <a:fillRect/>
-          </a:stretch>
-        </p:blipFill>
+      <p:sp>
+        <p:nvSpPr>
+          <p:cNvPr id="84" name="Google Shape;84;p14"/>
+          <p:cNvSpPr txBox="1">
+            <a:spLocks noGrp="1"/>
+          </p:cNvSpPr>
+          <p:nvPr>
+            <p:ph type="body" idx="1"/>
+          </p:nvPr>
+        </p:nvSpPr>
         <p:spPr>
           <a:xfrm>
-            <a:off x="505097" y="1319934"/>
-            <a:ext cx="7772400" cy="4903019"/>
+            <a:off x="162750" y="1212537"/>
+            <a:ext cx="8818500" cy="5224230"/>
           </a:xfrm>
           <a:prstGeom prst="rect">
             <a:avLst/>
           </a:prstGeom>
         </p:spPr>
-      </p:pic>
+        <p:txBody>
+          <a:bodyPr spcFirstLastPara="1" wrap="square" lIns="91425" tIns="91425" rIns="91425" bIns="91425" anchor="t" anchorCtr="0">
+            <a:noAutofit/>
+          </a:bodyPr>
+          <a:lstStyle/>
+          <a:p>
+            <a:r>
+              <a:rPr lang="en-GB" b="1" dirty="0"/>
+              <a:t>Early on we can explore </a:t>
+            </a:r>
+            <a:r>
+              <a:rPr lang="en-GB" dirty="0"/>
+              <a:t>the most</a:t>
+            </a:r>
+          </a:p>
+          <a:p>
+            <a:pPr lvl="1"/>
+            <a:r>
+              <a:rPr lang="en-GB" dirty="0"/>
+              <a:t>when the agent hasn’t experienced the environment enough</a:t>
+            </a:r>
+          </a:p>
+          <a:p>
+            <a:pPr lvl="1"/>
+            <a:r>
+              <a:rPr lang="en-GB" dirty="0"/>
+              <a:t>there’s a high likelihood that value estimates are wrong</a:t>
+            </a:r>
+          </a:p>
+          <a:p>
+            <a:pPr lvl="1"/>
+            <a:endParaRPr lang="en-GB" sz="500" dirty="0"/>
+          </a:p>
+          <a:p>
+            <a:r>
+              <a:rPr lang="en-GB" b="1" dirty="0"/>
+              <a:t>Later we want the agent to exploit</a:t>
+            </a:r>
+            <a:r>
+              <a:rPr lang="en-GB" dirty="0"/>
+              <a:t> more and more</a:t>
+            </a:r>
+          </a:p>
+          <a:p>
+            <a:pPr lvl="1"/>
+            <a:r>
+              <a:rPr lang="en-GB" dirty="0"/>
+              <a:t>as time passes and agent acquires knowledge</a:t>
+            </a:r>
+          </a:p>
+          <a:p>
+            <a:pPr lvl="1"/>
+            <a:r>
+              <a:rPr lang="en-GB" dirty="0"/>
+              <a:t>it obtains better estimates of the value functions</a:t>
+            </a:r>
+          </a:p>
+          <a:p>
+            <a:pPr lvl="1"/>
+            <a:r>
+              <a:rPr lang="en-GB" dirty="0"/>
+              <a:t>the likelihood that value estimates are close to the actual values increases, which is when we should explore less frequently and exploit the knowledge acquired</a:t>
+            </a:r>
+          </a:p>
+          <a:p>
+            <a:pPr marL="590550" lvl="1" indent="0">
+              <a:buNone/>
+            </a:pPr>
+            <a:endParaRPr lang="en-GB" sz="100" dirty="0"/>
+          </a:p>
+          <a:p>
+            <a:r>
+              <a:rPr lang="en-GB" dirty="0"/>
+              <a:t>This strategy can take many forms </a:t>
+            </a:r>
+            <a:r>
+              <a:rPr lang="en-GB" b="1" dirty="0"/>
+              <a:t>depending on how we change the value of epsilon</a:t>
+            </a:r>
+          </a:p>
+          <a:p>
+            <a:pPr lvl="1"/>
+            <a:r>
+              <a:rPr lang="en-GB" dirty="0"/>
+              <a:t>e.g. linearly, exponentially</a:t>
+            </a:r>
+          </a:p>
+          <a:p>
+            <a:pPr lvl="1"/>
+            <a:r>
+              <a:rPr lang="en-GB" dirty="0"/>
+              <a:t>the bottom line is that the agent should explore with a higher chance early and exploit with a higher chance later</a:t>
+            </a:r>
+          </a:p>
+          <a:p>
+            <a:pPr lvl="1"/>
+            <a:endParaRPr lang="en-GB" sz="800" dirty="0"/>
+          </a:p>
+        </p:txBody>
+      </p:sp>
     </p:spTree>
     <p:extLst>
       <p:ext uri="{BB962C8B-B14F-4D97-AF65-F5344CB8AC3E}">
-        <p14:creationId xmlns:p14="http://schemas.microsoft.com/office/powerpoint/2010/main" val="2517338161"/>
+        <p14:creationId xmlns:p14="http://schemas.microsoft.com/office/powerpoint/2010/main" val="823020580"/>
       </p:ext>
     </p:extLst>
   </p:cSld>
@@ -14273,7 +14537,7 @@
             <a:pPr lvl="0"/>
             <a:r>
               <a:rPr lang="en-GB" sz="4000" dirty="0"/>
-              <a:t>Decaying epsilon-greedy (3)</a:t>
+              <a:t>Decaying epsilon-greedy (2)</a:t>
             </a:r>
             <a:endParaRPr sz="4000" dirty="0"/>
           </a:p>
@@ -14281,10 +14545,10 @@
       </p:sp>
       <p:pic>
         <p:nvPicPr>
-          <p:cNvPr id="3" name="Immagine 2">
+          <p:cNvPr id="4" name="Immagine 3" descr="Immagine che contiene schermata, linea, Diagramma, diagramma&#10;&#10;Descrizione generata automaticamente">
             <a:extLst>
               <a:ext uri="{FF2B5EF4-FFF2-40B4-BE49-F238E27FC236}">
-                <a16:creationId xmlns:a16="http://schemas.microsoft.com/office/drawing/2014/main" id="{9E6689FB-481C-EAA6-DFE6-2C6A256F2C27}"/>
+                <a16:creationId xmlns:a16="http://schemas.microsoft.com/office/drawing/2014/main" id="{F28A6F1A-7DDD-954C-920F-566F5706BA1A}"/>
               </a:ext>
             </a:extLst>
           </p:cNvPr>
@@ -14301,8 +14565,38 @@
         </p:blipFill>
         <p:spPr>
           <a:xfrm>
-            <a:off x="141513" y="1140807"/>
-            <a:ext cx="8768587" cy="5390621"/>
+            <a:off x="505097" y="1319934"/>
+            <a:ext cx="7772400" cy="4903019"/>
+          </a:xfrm>
+          <a:prstGeom prst="rect">
+            <a:avLst/>
+          </a:prstGeom>
+        </p:spPr>
+      </p:pic>
+      <p:pic>
+        <p:nvPicPr>
+          <p:cNvPr id="2" name="Immagine 1" descr="Immagine che contiene Carattere, Elementi grafici, logo, cerchio&#10;&#10;Descrizione generata automaticamente">
+            <a:extLst>
+              <a:ext uri="{FF2B5EF4-FFF2-40B4-BE49-F238E27FC236}">
+                <a16:creationId xmlns:a16="http://schemas.microsoft.com/office/drawing/2014/main" id="{E0F600EC-F0B8-D2D6-00A8-4B7A43A61F28}"/>
+              </a:ext>
+            </a:extLst>
+          </p:cNvPr>
+          <p:cNvPicPr>
+            <a:picLocks noChangeAspect="1"/>
+          </p:cNvPicPr>
+          <p:nvPr/>
+        </p:nvPicPr>
+        <p:blipFill>
+          <a:blip r:embed="rId4"/>
+          <a:stretch>
+            <a:fillRect/>
+          </a:stretch>
+        </p:blipFill>
+        <p:spPr>
+          <a:xfrm>
+            <a:off x="8656536" y="91573"/>
+            <a:ext cx="407258" cy="495579"/>
           </a:xfrm>
           <a:prstGeom prst="rect">
             <a:avLst/>
@@ -14312,7 +14606,7 @@
     </p:spTree>
     <p:extLst>
       <p:ext uri="{BB962C8B-B14F-4D97-AF65-F5344CB8AC3E}">
-        <p14:creationId xmlns:p14="http://schemas.microsoft.com/office/powerpoint/2010/main" val="1840436746"/>
+        <p14:creationId xmlns:p14="http://schemas.microsoft.com/office/powerpoint/2010/main" val="2517338161"/>
       </p:ext>
     </p:extLst>
   </p:cSld>
@@ -14367,157 +14661,76 @@
             <a:pPr lvl="0"/>
             <a:r>
               <a:rPr lang="en-GB" sz="4000" dirty="0"/>
-              <a:t>Optimistic initial values (1)</a:t>
+              <a:t>Decaying epsilon-greedy (3)</a:t>
             </a:r>
             <a:endParaRPr sz="4000" dirty="0"/>
           </a:p>
         </p:txBody>
       </p:sp>
-      <p:sp>
-        <p:nvSpPr>
-          <p:cNvPr id="84" name="Google Shape;84;p14"/>
-          <p:cNvSpPr txBox="1">
-            <a:spLocks noGrp="1"/>
-          </p:cNvSpPr>
-          <p:nvPr>
-            <p:ph type="body" idx="1"/>
-          </p:nvPr>
-        </p:nvSpPr>
+      <p:pic>
+        <p:nvPicPr>
+          <p:cNvPr id="4" name="Immagine 3">
+            <a:extLst>
+              <a:ext uri="{FF2B5EF4-FFF2-40B4-BE49-F238E27FC236}">
+                <a16:creationId xmlns:a16="http://schemas.microsoft.com/office/drawing/2014/main" id="{3A70E96F-6382-FCF0-712C-3CDDAD36D774}"/>
+              </a:ext>
+            </a:extLst>
+          </p:cNvPr>
+          <p:cNvPicPr>
+            <a:picLocks noChangeAspect="1"/>
+          </p:cNvPicPr>
+          <p:nvPr/>
+        </p:nvPicPr>
+        <p:blipFill>
+          <a:blip r:embed="rId3"/>
+          <a:stretch>
+            <a:fillRect/>
+          </a:stretch>
+        </p:blipFill>
         <p:spPr>
           <a:xfrm>
-            <a:off x="162750" y="1212537"/>
-            <a:ext cx="8818500" cy="5224230"/>
+            <a:off x="128824" y="1209984"/>
+            <a:ext cx="8903735" cy="5393034"/>
           </a:xfrm>
           <a:prstGeom prst="rect">
             <a:avLst/>
           </a:prstGeom>
         </p:spPr>
-        <p:txBody>
-          <a:bodyPr spcFirstLastPara="1" wrap="square" lIns="91425" tIns="91425" rIns="91425" bIns="91425" anchor="t" anchorCtr="0">
-            <a:noAutofit/>
-          </a:bodyPr>
-          <a:lstStyle/>
-          <a:p>
-            <a:pPr lvl="0"/>
-            <a:r>
-              <a:rPr lang="en-GB" dirty="0"/>
-              <a:t>Initial action values can be used as a simple way to </a:t>
-            </a:r>
-            <a:r>
-              <a:rPr lang="en-GB" b="1" dirty="0"/>
-              <a:t>encourage exploration</a:t>
-            </a:r>
-          </a:p>
-          <a:p>
-            <a:pPr lvl="0"/>
-            <a:endParaRPr lang="en-GB" b="1" dirty="0"/>
-          </a:p>
-          <a:p>
-            <a:pPr lvl="0"/>
-            <a:r>
-              <a:rPr lang="en-GB" dirty="0"/>
-              <a:t>Suppose to set an initial estimate in a </a:t>
-            </a:r>
-            <a:r>
-              <a:rPr lang="en-GB" b="1" dirty="0"/>
-              <a:t>really optimistic way</a:t>
-            </a:r>
-          </a:p>
-          <a:p>
-            <a:pPr lvl="1"/>
-            <a:r>
-              <a:rPr lang="en-GB" dirty="0"/>
-              <a:t>whichever actions are initially selected, the reward is less than the starting estimates </a:t>
-            </a:r>
-          </a:p>
-          <a:p>
-            <a:pPr lvl="1"/>
-            <a:r>
-              <a:rPr lang="en-GB" dirty="0"/>
-              <a:t>the learner switches to other actions, being "disappointed" with the rewards it is receiving</a:t>
-            </a:r>
-          </a:p>
-          <a:p>
-            <a:pPr lvl="1"/>
-            <a:r>
-              <a:rPr lang="en-GB" dirty="0"/>
-              <a:t>the result is that all actions are tried several times before the value estimates converge </a:t>
-            </a:r>
-          </a:p>
-          <a:p>
-            <a:pPr marL="120650" indent="0">
-              <a:buNone/>
-            </a:pPr>
-            <a:endParaRPr lang="en-GB" dirty="0"/>
-          </a:p>
-          <a:p>
-            <a:r>
-              <a:rPr lang="en-GB" dirty="0"/>
-              <a:t>It as a simple </a:t>
-            </a:r>
-            <a:r>
-              <a:rPr lang="en-GB" b="1" dirty="0"/>
-              <a:t>trick</a:t>
-            </a:r>
-            <a:r>
-              <a:rPr lang="en-GB" dirty="0"/>
-              <a:t> that can be quite effective on stationary problems, but it is not well suited to non-stationary problems </a:t>
-            </a:r>
-          </a:p>
-          <a:p>
-            <a:pPr lvl="1"/>
-            <a:r>
-              <a:rPr lang="en-GB" dirty="0"/>
-              <a:t>its drive for exploration is inherently temporary</a:t>
-            </a:r>
-          </a:p>
-          <a:p>
-            <a:endParaRPr lang="en-GB" dirty="0"/>
-          </a:p>
-          <a:p>
-            <a:pPr lvl="0"/>
-            <a:r>
-              <a:rPr lang="en-GB" b="1" dirty="0">
-                <a:highlight>
-                  <a:srgbClr val="FFFF00"/>
-                </a:highlight>
-              </a:rPr>
-              <a:t>See “</a:t>
-            </a:r>
-            <a:r>
-              <a:rPr lang="en-GB" b="1" dirty="0" err="1">
-                <a:highlight>
-                  <a:srgbClr val="FFFF00"/>
-                </a:highlight>
-              </a:rPr>
-              <a:t>notebook.ipynb</a:t>
-            </a:r>
-            <a:r>
-              <a:rPr lang="en-GB" b="1" dirty="0">
-                <a:highlight>
-                  <a:srgbClr val="FFFF00"/>
-                </a:highlight>
-              </a:rPr>
-              <a:t>”</a:t>
-            </a:r>
-          </a:p>
-          <a:p>
-            <a:endParaRPr lang="en-GB" dirty="0"/>
-          </a:p>
-          <a:p>
-            <a:pPr lvl="0"/>
-            <a:endParaRPr lang="en-GB" dirty="0"/>
-          </a:p>
-          <a:p>
-            <a:pPr lvl="1"/>
-            <a:endParaRPr lang="en-GB" dirty="0"/>
-          </a:p>
-        </p:txBody>
-      </p:sp>
+      </p:pic>
+      <p:pic>
+        <p:nvPicPr>
+          <p:cNvPr id="2" name="Immagine 1" descr="Immagine che contiene Carattere, Elementi grafici, logo, cerchio&#10;&#10;Descrizione generata automaticamente">
+            <a:extLst>
+              <a:ext uri="{FF2B5EF4-FFF2-40B4-BE49-F238E27FC236}">
+                <a16:creationId xmlns:a16="http://schemas.microsoft.com/office/drawing/2014/main" id="{0CA2D5D6-CFA8-1528-52CC-FAA3472B2E0F}"/>
+              </a:ext>
+            </a:extLst>
+          </p:cNvPr>
+          <p:cNvPicPr>
+            <a:picLocks noChangeAspect="1"/>
+          </p:cNvPicPr>
+          <p:nvPr/>
+        </p:nvPicPr>
+        <p:blipFill>
+          <a:blip r:embed="rId4"/>
+          <a:stretch>
+            <a:fillRect/>
+          </a:stretch>
+        </p:blipFill>
+        <p:spPr>
+          <a:xfrm>
+            <a:off x="8656536" y="91573"/>
+            <a:ext cx="407258" cy="495579"/>
+          </a:xfrm>
+          <a:prstGeom prst="rect">
+            <a:avLst/>
+          </a:prstGeom>
+        </p:spPr>
+      </p:pic>
     </p:spTree>
     <p:extLst>
       <p:ext uri="{BB962C8B-B14F-4D97-AF65-F5344CB8AC3E}">
-        <p14:creationId xmlns:p14="http://schemas.microsoft.com/office/powerpoint/2010/main" val="2462363972"/>
+        <p14:creationId xmlns:p14="http://schemas.microsoft.com/office/powerpoint/2010/main" val="1840436746"/>
       </p:ext>
     </p:extLst>
   </p:cSld>
@@ -14757,46 +14970,142 @@
             <a:pPr lvl="0"/>
             <a:r>
               <a:rPr lang="en-GB" sz="4000" dirty="0"/>
-              <a:t>Optimistic initial values (2)</a:t>
+              <a:t>Optimistic initial values (1)</a:t>
             </a:r>
             <a:endParaRPr sz="4000" dirty="0"/>
           </a:p>
         </p:txBody>
       </p:sp>
-      <p:pic>
-        <p:nvPicPr>
-          <p:cNvPr id="4" name="Immagine 3" descr="Immagine che contiene testo, Diagramma, linea, schermata&#10;&#10;Descrizione generata automaticamente">
-            <a:extLst>
-              <a:ext uri="{FF2B5EF4-FFF2-40B4-BE49-F238E27FC236}">
-                <a16:creationId xmlns:a16="http://schemas.microsoft.com/office/drawing/2014/main" id="{D0310EB5-CBEC-2DC8-B5C7-BE4B9A1F4B65}"/>
-              </a:ext>
-            </a:extLst>
-          </p:cNvPr>
-          <p:cNvPicPr>
-            <a:picLocks noChangeAspect="1"/>
-          </p:cNvPicPr>
-          <p:nvPr/>
-        </p:nvPicPr>
-        <p:blipFill>
-          <a:blip r:embed="rId3"/>
-          <a:stretch>
-            <a:fillRect/>
-          </a:stretch>
-        </p:blipFill>
+      <p:sp>
+        <p:nvSpPr>
+          <p:cNvPr id="84" name="Google Shape;84;p14"/>
+          <p:cNvSpPr txBox="1">
+            <a:spLocks noGrp="1"/>
+          </p:cNvSpPr>
+          <p:nvPr>
+            <p:ph type="body" idx="1"/>
+          </p:nvPr>
+        </p:nvSpPr>
         <p:spPr>
           <a:xfrm>
-            <a:off x="126532" y="1217515"/>
-            <a:ext cx="8890936" cy="5219252"/>
+            <a:off x="162750" y="1212537"/>
+            <a:ext cx="8818500" cy="5224230"/>
           </a:xfrm>
           <a:prstGeom prst="rect">
             <a:avLst/>
           </a:prstGeom>
         </p:spPr>
-      </p:pic>
+        <p:txBody>
+          <a:bodyPr spcFirstLastPara="1" wrap="square" lIns="91425" tIns="91425" rIns="91425" bIns="91425" anchor="t" anchorCtr="0">
+            <a:noAutofit/>
+          </a:bodyPr>
+          <a:lstStyle/>
+          <a:p>
+            <a:pPr lvl="0"/>
+            <a:r>
+              <a:rPr lang="en-GB" dirty="0"/>
+              <a:t>Initial action values can be used as a simple way to </a:t>
+            </a:r>
+            <a:r>
+              <a:rPr lang="en-GB" b="1" dirty="0"/>
+              <a:t>encourage exploration</a:t>
+            </a:r>
+          </a:p>
+          <a:p>
+            <a:pPr lvl="0"/>
+            <a:endParaRPr lang="en-GB" b="1" dirty="0"/>
+          </a:p>
+          <a:p>
+            <a:pPr lvl="0"/>
+            <a:r>
+              <a:rPr lang="en-GB" dirty="0"/>
+              <a:t>Suppose to set an initial estimate in a </a:t>
+            </a:r>
+            <a:r>
+              <a:rPr lang="en-GB" b="1" dirty="0"/>
+              <a:t>really optimistic way</a:t>
+            </a:r>
+          </a:p>
+          <a:p>
+            <a:pPr lvl="1"/>
+            <a:r>
+              <a:rPr lang="en-GB" dirty="0"/>
+              <a:t>whichever actions are initially selected, the reward is less than the starting estimates </a:t>
+            </a:r>
+          </a:p>
+          <a:p>
+            <a:pPr lvl="1"/>
+            <a:r>
+              <a:rPr lang="en-GB" dirty="0"/>
+              <a:t>the learner switches to other actions, being "disappointed" with the rewards it is receiving</a:t>
+            </a:r>
+          </a:p>
+          <a:p>
+            <a:pPr lvl="1"/>
+            <a:r>
+              <a:rPr lang="en-GB" dirty="0"/>
+              <a:t>the result is that all actions are tried several times before the value estimates converge </a:t>
+            </a:r>
+          </a:p>
+          <a:p>
+            <a:pPr marL="120650" indent="0">
+              <a:buNone/>
+            </a:pPr>
+            <a:endParaRPr lang="en-GB" dirty="0"/>
+          </a:p>
+          <a:p>
+            <a:r>
+              <a:rPr lang="en-GB" dirty="0"/>
+              <a:t>It as a simple </a:t>
+            </a:r>
+            <a:r>
+              <a:rPr lang="en-GB" b="1" dirty="0"/>
+              <a:t>trick</a:t>
+            </a:r>
+            <a:r>
+              <a:rPr lang="en-GB" dirty="0"/>
+              <a:t> that can be quite </a:t>
+            </a:r>
+            <a:r>
+              <a:rPr lang="en-GB" b="1" dirty="0"/>
+              <a:t>effective on stationary problems</a:t>
+            </a:r>
+            <a:r>
+              <a:rPr lang="en-GB" dirty="0"/>
+              <a:t>, but it is not well suited to non-stationary problems </a:t>
+            </a:r>
+          </a:p>
+          <a:p>
+            <a:pPr lvl="1"/>
+            <a:r>
+              <a:rPr lang="en-GB" dirty="0"/>
+              <a:t>its drive for exploration is inherently </a:t>
+            </a:r>
+            <a:r>
+              <a:rPr lang="en-GB" b="1" dirty="0"/>
+              <a:t>temporary</a:t>
+            </a:r>
+          </a:p>
+          <a:p>
+            <a:pPr marL="120650" indent="0">
+              <a:buNone/>
+            </a:pPr>
+            <a:endParaRPr lang="en-GB" dirty="0"/>
+          </a:p>
+          <a:p>
+            <a:pPr lvl="0"/>
+            <a:endParaRPr lang="en-GB" dirty="0"/>
+          </a:p>
+          <a:p>
+            <a:pPr lvl="1"/>
+            <a:endParaRPr lang="en-GB" dirty="0"/>
+          </a:p>
+        </p:txBody>
+      </p:sp>
     </p:spTree>
     <p:extLst>
       <p:ext uri="{BB962C8B-B14F-4D97-AF65-F5344CB8AC3E}">
-        <p14:creationId xmlns:p14="http://schemas.microsoft.com/office/powerpoint/2010/main" val="3574382410"/>
+        <p14:creationId xmlns:p14="http://schemas.microsoft.com/office/powerpoint/2010/main" val="2462363972"/>
       </p:ext>
     </p:extLst>
   </p:cSld>
@@ -14851,94 +15160,76 @@
             <a:pPr lvl="0"/>
             <a:r>
               <a:rPr lang="en-GB" sz="4000" dirty="0"/>
-              <a:t>Optimistic initial values (3)</a:t>
+              <a:t>Optimistic initial values (2)</a:t>
             </a:r>
             <a:endParaRPr sz="4000" dirty="0"/>
           </a:p>
         </p:txBody>
       </p:sp>
-      <p:sp>
-        <p:nvSpPr>
-          <p:cNvPr id="84" name="Google Shape;84;p14"/>
-          <p:cNvSpPr txBox="1">
-            <a:spLocks noGrp="1"/>
-          </p:cNvSpPr>
-          <p:nvPr>
-            <p:ph type="body" idx="1"/>
-          </p:nvPr>
-        </p:nvSpPr>
+      <p:pic>
+        <p:nvPicPr>
+          <p:cNvPr id="3" name="Immagine 2">
+            <a:extLst>
+              <a:ext uri="{FF2B5EF4-FFF2-40B4-BE49-F238E27FC236}">
+                <a16:creationId xmlns:a16="http://schemas.microsoft.com/office/drawing/2014/main" id="{8E70973B-B854-6D0A-B960-3AD76E05F0F1}"/>
+              </a:ext>
+            </a:extLst>
+          </p:cNvPr>
+          <p:cNvPicPr>
+            <a:picLocks noChangeAspect="1"/>
+          </p:cNvPicPr>
+          <p:nvPr/>
+        </p:nvPicPr>
+        <p:blipFill>
+          <a:blip r:embed="rId3"/>
+          <a:stretch>
+            <a:fillRect/>
+          </a:stretch>
+        </p:blipFill>
         <p:spPr>
           <a:xfrm>
-            <a:off x="162750" y="1212537"/>
-            <a:ext cx="8818500" cy="5224230"/>
+            <a:off x="62322" y="1067724"/>
+            <a:ext cx="8974183" cy="5499331"/>
           </a:xfrm>
           <a:prstGeom prst="rect">
             <a:avLst/>
           </a:prstGeom>
         </p:spPr>
-        <p:txBody>
-          <a:bodyPr spcFirstLastPara="1" wrap="square" lIns="91425" tIns="91425" rIns="91425" bIns="91425" anchor="t" anchorCtr="0">
-            <a:noAutofit/>
-          </a:bodyPr>
-          <a:lstStyle/>
-          <a:p>
-            <a:r>
-              <a:rPr lang="en-GB" dirty="0"/>
-              <a:t>Initially the optimistic method performs worse because it explores more</a:t>
-            </a:r>
-          </a:p>
-          <a:p>
-            <a:endParaRPr lang="en-GB" dirty="0"/>
-          </a:p>
-          <a:p>
-            <a:r>
-              <a:rPr lang="en-GB" dirty="0"/>
-              <a:t>In the early part of the curve we can see oscillations and spikes</a:t>
-            </a:r>
-          </a:p>
-          <a:p>
-            <a:pPr lvl="1"/>
-            <a:r>
-              <a:rPr lang="en-GB" dirty="0"/>
-              <a:t>if the initial action selected is by chance ones of the better choices, then the estimate will be magnified resulting in an emphasis to continue playing this action</a:t>
-            </a:r>
-          </a:p>
-          <a:p>
-            <a:pPr lvl="1"/>
-            <a:r>
-              <a:rPr lang="en-GB" dirty="0"/>
-              <a:t>this results in large values being received on the initial draws and consequently very good initial play</a:t>
-            </a:r>
-          </a:p>
-          <a:p>
-            <a:pPr lvl="1"/>
-            <a:r>
-              <a:rPr lang="en-GB" dirty="0"/>
-              <a:t>if the algorithm initially selects poor actions then initially it will perform poorly resulting in very poor initial play</a:t>
-            </a:r>
-          </a:p>
-          <a:p>
-            <a:pPr lvl="0"/>
-            <a:endParaRPr lang="en-GB" dirty="0"/>
-          </a:p>
-          <a:p>
-            <a:pPr lvl="0"/>
-            <a:endParaRPr lang="en-GB" dirty="0"/>
-          </a:p>
-          <a:p>
-            <a:pPr lvl="0"/>
-            <a:endParaRPr lang="en-GB" dirty="0"/>
-          </a:p>
-          <a:p>
-            <a:pPr lvl="1"/>
-            <a:endParaRPr lang="en-GB" dirty="0"/>
-          </a:p>
-        </p:txBody>
-      </p:sp>
+      </p:pic>
+      <p:pic>
+        <p:nvPicPr>
+          <p:cNvPr id="2" name="Immagine 1" descr="Immagine che contiene Carattere, Elementi grafici, logo, cerchio&#10;&#10;Descrizione generata automaticamente">
+            <a:extLst>
+              <a:ext uri="{FF2B5EF4-FFF2-40B4-BE49-F238E27FC236}">
+                <a16:creationId xmlns:a16="http://schemas.microsoft.com/office/drawing/2014/main" id="{5C082735-4F46-977F-9CDE-30C38AFCC96D}"/>
+              </a:ext>
+            </a:extLst>
+          </p:cNvPr>
+          <p:cNvPicPr>
+            <a:picLocks noChangeAspect="1"/>
+          </p:cNvPicPr>
+          <p:nvPr/>
+        </p:nvPicPr>
+        <p:blipFill>
+          <a:blip r:embed="rId4"/>
+          <a:stretch>
+            <a:fillRect/>
+          </a:stretch>
+        </p:blipFill>
+        <p:spPr>
+          <a:xfrm>
+            <a:off x="8656536" y="91573"/>
+            <a:ext cx="407258" cy="495579"/>
+          </a:xfrm>
+          <a:prstGeom prst="rect">
+            <a:avLst/>
+          </a:prstGeom>
+        </p:spPr>
+      </p:pic>
     </p:spTree>
     <p:extLst>
       <p:ext uri="{BB962C8B-B14F-4D97-AF65-F5344CB8AC3E}">
-        <p14:creationId xmlns:p14="http://schemas.microsoft.com/office/powerpoint/2010/main" val="3024686074"/>
+        <p14:creationId xmlns:p14="http://schemas.microsoft.com/office/powerpoint/2010/main" val="3574382410"/>
       </p:ext>
     </p:extLst>
   </p:cSld>
@@ -14993,7 +15284,7 @@
             <a:pPr lvl="0"/>
             <a:r>
               <a:rPr lang="en-GB" sz="4000" dirty="0"/>
-              <a:t>Strategic Exploration</a:t>
+              <a:t>Optimistic initial values (3)</a:t>
             </a:r>
             <a:endParaRPr sz="4000" dirty="0"/>
           </a:p>
@@ -15024,125 +15315,39 @@
           </a:bodyPr>
           <a:lstStyle/>
           <a:p>
-            <a:pPr lvl="0"/>
-            <a:r>
-              <a:rPr lang="en-GB" dirty="0"/>
-              <a:t>While humans explore, they </a:t>
-            </a:r>
-            <a:r>
-              <a:rPr lang="en-GB" b="1" dirty="0"/>
-              <a:t>don’t explore randomly</a:t>
+            <a:r>
+              <a:rPr lang="en-GB" dirty="0"/>
+              <a:t>Initially the optimistic method performs worse because it explores more</a:t>
+            </a:r>
+          </a:p>
+          <a:p>
+            <a:endParaRPr lang="en-GB" dirty="0"/>
+          </a:p>
+          <a:p>
+            <a:r>
+              <a:rPr lang="en-GB" dirty="0"/>
+              <a:t>In the early part of the curve we can see oscillations and spikes</a:t>
             </a:r>
           </a:p>
           <a:p>
             <a:pPr lvl="1"/>
             <a:r>
               <a:rPr lang="en-GB" dirty="0"/>
-              <a:t>imprecision is the source of randomness</a:t>
-            </a:r>
-          </a:p>
-          <a:p>
-            <a:r>
-              <a:rPr lang="en-GB" dirty="0"/>
-              <a:t>A more strategic way of exploring</a:t>
+              <a:t>if the initial action selected is by chance ones of the better choices, then the estimate will be magnified resulting in an emphasis to continue playing this action</a:t>
             </a:r>
           </a:p>
           <a:p>
             <a:pPr lvl="1"/>
             <a:r>
               <a:rPr lang="en-GB" dirty="0"/>
-              <a:t>we know that we’re sacrificing short-term for long-term satisfaction</a:t>
+              <a:t>this results in large values being received on the initial draws and consequently very good initial play</a:t>
             </a:r>
           </a:p>
           <a:p>
             <a:pPr lvl="1"/>
             <a:r>
               <a:rPr lang="en-GB" dirty="0"/>
-              <a:t>we know we want to acquire information </a:t>
-            </a:r>
-          </a:p>
-          <a:p>
-            <a:pPr lvl="1"/>
-            <a:r>
-              <a:rPr lang="en-GB" dirty="0"/>
-              <a:t>we explore by trying things we haven’t sufficiently tried but </a:t>
-            </a:r>
-            <a:r>
-              <a:rPr lang="en-GB" b="1" dirty="0"/>
-              <a:t>have the potential </a:t>
-            </a:r>
-            <a:r>
-              <a:rPr lang="en-GB" dirty="0"/>
-              <a:t>to get better results </a:t>
-            </a:r>
-          </a:p>
-          <a:p>
-            <a:r>
-              <a:rPr lang="en-GB" dirty="0"/>
-              <a:t>Human exploration strategies are a </a:t>
-            </a:r>
-            <a:r>
-              <a:rPr lang="en-GB" b="1" dirty="0"/>
-              <a:t>combination of estimates and their uncertainty</a:t>
-            </a:r>
-            <a:endParaRPr lang="en-GB" dirty="0"/>
-          </a:p>
-          <a:p>
-            <a:pPr lvl="1"/>
-            <a:r>
-              <a:rPr lang="en-GB" dirty="0"/>
-              <a:t>we might prefer a dish that we’re likely to enjoy, and we haven’t tried, over a dish that we like okay, but we get every weekend</a:t>
-            </a:r>
-          </a:p>
-          <a:p>
-            <a:r>
-              <a:rPr lang="en-GB" dirty="0"/>
-              <a:t>The </a:t>
-            </a:r>
-            <a:r>
-              <a:rPr lang="en-GB" b="1" dirty="0"/>
-              <a:t>prediction error</a:t>
-            </a:r>
-            <a:r>
-              <a:rPr lang="en-GB" dirty="0"/>
-              <a:t> and </a:t>
-            </a:r>
-            <a:r>
-              <a:rPr lang="en-GB" b="1" dirty="0"/>
-              <a:t>curiosity</a:t>
-            </a:r>
-            <a:r>
-              <a:rPr lang="en-GB" dirty="0"/>
-              <a:t> could be our metric for exploration</a:t>
-            </a:r>
-          </a:p>
-          <a:p>
-            <a:pPr lvl="0"/>
-            <a:endParaRPr lang="en-GB" dirty="0"/>
-          </a:p>
-          <a:p>
-            <a:pPr lvl="0"/>
-            <a:r>
-              <a:rPr lang="en-GB" dirty="0"/>
-              <a:t>We can consider </a:t>
-            </a:r>
-            <a:r>
-              <a:rPr lang="en-GB" b="1" dirty="0"/>
-              <a:t>more advanced exploration strategies </a:t>
-            </a:r>
-          </a:p>
-          <a:p>
-            <a:pPr lvl="1"/>
-            <a:r>
-              <a:rPr lang="en-GB" dirty="0"/>
-              <a:t>apply randomness in proportion to the current estimates of the actions </a:t>
-            </a:r>
-          </a:p>
-          <a:p>
-            <a:pPr lvl="1"/>
-            <a:r>
-              <a:rPr lang="en-GB" dirty="0"/>
-              <a:t>take into account the confidence and uncertainty levels of the estimates</a:t>
+              <a:t>if the algorithm initially selects poor actions then initially it will perform poorly resulting in very poor initial play</a:t>
             </a:r>
           </a:p>
           <a:p>
@@ -15166,7 +15371,7 @@
     </p:spTree>
     <p:extLst>
       <p:ext uri="{BB962C8B-B14F-4D97-AF65-F5344CB8AC3E}">
-        <p14:creationId xmlns:p14="http://schemas.microsoft.com/office/powerpoint/2010/main" val="2542778883"/>
+        <p14:creationId xmlns:p14="http://schemas.microsoft.com/office/powerpoint/2010/main" val="3024686074"/>
       </p:ext>
     </p:extLst>
   </p:cSld>
@@ -15220,12 +15425,8 @@
           <a:p>
             <a:pPr lvl="0"/>
             <a:r>
-              <a:rPr lang="en-GB" sz="4000" dirty="0" err="1"/>
-              <a:t>Softmax</a:t>
-            </a:r>
-            <a:r>
               <a:rPr lang="en-GB" sz="4000" dirty="0"/>
-              <a:t> method (1)</a:t>
+              <a:t>Strategic Exploration</a:t>
             </a:r>
             <a:endParaRPr sz="4000" dirty="0"/>
           </a:p>
@@ -15243,8 +15444,8 @@
         </p:nvSpPr>
         <p:spPr>
           <a:xfrm>
-            <a:off x="162750" y="1043733"/>
-            <a:ext cx="8818500" cy="5547235"/>
+            <a:off x="162750" y="1212537"/>
+            <a:ext cx="8818500" cy="5224230"/>
           </a:xfrm>
           <a:prstGeom prst="rect">
             <a:avLst/>
@@ -15259,142 +15460,94 @@
             <a:pPr lvl="0"/>
             <a:r>
               <a:rPr lang="en-GB" dirty="0"/>
-              <a:t>We can sample actions from a probability distribution over the estimates</a:t>
+              <a:t>While humans explore, they </a:t>
+            </a:r>
+            <a:r>
+              <a:rPr lang="en-GB" b="1" dirty="0"/>
+              <a:t>don’t explore randomly</a:t>
             </a:r>
           </a:p>
           <a:p>
             <a:pPr lvl="1"/>
             <a:r>
               <a:rPr lang="en-GB" dirty="0"/>
-              <a:t>if there is an action that has a really low estimate, we’re less likely to try it</a:t>
+              <a:t>imprecision is the source of randomness</a:t>
             </a:r>
           </a:p>
           <a:p>
             <a:pPr lvl="1"/>
             <a:r>
               <a:rPr lang="en-GB" dirty="0"/>
-              <a:t>the probability of selecting an action is </a:t>
+              <a:t>but humans have a strategic way of exploring</a:t>
+            </a:r>
+          </a:p>
+          <a:p>
+            <a:pPr lvl="2"/>
+            <a:r>
+              <a:rPr lang="en-GB" dirty="0"/>
+              <a:t>we know that we’re sacrificing short-term for long-term satisfaction</a:t>
+            </a:r>
+          </a:p>
+          <a:p>
+            <a:pPr lvl="2"/>
+            <a:r>
+              <a:rPr lang="en-GB" dirty="0"/>
+              <a:t>we know we want to acquire information </a:t>
+            </a:r>
+          </a:p>
+          <a:p>
+            <a:pPr lvl="2"/>
+            <a:r>
+              <a:rPr lang="en-GB" dirty="0"/>
+              <a:t>we explore by trying things we haven’t sufficiently tried but </a:t>
             </a:r>
             <a:r>
               <a:rPr lang="en-GB" b="1" dirty="0"/>
-              <a:t>proportional to its current </a:t>
-            </a:r>
-            <a:r>
-              <a:rPr lang="en-GB" dirty="0"/>
-              <a:t>estimate</a:t>
-            </a:r>
+              <a:t>have the potential </a:t>
+            </a:r>
+            <a:r>
+              <a:rPr lang="en-GB" dirty="0"/>
+              <a:t>to get better results </a:t>
+            </a:r>
+          </a:p>
+          <a:p>
+            <a:r>
+              <a:rPr lang="en-GB" dirty="0"/>
+              <a:t>Human exploration strategies are a </a:t>
+            </a:r>
+            <a:r>
+              <a:rPr lang="en-GB" b="1" dirty="0"/>
+              <a:t>combination of estimates and their uncertainty</a:t>
+            </a:r>
+            <a:endParaRPr lang="en-GB" dirty="0"/>
           </a:p>
           <a:p>
             <a:pPr lvl="1"/>
             <a:r>
               <a:rPr lang="en-GB" dirty="0"/>
-              <a:t>difference between estimates create a </a:t>
+              <a:t>we might prefer a dish that we’re likely to enjoy, and we haven’t tried, over a dish that we like okay, but we get every weekend</a:t>
+            </a:r>
+          </a:p>
+          <a:p>
+            <a:r>
+              <a:rPr lang="en-GB" dirty="0"/>
+              <a:t>The </a:t>
             </a:r>
             <a:r>
               <a:rPr lang="en-GB" b="1" dirty="0"/>
-              <a:t>tendency to select actions with the highest estimates more often</a:t>
-            </a:r>
-            <a:r>
-              <a:rPr lang="en-GB" dirty="0"/>
-              <a:t>, and actions with the lowest estimates less frequently</a:t>
-            </a:r>
-          </a:p>
-          <a:p>
-            <a:r>
-              <a:rPr lang="en-GB" dirty="0"/>
-              <a:t>Suppose to have B possible actions, then the probability to select action a is:</a:t>
-            </a:r>
-          </a:p>
-          <a:p>
-            <a:pPr marL="120650" indent="0">
-              <a:buNone/>
-            </a:pPr>
-            <a:br>
-              <a:rPr lang="en-GB" dirty="0"/>
-            </a:br>
-            <a:endParaRPr lang="en-GB" dirty="0"/>
-          </a:p>
-          <a:p>
-            <a:pPr marL="120650" indent="0">
-              <a:buNone/>
-            </a:pPr>
-            <a:br>
-              <a:rPr lang="en-GB" dirty="0"/>
-            </a:br>
-            <a:br>
-              <a:rPr lang="en-GB" dirty="0"/>
-            </a:br>
-            <a:endParaRPr lang="en-GB" dirty="0"/>
-          </a:p>
-          <a:p>
-            <a:pPr lvl="0"/>
-            <a:r>
-              <a:rPr lang="en-GB" dirty="0"/>
-              <a:t>The </a:t>
+              <a:t>prediction error</a:t>
+            </a:r>
+            <a:r>
+              <a:rPr lang="en-GB" dirty="0"/>
+              <a:t> and </a:t>
             </a:r>
             <a:r>
               <a:rPr lang="en-GB" b="1" dirty="0"/>
-              <a:t>temperature</a:t>
-            </a:r>
-            <a:r>
-              <a:rPr lang="en-GB" dirty="0"/>
-              <a:t> hyperparameter </a:t>
-            </a:r>
-            <a:r>
-              <a:rPr lang="en-GB" b="1" dirty="0"/>
-              <a:t>controls the sensitivity </a:t>
-            </a:r>
-            <a:r>
-              <a:rPr lang="en-GB" dirty="0"/>
-              <a:t>to the differences</a:t>
-            </a:r>
-          </a:p>
-          <a:p>
-            <a:pPr lvl="1"/>
-            <a:r>
-              <a:rPr lang="en-GB" dirty="0"/>
-              <a:t>as it approaches infinity, the preferences over the values are equal</a:t>
-            </a:r>
-          </a:p>
-          <a:p>
-            <a:pPr lvl="1"/>
-            <a:r>
-              <a:rPr lang="en-GB" dirty="0"/>
-              <a:t>as temperature value approaches zero, the action with the highest estimated will be sampled with probability of one</a:t>
-            </a:r>
-          </a:p>
-          <a:p>
-            <a:pPr lvl="1"/>
-            <a:r>
-              <a:rPr lang="en-GB" dirty="0"/>
-              <a:t>we can decay temperature (linearly, exponentially)</a:t>
-            </a:r>
-          </a:p>
-          <a:p>
-            <a:pPr lvl="0"/>
-            <a:r>
-              <a:rPr lang="en-GB" b="1" dirty="0">
-                <a:highlight>
-                  <a:srgbClr val="FFFF00"/>
-                </a:highlight>
-              </a:rPr>
-              <a:t>See “</a:t>
-            </a:r>
-            <a:r>
-              <a:rPr lang="en-GB" b="1" dirty="0" err="1">
-                <a:highlight>
-                  <a:srgbClr val="FFFF00"/>
-                </a:highlight>
-              </a:rPr>
-              <a:t>notebook.ipynb</a:t>
-            </a:r>
-            <a:r>
-              <a:rPr lang="en-GB" b="1" dirty="0">
-                <a:highlight>
-                  <a:srgbClr val="FFFF00"/>
-                </a:highlight>
-              </a:rPr>
-              <a:t>”</a:t>
+              <a:t>curiosity</a:t>
+            </a:r>
+            <a:r>
+              <a:rPr lang="en-GB" dirty="0"/>
+              <a:t> could be our metric for exploration</a:t>
             </a:r>
           </a:p>
           <a:p>
@@ -15403,6 +15556,39 @@
           </a:p>
           <a:p>
             <a:pPr lvl="0"/>
+            <a:r>
+              <a:rPr lang="en-GB" dirty="0"/>
+              <a:t>We can consider </a:t>
+            </a:r>
+            <a:r>
+              <a:rPr lang="en-GB" b="1" dirty="0"/>
+              <a:t>more advanced exploration strategies </a:t>
+            </a:r>
+          </a:p>
+          <a:p>
+            <a:pPr lvl="1"/>
+            <a:r>
+              <a:rPr lang="en-GB" dirty="0"/>
+              <a:t>apply randomness in proportion to the current estimates of the actions </a:t>
+            </a:r>
+          </a:p>
+          <a:p>
+            <a:pPr lvl="1"/>
+            <a:r>
+              <a:rPr lang="en-GB" dirty="0"/>
+              <a:t>take into account the confidence and uncertainty levels of the estimates</a:t>
+            </a:r>
+          </a:p>
+          <a:p>
+            <a:pPr lvl="0"/>
+            <a:endParaRPr lang="en-GB" dirty="0"/>
+          </a:p>
+          <a:p>
+            <a:pPr lvl="0"/>
+            <a:endParaRPr lang="en-GB" dirty="0"/>
+          </a:p>
+          <a:p>
+            <a:pPr lvl="0"/>
             <a:endParaRPr lang="en-GB" dirty="0"/>
           </a:p>
           <a:p>
@@ -15411,40 +15597,10 @@
           </a:p>
         </p:txBody>
       </p:sp>
-      <p:pic>
-        <p:nvPicPr>
-          <p:cNvPr id="6" name="Immagine 5" descr="Immagine che contiene Carattere, bianco, diagramma, design&#10;&#10;Descrizione generata automaticamente">
-            <a:extLst>
-              <a:ext uri="{FF2B5EF4-FFF2-40B4-BE49-F238E27FC236}">
-                <a16:creationId xmlns:a16="http://schemas.microsoft.com/office/drawing/2014/main" id="{3F92F947-AC4E-6317-BDAD-D5C1526B7145}"/>
-              </a:ext>
-            </a:extLst>
-          </p:cNvPr>
-          <p:cNvPicPr>
-            <a:picLocks noChangeAspect="1"/>
-          </p:cNvPicPr>
-          <p:nvPr/>
-        </p:nvPicPr>
-        <p:blipFill>
-          <a:blip r:embed="rId3"/>
-          <a:stretch>
-            <a:fillRect/>
-          </a:stretch>
-        </p:blipFill>
-        <p:spPr>
-          <a:xfrm>
-            <a:off x="665428" y="3195618"/>
-            <a:ext cx="1894915" cy="1258455"/>
-          </a:xfrm>
-          <a:prstGeom prst="rect">
-            <a:avLst/>
-          </a:prstGeom>
-        </p:spPr>
-      </p:pic>
     </p:spTree>
     <p:extLst>
       <p:ext uri="{BB962C8B-B14F-4D97-AF65-F5344CB8AC3E}">
-        <p14:creationId xmlns:p14="http://schemas.microsoft.com/office/powerpoint/2010/main" val="1671601880"/>
+        <p14:creationId xmlns:p14="http://schemas.microsoft.com/office/powerpoint/2010/main" val="2542778883"/>
       </p:ext>
     </p:extLst>
   </p:cSld>
@@ -15503,18 +15659,167 @@
             </a:r>
             <a:r>
               <a:rPr lang="en-GB" sz="4000" dirty="0"/>
-              <a:t> method (2)</a:t>
+              <a:t> method (1)</a:t>
             </a:r>
             <a:endParaRPr sz="4000" dirty="0"/>
+          </a:p>
+        </p:txBody>
+      </p:sp>
+      <p:sp>
+        <p:nvSpPr>
+          <p:cNvPr id="84" name="Google Shape;84;p14"/>
+          <p:cNvSpPr txBox="1">
+            <a:spLocks noGrp="1"/>
+          </p:cNvSpPr>
+          <p:nvPr>
+            <p:ph type="body" idx="1"/>
+          </p:nvPr>
+        </p:nvSpPr>
+        <p:spPr>
+          <a:xfrm>
+            <a:off x="162750" y="1043733"/>
+            <a:ext cx="8818500" cy="5547235"/>
+          </a:xfrm>
+          <a:prstGeom prst="rect">
+            <a:avLst/>
+          </a:prstGeom>
+        </p:spPr>
+        <p:txBody>
+          <a:bodyPr spcFirstLastPara="1" wrap="square" lIns="91425" tIns="91425" rIns="91425" bIns="91425" anchor="t" anchorCtr="0">
+            <a:noAutofit/>
+          </a:bodyPr>
+          <a:lstStyle/>
+          <a:p>
+            <a:pPr lvl="0"/>
+            <a:r>
+              <a:rPr lang="en-GB" dirty="0"/>
+              <a:t>We can sample actions from a probability distribution over the estimates</a:t>
+            </a:r>
+          </a:p>
+          <a:p>
+            <a:pPr lvl="1"/>
+            <a:r>
+              <a:rPr lang="en-GB" dirty="0"/>
+              <a:t>if there is an action that has a really low estimate, we’re less likely to try it</a:t>
+            </a:r>
+          </a:p>
+          <a:p>
+            <a:pPr lvl="1"/>
+            <a:r>
+              <a:rPr lang="en-GB" dirty="0"/>
+              <a:t>the probability of selecting an action is </a:t>
+            </a:r>
+            <a:r>
+              <a:rPr lang="en-GB" b="1" dirty="0"/>
+              <a:t>proportional to its current </a:t>
+            </a:r>
+            <a:r>
+              <a:rPr lang="en-GB" dirty="0"/>
+              <a:t>estimate</a:t>
+            </a:r>
+          </a:p>
+          <a:p>
+            <a:pPr lvl="1"/>
+            <a:r>
+              <a:rPr lang="en-GB" dirty="0"/>
+              <a:t>difference between estimates create a </a:t>
+            </a:r>
+            <a:r>
+              <a:rPr lang="en-GB" b="1" dirty="0"/>
+              <a:t>tendency to select actions with the highest estimates more often</a:t>
+            </a:r>
+            <a:r>
+              <a:rPr lang="en-GB" dirty="0"/>
+              <a:t>, and actions with the lowest estimates less frequently</a:t>
+            </a:r>
+          </a:p>
+          <a:p>
+            <a:r>
+              <a:rPr lang="en-GB" dirty="0"/>
+              <a:t>Suppose to have B possible actions, then the probability to select action a is:</a:t>
+            </a:r>
+          </a:p>
+          <a:p>
+            <a:pPr marL="120650" indent="0">
+              <a:buNone/>
+            </a:pPr>
+            <a:br>
+              <a:rPr lang="en-GB" dirty="0"/>
+            </a:br>
+            <a:endParaRPr lang="en-GB" dirty="0"/>
+          </a:p>
+          <a:p>
+            <a:pPr marL="120650" indent="0">
+              <a:buNone/>
+            </a:pPr>
+            <a:br>
+              <a:rPr lang="en-GB" dirty="0"/>
+            </a:br>
+            <a:br>
+              <a:rPr lang="en-GB" dirty="0"/>
+            </a:br>
+            <a:endParaRPr lang="en-GB" dirty="0"/>
+          </a:p>
+          <a:p>
+            <a:pPr lvl="0"/>
+            <a:r>
+              <a:rPr lang="en-GB" dirty="0"/>
+              <a:t>The </a:t>
+            </a:r>
+            <a:r>
+              <a:rPr lang="en-GB" b="1" dirty="0"/>
+              <a:t>temperature</a:t>
+            </a:r>
+            <a:r>
+              <a:rPr lang="en-GB" dirty="0"/>
+              <a:t> hyperparameter </a:t>
+            </a:r>
+            <a:r>
+              <a:rPr lang="en-GB" b="1" dirty="0"/>
+              <a:t>controls the sensitivity </a:t>
+            </a:r>
+            <a:r>
+              <a:rPr lang="en-GB" dirty="0"/>
+              <a:t>to the differences</a:t>
+            </a:r>
+          </a:p>
+          <a:p>
+            <a:pPr lvl="1"/>
+            <a:r>
+              <a:rPr lang="en-GB" dirty="0"/>
+              <a:t>as it approaches infinity, the preferences over the values are equal</a:t>
+            </a:r>
+          </a:p>
+          <a:p>
+            <a:pPr lvl="1"/>
+            <a:r>
+              <a:rPr lang="en-GB" dirty="0"/>
+              <a:t>as temperature value approaches zero, the action with the highest estimated will be sampled with probability of one</a:t>
+            </a:r>
+          </a:p>
+          <a:p>
+            <a:pPr lvl="1"/>
+            <a:r>
+              <a:rPr lang="en-GB" dirty="0"/>
+              <a:t>we can decay temperature (linearly, exponentially)</a:t>
+            </a:r>
+          </a:p>
+          <a:p>
+            <a:pPr lvl="0"/>
+            <a:endParaRPr lang="en-GB" dirty="0"/>
+          </a:p>
+          <a:p>
+            <a:pPr lvl="1"/>
+            <a:endParaRPr lang="en-GB" dirty="0"/>
           </a:p>
         </p:txBody>
       </p:sp>
       <p:pic>
         <p:nvPicPr>
-          <p:cNvPr id="4" name="Immagine 3" descr="Immagine che contiene testo, schermata&#10;&#10;Descrizione generata automaticamente">
+          <p:cNvPr id="6" name="Immagine 5" descr="Immagine che contiene Carattere, bianco, diagramma, design&#10;&#10;Descrizione generata automaticamente">
             <a:extLst>
               <a:ext uri="{FF2B5EF4-FFF2-40B4-BE49-F238E27FC236}">
-                <a16:creationId xmlns:a16="http://schemas.microsoft.com/office/drawing/2014/main" id="{E798E2BB-FE6C-BCE4-2B99-18E2A0D4E24B}"/>
+                <a16:creationId xmlns:a16="http://schemas.microsoft.com/office/drawing/2014/main" id="{3F92F947-AC4E-6317-BDAD-D5C1526B7145}"/>
               </a:ext>
             </a:extLst>
           </p:cNvPr>
@@ -15531,8 +15836,8 @@
         </p:blipFill>
         <p:spPr>
           <a:xfrm>
-            <a:off x="155522" y="1173917"/>
-            <a:ext cx="8525067" cy="5144437"/>
+            <a:off x="665428" y="3195618"/>
+            <a:ext cx="1894915" cy="1258455"/>
           </a:xfrm>
           <a:prstGeom prst="rect">
             <a:avLst/>
@@ -15542,7 +15847,7 @@
     </p:spTree>
     <p:extLst>
       <p:ext uri="{BB962C8B-B14F-4D97-AF65-F5344CB8AC3E}">
-        <p14:creationId xmlns:p14="http://schemas.microsoft.com/office/powerpoint/2010/main" val="233351088"/>
+        <p14:creationId xmlns:p14="http://schemas.microsoft.com/office/powerpoint/2010/main" val="1671601880"/>
       </p:ext>
     </p:extLst>
   </p:cSld>
@@ -15557,7 +15862,13 @@
   <p:cSld>
     <p:spTree>
       <p:nvGrpSpPr>
-        <p:cNvPr id="1" name="Shape 82"/>
+        <p:cNvPr id="1" name="Shape 82">
+          <a:extLst>
+            <a:ext uri="{FF2B5EF4-FFF2-40B4-BE49-F238E27FC236}">
+              <a16:creationId xmlns:a16="http://schemas.microsoft.com/office/drawing/2014/main" id="{BB2CC257-02A7-DA6C-FCF0-714631C8E4BC}"/>
+            </a:ext>
+          </a:extLst>
+        </p:cNvPr>
         <p:cNvGrpSpPr/>
         <p:nvPr/>
       </p:nvGrpSpPr>
@@ -15571,7 +15882,13 @@
       </p:grpSpPr>
       <p:sp>
         <p:nvSpPr>
-          <p:cNvPr id="83" name="Google Shape;83;p14"/>
+          <p:cNvPr id="83" name="Google Shape;83;p14">
+            <a:extLst>
+              <a:ext uri="{FF2B5EF4-FFF2-40B4-BE49-F238E27FC236}">
+                <a16:creationId xmlns:a16="http://schemas.microsoft.com/office/drawing/2014/main" id="{3278F7F6-7738-F925-B51C-FC97F52818E0}"/>
+              </a:ext>
+            </a:extLst>
+          </p:cNvPr>
           <p:cNvSpPr txBox="1">
             <a:spLocks noGrp="1"/>
           </p:cNvSpPr>
@@ -15596,8 +15913,12 @@
           <a:p>
             <a:pPr lvl="0"/>
             <a:r>
+              <a:rPr lang="en-GB" sz="4000" dirty="0" err="1"/>
+              <a:t>Softmax</a:t>
+            </a:r>
+            <a:r>
               <a:rPr lang="en-GB" sz="4000" dirty="0"/>
-              <a:t>Upper Confidence Bound method (1)</a:t>
+              <a:t> method (2)</a:t>
             </a:r>
             <a:endParaRPr sz="4000" dirty="0"/>
           </a:p>
@@ -15605,7 +15926,13 @@
       </p:sp>
       <p:sp>
         <p:nvSpPr>
-          <p:cNvPr id="84" name="Google Shape;84;p14"/>
+          <p:cNvPr id="84" name="Google Shape;84;p14">
+            <a:extLst>
+              <a:ext uri="{FF2B5EF4-FFF2-40B4-BE49-F238E27FC236}">
+                <a16:creationId xmlns:a16="http://schemas.microsoft.com/office/drawing/2014/main" id="{C7506212-CEDE-C16C-8835-99B32CD6EE4A}"/>
+              </a:ext>
+            </a:extLst>
+          </p:cNvPr>
           <p:cNvSpPr txBox="1">
             <a:spLocks noGrp="1"/>
           </p:cNvSpPr>
@@ -15615,8 +15942,8 @@
         </p:nvSpPr>
         <p:spPr>
           <a:xfrm>
-            <a:off x="162750" y="1212537"/>
-            <a:ext cx="8818500" cy="5224230"/>
+            <a:off x="162750" y="1043733"/>
+            <a:ext cx="8818500" cy="5547235"/>
           </a:xfrm>
           <a:prstGeom prst="rect">
             <a:avLst/>
@@ -15631,92 +15958,12 @@
             <a:pPr lvl="0"/>
             <a:r>
               <a:rPr lang="en-GB" dirty="0"/>
-              <a:t>Optimistic initialization is a clever and efficient approach, however </a:t>
-            </a:r>
-            <a:r>
-              <a:rPr lang="en-GB" b="1" dirty="0"/>
-              <a:t>we don’t know the maximum reward </a:t>
-            </a:r>
-            <a:r>
-              <a:rPr lang="en-GB" dirty="0"/>
-              <a:t>the agent can obtain </a:t>
-            </a:r>
-          </a:p>
-          <a:p>
-            <a:pPr lvl="1"/>
-            <a:r>
-              <a:rPr lang="en-GB" dirty="0"/>
-              <a:t>if we set it to a value much higher than its actual value, the algorithm will perform sub-optimally for a long time (many episodes to bring the estimates near the actual values)</a:t>
-            </a:r>
-          </a:p>
-          <a:p>
-            <a:pPr lvl="1"/>
-            <a:r>
-              <a:rPr lang="en-GB" dirty="0"/>
-              <a:t>if we set the initial values lower than the maximum, the algorithm will no longer be optimistic, and it will no longer work </a:t>
-            </a:r>
-          </a:p>
-          <a:p>
+              <a:t>We can sample actions from a probability distribution over the estimates</a:t>
+            </a:r>
+          </a:p>
+          <a:p>
+            <a:pPr lvl="0"/>
             <a:endParaRPr lang="en-GB" dirty="0"/>
-          </a:p>
-          <a:p>
-            <a:r>
-              <a:rPr lang="en-GB" dirty="0"/>
-              <a:t>A better strategy that follows the same principle is to use statistical techniques to calculate the </a:t>
-            </a:r>
-            <a:r>
-              <a:rPr lang="en-GB" b="1" dirty="0"/>
-              <a:t>value estimate uncertainty </a:t>
-            </a:r>
-            <a:r>
-              <a:rPr lang="en-GB" dirty="0"/>
-              <a:t>and uses it as a </a:t>
-            </a:r>
-            <a:r>
-              <a:rPr lang="en-GB" b="1" dirty="0"/>
-              <a:t>bonus for exploration</a:t>
-            </a:r>
-          </a:p>
-          <a:p>
-            <a:pPr lvl="1"/>
-            <a:r>
-              <a:rPr lang="en-GB" dirty="0"/>
-              <a:t>we’re still optimistic, but it’s a more a realistic optimism</a:t>
-            </a:r>
-          </a:p>
-          <a:p>
-            <a:pPr lvl="1"/>
-            <a:r>
-              <a:rPr lang="en-GB" dirty="0"/>
-              <a:t>instead of blindly hoping for the best, we look at the uncertainty of value estimates </a:t>
-            </a:r>
-          </a:p>
-          <a:p>
-            <a:pPr lvl="1"/>
-            <a:r>
-              <a:rPr lang="en-GB" b="1" dirty="0"/>
-              <a:t>the more uncertain an estimate, the more critical it is to explore it</a:t>
-            </a:r>
-          </a:p>
-          <a:p>
-            <a:endParaRPr lang="en-GB" dirty="0"/>
-          </a:p>
-          <a:p>
-            <a:r>
-              <a:rPr lang="en-GB" dirty="0"/>
-              <a:t>The metric here is </a:t>
-            </a:r>
-            <a:r>
-              <a:rPr lang="en-GB" b="1" dirty="0"/>
-              <a:t>uncertainty</a:t>
-            </a:r>
-          </a:p>
-          <a:p>
-            <a:pPr lvl="1"/>
-            <a:r>
-              <a:rPr lang="en-GB" dirty="0"/>
-              <a:t>we want to give actions the benefit of the doubt</a:t>
-            </a:r>
           </a:p>
           <a:p>
             <a:pPr lvl="1"/>
@@ -15724,10 +15971,70 @@
           </a:p>
         </p:txBody>
       </p:sp>
+      <p:pic>
+        <p:nvPicPr>
+          <p:cNvPr id="2" name="Immagine 1" descr="Immagine che contiene Carattere, Elementi grafici, logo, cerchio&#10;&#10;Descrizione generata automaticamente">
+            <a:extLst>
+              <a:ext uri="{FF2B5EF4-FFF2-40B4-BE49-F238E27FC236}">
+                <a16:creationId xmlns:a16="http://schemas.microsoft.com/office/drawing/2014/main" id="{25B804E9-734C-FDE8-5922-CD4E7CBEC766}"/>
+              </a:ext>
+            </a:extLst>
+          </p:cNvPr>
+          <p:cNvPicPr>
+            <a:picLocks noChangeAspect="1"/>
+          </p:cNvPicPr>
+          <p:nvPr/>
+        </p:nvPicPr>
+        <p:blipFill>
+          <a:blip r:embed="rId3"/>
+          <a:stretch>
+            <a:fillRect/>
+          </a:stretch>
+        </p:blipFill>
+        <p:spPr>
+          <a:xfrm>
+            <a:off x="8656536" y="91573"/>
+            <a:ext cx="407258" cy="495579"/>
+          </a:xfrm>
+          <a:prstGeom prst="rect">
+            <a:avLst/>
+          </a:prstGeom>
+        </p:spPr>
+      </p:pic>
+      <p:pic>
+        <p:nvPicPr>
+          <p:cNvPr id="4" name="Immagine 3" descr="Immagine che contiene testo, linea, Diagramma, schermata&#10;&#10;Descrizione generata automaticamente">
+            <a:extLst>
+              <a:ext uri="{FF2B5EF4-FFF2-40B4-BE49-F238E27FC236}">
+                <a16:creationId xmlns:a16="http://schemas.microsoft.com/office/drawing/2014/main" id="{96CFC571-C551-3F00-98AC-BBB19DCC480C}"/>
+              </a:ext>
+            </a:extLst>
+          </p:cNvPr>
+          <p:cNvPicPr>
+            <a:picLocks noChangeAspect="1"/>
+          </p:cNvPicPr>
+          <p:nvPr/>
+        </p:nvPicPr>
+        <p:blipFill>
+          <a:blip r:embed="rId4"/>
+          <a:stretch>
+            <a:fillRect/>
+          </a:stretch>
+        </p:blipFill>
+        <p:spPr>
+          <a:xfrm>
+            <a:off x="747696" y="1500314"/>
+            <a:ext cx="6753935" cy="5161388"/>
+          </a:xfrm>
+          <a:prstGeom prst="rect">
+            <a:avLst/>
+          </a:prstGeom>
+        </p:spPr>
+      </p:pic>
     </p:spTree>
     <p:extLst>
       <p:ext uri="{BB962C8B-B14F-4D97-AF65-F5344CB8AC3E}">
-        <p14:creationId xmlns:p14="http://schemas.microsoft.com/office/powerpoint/2010/main" val="853800667"/>
+        <p14:creationId xmlns:p14="http://schemas.microsoft.com/office/powerpoint/2010/main" val="572500265"/>
       </p:ext>
     </p:extLst>
   </p:cSld>
@@ -15782,8 +16089,9 @@
             <a:pPr lvl="0"/>
             <a:r>
               <a:rPr lang="en-GB" sz="4000" dirty="0"/>
-              <a:t>Upper Confidence Bound method (2)</a:t>
-            </a:r>
+              <a:t>Upper Confidence Bound method (1)</a:t>
+            </a:r>
+            <a:endParaRPr sz="4000" dirty="0"/>
           </a:p>
         </p:txBody>
       </p:sp>
@@ -15815,182 +16123,113 @@
             <a:pPr lvl="0"/>
             <a:r>
               <a:rPr lang="en-GB" dirty="0"/>
-              <a:t>To select the action </a:t>
-            </a:r>
-            <a:r>
-              <a:rPr lang="en-GB" i="1" dirty="0"/>
-              <a:t>A </a:t>
-            </a:r>
-            <a:r>
-              <a:rPr lang="en-GB" dirty="0"/>
-              <a:t>we add the value estimates and an uncertainty bonus</a:t>
-            </a:r>
-          </a:p>
-          <a:p>
-            <a:pPr lvl="0"/>
+              <a:t>Optimistic initialization is a clever and efficient approach, however </a:t>
+            </a:r>
+            <a:r>
+              <a:rPr lang="en-GB" b="1" dirty="0"/>
+              <a:t>we don’t know the maximum reward </a:t>
+            </a:r>
+            <a:r>
+              <a:rPr lang="en-GB" dirty="0"/>
+              <a:t>the agent can obtain </a:t>
+            </a:r>
+          </a:p>
+          <a:p>
+            <a:pPr lvl="1"/>
+            <a:r>
+              <a:rPr lang="en-GB" dirty="0"/>
+              <a:t>if we set it to a value much higher than its actual value, the algorithm will perform sub-optimally for a long time (many episodes to bring the estimates near the actual values)</a:t>
+            </a:r>
+          </a:p>
+          <a:p>
+            <a:pPr lvl="1"/>
+            <a:r>
+              <a:rPr lang="en-GB" dirty="0"/>
+              <a:t>if we set the initial values lower than the maximum, the algorithm will no longer be optimistic, and it will no longer work </a:t>
+            </a:r>
+          </a:p>
+          <a:p>
+            <a:r>
+              <a:rPr lang="en-GB" dirty="0"/>
+              <a:t>A better strategy is to use statistical techniques to calculate the </a:t>
+            </a:r>
+            <a:r>
+              <a:rPr lang="en-GB" b="1" dirty="0"/>
+              <a:t>value estimate uncertainty </a:t>
+            </a:r>
+            <a:r>
+              <a:rPr lang="en-GB" dirty="0"/>
+              <a:t>and uses it as a </a:t>
+            </a:r>
+            <a:r>
+              <a:rPr lang="en-GB" b="1" dirty="0"/>
+              <a:t>bonus for exploration</a:t>
+            </a:r>
+          </a:p>
+          <a:p>
+            <a:pPr lvl="1"/>
+            <a:r>
+              <a:rPr lang="en-GB" dirty="0"/>
+              <a:t>we’re still optimistic, but it’s a more a realistic optimism</a:t>
+            </a:r>
+          </a:p>
+          <a:p>
+            <a:pPr lvl="1"/>
+            <a:r>
+              <a:rPr lang="en-GB" dirty="0"/>
+              <a:t>instead of blindly hoping for the best, we look at the uncertainty of value estimates </a:t>
+            </a:r>
+          </a:p>
+          <a:p>
+            <a:pPr lvl="1"/>
+            <a:r>
+              <a:rPr lang="en-GB" b="1" dirty="0"/>
+              <a:t>the more uncertain an estimate, the more critical it is to explore it</a:t>
+            </a:r>
+          </a:p>
+          <a:p>
             <a:endParaRPr lang="en-GB" dirty="0"/>
           </a:p>
           <a:p>
-            <a:pPr lvl="0"/>
             <a:endParaRPr lang="en-GB" dirty="0"/>
           </a:p>
           <a:p>
-            <a:pPr lvl="0"/>
+            <a:r>
+              <a:rPr lang="en-GB" dirty="0"/>
+              <a:t>The u(a) here is a </a:t>
+            </a:r>
+            <a:r>
+              <a:rPr lang="en-GB" b="1" dirty="0"/>
+              <a:t>measure of</a:t>
+            </a:r>
+            <a:r>
+              <a:rPr lang="en-GB" dirty="0"/>
+              <a:t> </a:t>
+            </a:r>
+            <a:r>
+              <a:rPr lang="en-GB" b="1" dirty="0"/>
+              <a:t>uncertainty</a:t>
+            </a:r>
+          </a:p>
+          <a:p>
+            <a:pPr lvl="1"/>
+            <a:r>
+              <a:rPr lang="en-GB" dirty="0"/>
+              <a:t>we want to give actions the benefit of the doubt</a:t>
+            </a:r>
+          </a:p>
+          <a:p>
+            <a:pPr lvl="1"/>
             <a:endParaRPr lang="en-GB" dirty="0"/>
-          </a:p>
-          <a:p>
-            <a:pPr marL="120650" lvl="0" indent="0">
-              <a:buNone/>
-            </a:pPr>
-            <a:endParaRPr lang="en-GB" dirty="0"/>
-          </a:p>
-          <a:p>
-            <a:pPr lvl="0"/>
-            <a:r>
-              <a:rPr lang="en-GB" dirty="0"/>
-              <a:t>The square-root term is a </a:t>
-            </a:r>
-            <a:r>
-              <a:rPr lang="en-GB" b="1" dirty="0"/>
-              <a:t>measure of the uncertainty </a:t>
-            </a:r>
-            <a:r>
-              <a:rPr lang="en-GB" dirty="0"/>
-              <a:t>in the estimate</a:t>
-            </a:r>
-          </a:p>
-          <a:p>
-            <a:pPr lvl="1"/>
-            <a:r>
-              <a:rPr lang="en-GB" dirty="0"/>
-              <a:t>each time </a:t>
-            </a:r>
-            <a:r>
-              <a:rPr lang="en-GB" i="1" dirty="0"/>
-              <a:t>a</a:t>
-            </a:r>
-            <a:r>
-              <a:rPr lang="en-GB" dirty="0"/>
-              <a:t> is selected, the uncertainty is presumably reduced:  </a:t>
-            </a:r>
-            <a:r>
-              <a:rPr lang="en-GB" i="1" dirty="0" err="1"/>
-              <a:t>N</a:t>
-            </a:r>
-            <a:r>
-              <a:rPr lang="en-GB" i="1" baseline="-25000" dirty="0" err="1"/>
-              <a:t>t</a:t>
-            </a:r>
-            <a:r>
-              <a:rPr lang="en-GB" i="1" dirty="0"/>
-              <a:t>(a)</a:t>
-            </a:r>
-            <a:r>
-              <a:rPr lang="en-GB" dirty="0"/>
-              <a:t> increments and the uncertainty term decreases</a:t>
-            </a:r>
-          </a:p>
-          <a:p>
-            <a:pPr lvl="1"/>
-            <a:r>
-              <a:rPr lang="en-GB" dirty="0"/>
-              <a:t>each time an action other than </a:t>
-            </a:r>
-            <a:r>
-              <a:rPr lang="en-GB" i="1" dirty="0"/>
-              <a:t>a</a:t>
-            </a:r>
-            <a:r>
-              <a:rPr lang="en-GB" dirty="0"/>
-              <a:t> is selected, </a:t>
-            </a:r>
-            <a:r>
-              <a:rPr lang="en-GB" i="1" dirty="0"/>
-              <a:t>t</a:t>
-            </a:r>
-            <a:r>
-              <a:rPr lang="en-GB" dirty="0"/>
-              <a:t> increases and the uncertainty estimate increases</a:t>
-            </a:r>
-          </a:p>
-          <a:p>
-            <a:pPr lvl="1"/>
-            <a:r>
-              <a:rPr lang="en-GB" dirty="0"/>
-              <a:t>logarithm means that the increases get smaller over time, but are unbounded</a:t>
-            </a:r>
-          </a:p>
-          <a:p>
-            <a:endParaRPr lang="en-GB" sz="1000" dirty="0"/>
-          </a:p>
-          <a:p>
-            <a:r>
-              <a:rPr lang="en-GB" dirty="0"/>
-              <a:t>All actions will </a:t>
-            </a:r>
-            <a:r>
-              <a:rPr lang="en-GB" b="1" dirty="0"/>
-              <a:t>eventually be selected</a:t>
-            </a:r>
-            <a:r>
-              <a:rPr lang="en-GB" dirty="0"/>
-              <a:t>, but actions with </a:t>
-            </a:r>
-            <a:r>
-              <a:rPr lang="en-GB" b="1" dirty="0"/>
-              <a:t>lower value estimates</a:t>
-            </a:r>
-            <a:r>
-              <a:rPr lang="en-GB" dirty="0"/>
-              <a:t>, or that </a:t>
-            </a:r>
-            <a:r>
-              <a:rPr lang="en-GB" b="1" dirty="0"/>
-              <a:t>have already been selected frequently</a:t>
-            </a:r>
-            <a:r>
-              <a:rPr lang="en-GB" dirty="0"/>
-              <a:t>, will be selected with decreasing frequency over time</a:t>
-            </a:r>
-          </a:p>
-          <a:p>
-            <a:endParaRPr lang="en-GB" sz="1100" dirty="0"/>
-          </a:p>
-          <a:p>
-            <a:pPr lvl="0"/>
-            <a:r>
-              <a:rPr lang="en-GB" b="1" dirty="0">
-                <a:highlight>
-                  <a:srgbClr val="FFFF00"/>
-                </a:highlight>
-              </a:rPr>
-              <a:t>See “</a:t>
-            </a:r>
-            <a:r>
-              <a:rPr lang="en-GB" b="1" dirty="0" err="1">
-                <a:highlight>
-                  <a:srgbClr val="FFFF00"/>
-                </a:highlight>
-              </a:rPr>
-              <a:t>notebook.ipynb</a:t>
-            </a:r>
-            <a:r>
-              <a:rPr lang="en-GB" b="1" dirty="0">
-                <a:highlight>
-                  <a:srgbClr val="FFFF00"/>
-                </a:highlight>
-              </a:rPr>
-              <a:t>”</a:t>
-            </a:r>
           </a:p>
         </p:txBody>
       </p:sp>
       <p:pic>
         <p:nvPicPr>
-          <p:cNvPr id="3" name="Immagine 2" descr="Immagine che contiene Carattere, testo, bianco, linea&#10;&#10;Descrizione generata automaticamente">
+          <p:cNvPr id="3" name="Immagine 2" descr="Immagine che contiene Carattere, testo, bianco, calligrafia&#10;&#10;Descrizione generata automaticamente">
             <a:extLst>
               <a:ext uri="{FF2B5EF4-FFF2-40B4-BE49-F238E27FC236}">
-                <a16:creationId xmlns:a16="http://schemas.microsoft.com/office/drawing/2014/main" id="{A15637CC-4CEF-45E6-E77F-F034C5A17CEF}"/>
+                <a16:creationId xmlns:a16="http://schemas.microsoft.com/office/drawing/2014/main" id="{274DB77E-DDC4-0BB9-3BBF-DE59F155FEA6}"/>
               </a:ext>
             </a:extLst>
           </p:cNvPr>
@@ -16007,8 +16246,8 @@
         </p:blipFill>
         <p:spPr>
           <a:xfrm>
-            <a:off x="660191" y="1578859"/>
-            <a:ext cx="4034605" cy="1044419"/>
+            <a:off x="788044" y="4857420"/>
+            <a:ext cx="2590800" cy="533400"/>
           </a:xfrm>
           <a:prstGeom prst="rect">
             <a:avLst/>
@@ -16018,7 +16257,7 @@
     </p:spTree>
     <p:extLst>
       <p:ext uri="{BB962C8B-B14F-4D97-AF65-F5344CB8AC3E}">
-        <p14:creationId xmlns:p14="http://schemas.microsoft.com/office/powerpoint/2010/main" val="3190013514"/>
+        <p14:creationId xmlns:p14="http://schemas.microsoft.com/office/powerpoint/2010/main" val="853800667"/>
       </p:ext>
     </p:extLst>
   </p:cSld>
@@ -16073,18 +16312,191 @@
             <a:pPr lvl="0"/>
             <a:r>
               <a:rPr lang="en-GB" sz="4000" dirty="0"/>
-              <a:t>Upper Confidence Bound method (3)</a:t>
-            </a:r>
-            <a:endParaRPr sz="4000" dirty="0"/>
+              <a:t>Upper Confidence Bound method (2)</a:t>
+            </a:r>
+          </a:p>
+        </p:txBody>
+      </p:sp>
+      <p:sp>
+        <p:nvSpPr>
+          <p:cNvPr id="84" name="Google Shape;84;p14"/>
+          <p:cNvSpPr txBox="1">
+            <a:spLocks noGrp="1"/>
+          </p:cNvSpPr>
+          <p:nvPr>
+            <p:ph type="body" idx="1"/>
+          </p:nvPr>
+        </p:nvSpPr>
+        <p:spPr>
+          <a:xfrm>
+            <a:off x="162750" y="1212537"/>
+            <a:ext cx="8818500" cy="5224230"/>
+          </a:xfrm>
+          <a:prstGeom prst="rect">
+            <a:avLst/>
+          </a:prstGeom>
+        </p:spPr>
+        <p:txBody>
+          <a:bodyPr spcFirstLastPara="1" wrap="square" lIns="91425" tIns="91425" rIns="91425" bIns="91425" anchor="t" anchorCtr="0">
+            <a:noAutofit/>
+          </a:bodyPr>
+          <a:lstStyle/>
+          <a:p>
+            <a:pPr lvl="0"/>
+            <a:r>
+              <a:rPr lang="en-GB" dirty="0"/>
+              <a:t>To select the action </a:t>
+            </a:r>
+            <a:r>
+              <a:rPr lang="en-GB" i="1" dirty="0"/>
+              <a:t>A </a:t>
+            </a:r>
+            <a:r>
+              <a:rPr lang="en-GB" dirty="0"/>
+              <a:t>we add the value estimates and an uncertainty bonus</a:t>
+            </a:r>
+          </a:p>
+          <a:p>
+            <a:pPr lvl="0"/>
+            <a:endParaRPr lang="en-GB" dirty="0"/>
+          </a:p>
+          <a:p>
+            <a:pPr lvl="0"/>
+            <a:endParaRPr lang="en-GB" dirty="0"/>
+          </a:p>
+          <a:p>
+            <a:pPr lvl="0"/>
+            <a:endParaRPr lang="en-GB" dirty="0"/>
+          </a:p>
+          <a:p>
+            <a:pPr marL="120650" lvl="0" indent="0">
+              <a:buNone/>
+            </a:pPr>
+            <a:endParaRPr lang="en-GB" dirty="0"/>
+          </a:p>
+          <a:p>
+            <a:pPr lvl="0"/>
+            <a:r>
+              <a:rPr lang="en-GB" dirty="0"/>
+              <a:t>The square-root term is a </a:t>
+            </a:r>
+            <a:r>
+              <a:rPr lang="en-GB" b="1" dirty="0"/>
+              <a:t>measure of the uncertainty </a:t>
+            </a:r>
+            <a:r>
+              <a:rPr lang="en-GB" dirty="0"/>
+              <a:t>in the estimate</a:t>
+            </a:r>
+          </a:p>
+          <a:p>
+            <a:pPr lvl="1"/>
+            <a:r>
+              <a:rPr lang="en-GB" dirty="0"/>
+              <a:t>each time </a:t>
+            </a:r>
+            <a:r>
+              <a:rPr lang="en-GB" i="1" dirty="0"/>
+              <a:t>a</a:t>
+            </a:r>
+            <a:r>
+              <a:rPr lang="en-GB" dirty="0"/>
+              <a:t> is selected, the uncertainty is presumably reduced:  </a:t>
+            </a:r>
+            <a:r>
+              <a:rPr lang="en-GB" i="1" dirty="0" err="1"/>
+              <a:t>N</a:t>
+            </a:r>
+            <a:r>
+              <a:rPr lang="en-GB" i="1" baseline="-25000" dirty="0" err="1"/>
+              <a:t>t</a:t>
+            </a:r>
+            <a:r>
+              <a:rPr lang="en-GB" i="1" dirty="0"/>
+              <a:t>(a)</a:t>
+            </a:r>
+            <a:r>
+              <a:rPr lang="en-GB" dirty="0"/>
+              <a:t> increments and the uncertainty term decreases</a:t>
+            </a:r>
+          </a:p>
+          <a:p>
+            <a:pPr lvl="1"/>
+            <a:r>
+              <a:rPr lang="en-GB" dirty="0"/>
+              <a:t>each time an action other than </a:t>
+            </a:r>
+            <a:r>
+              <a:rPr lang="en-GB" i="1" dirty="0"/>
+              <a:t>a</a:t>
+            </a:r>
+            <a:r>
+              <a:rPr lang="en-GB" dirty="0"/>
+              <a:t> is selected, </a:t>
+            </a:r>
+            <a:r>
+              <a:rPr lang="en-GB" i="1" dirty="0"/>
+              <a:t>t</a:t>
+            </a:r>
+            <a:r>
+              <a:rPr lang="en-GB" dirty="0"/>
+              <a:t> increases and the uncertainty estimate increases</a:t>
+            </a:r>
+          </a:p>
+          <a:p>
+            <a:pPr lvl="1"/>
+            <a:r>
+              <a:rPr lang="en-GB" dirty="0"/>
+              <a:t>logarithm means that the increases get smaller over time, but are unbounded</a:t>
+            </a:r>
+          </a:p>
+          <a:p>
+            <a:endParaRPr lang="en-GB" sz="1000" dirty="0"/>
+          </a:p>
+          <a:p>
+            <a:r>
+              <a:rPr lang="en-GB" dirty="0"/>
+              <a:t>All actions will </a:t>
+            </a:r>
+            <a:r>
+              <a:rPr lang="en-GB" b="1" dirty="0"/>
+              <a:t>eventually be selected</a:t>
+            </a:r>
+            <a:r>
+              <a:rPr lang="en-GB" dirty="0"/>
+              <a:t>, but actions with </a:t>
+            </a:r>
+            <a:r>
+              <a:rPr lang="en-GB" b="1" dirty="0"/>
+              <a:t>lower value estimates</a:t>
+            </a:r>
+            <a:r>
+              <a:rPr lang="en-GB" dirty="0"/>
+              <a:t>, or that </a:t>
+            </a:r>
+            <a:r>
+              <a:rPr lang="en-GB" b="1" dirty="0"/>
+              <a:t>have already been selected frequently</a:t>
+            </a:r>
+            <a:r>
+              <a:rPr lang="en-GB" dirty="0"/>
+              <a:t>, will be selected with decreasing frequency over time</a:t>
+            </a:r>
+          </a:p>
+          <a:p>
+            <a:pPr marL="120650" indent="0">
+              <a:buNone/>
+            </a:pPr>
+            <a:endParaRPr lang="en-GB" sz="1100" dirty="0"/>
           </a:p>
         </p:txBody>
       </p:sp>
       <p:pic>
         <p:nvPicPr>
-          <p:cNvPr id="3" name="Immagine 2" descr="Immagine che contiene schermata, testo, Diagramma, linea&#10;&#10;Descrizione generata automaticamente">
+          <p:cNvPr id="3" name="Immagine 2" descr="Immagine che contiene Carattere, testo, bianco, linea&#10;&#10;Descrizione generata automaticamente">
             <a:extLst>
               <a:ext uri="{FF2B5EF4-FFF2-40B4-BE49-F238E27FC236}">
-                <a16:creationId xmlns:a16="http://schemas.microsoft.com/office/drawing/2014/main" id="{B9827DBF-00DA-E7D7-5F11-46A8C1C50B06}"/>
+                <a16:creationId xmlns:a16="http://schemas.microsoft.com/office/drawing/2014/main" id="{A15637CC-4CEF-45E6-E77F-F034C5A17CEF}"/>
               </a:ext>
             </a:extLst>
           </p:cNvPr>
@@ -16101,8 +16513,136 @@
         </p:blipFill>
         <p:spPr>
           <a:xfrm>
-            <a:off x="196642" y="1335790"/>
-            <a:ext cx="8377374" cy="5100977"/>
+            <a:off x="660191" y="1578859"/>
+            <a:ext cx="4034605" cy="1044419"/>
+          </a:xfrm>
+          <a:prstGeom prst="rect">
+            <a:avLst/>
+          </a:prstGeom>
+        </p:spPr>
+      </p:pic>
+    </p:spTree>
+    <p:extLst>
+      <p:ext uri="{BB962C8B-B14F-4D97-AF65-F5344CB8AC3E}">
+        <p14:creationId xmlns:p14="http://schemas.microsoft.com/office/powerpoint/2010/main" val="3190013514"/>
+      </p:ext>
+    </p:extLst>
+  </p:cSld>
+  <p:clrMapOvr>
+    <a:masterClrMapping/>
+  </p:clrMapOvr>
+</p:sld>
+</file>
+
+<file path=ppt/slides/slide28.xml><?xml version="1.0" encoding="utf-8"?>
+<p:sld xmlns:a="http://schemas.openxmlformats.org/drawingml/2006/main" xmlns:r="http://schemas.openxmlformats.org/officeDocument/2006/relationships" xmlns:p="http://schemas.openxmlformats.org/presentationml/2006/main">
+  <p:cSld>
+    <p:spTree>
+      <p:nvGrpSpPr>
+        <p:cNvPr id="1" name="Shape 82"/>
+        <p:cNvGrpSpPr/>
+        <p:nvPr/>
+      </p:nvGrpSpPr>
+      <p:grpSpPr>
+        <a:xfrm>
+          <a:off x="0" y="0"/>
+          <a:ext cx="0" cy="0"/>
+          <a:chOff x="0" y="0"/>
+          <a:chExt cx="0" cy="0"/>
+        </a:xfrm>
+      </p:grpSpPr>
+      <p:sp>
+        <p:nvSpPr>
+          <p:cNvPr id="83" name="Google Shape;83;p14"/>
+          <p:cNvSpPr txBox="1">
+            <a:spLocks noGrp="1"/>
+          </p:cNvSpPr>
+          <p:nvPr>
+            <p:ph type="title" idx="4294967295"/>
+          </p:nvPr>
+        </p:nvSpPr>
+        <p:spPr>
+          <a:xfrm>
+            <a:off x="311700" y="421233"/>
+            <a:ext cx="8520600" cy="622500"/>
+          </a:xfrm>
+          <a:prstGeom prst="rect">
+            <a:avLst/>
+          </a:prstGeom>
+        </p:spPr>
+        <p:txBody>
+          <a:bodyPr spcFirstLastPara="1" wrap="square" lIns="91425" tIns="91425" rIns="91425" bIns="91425" anchor="b" anchorCtr="0">
+            <a:noAutofit/>
+          </a:bodyPr>
+          <a:lstStyle/>
+          <a:p>
+            <a:pPr lvl="0"/>
+            <a:r>
+              <a:rPr lang="en-GB" sz="4000" dirty="0" err="1"/>
+              <a:t>Softmax</a:t>
+            </a:r>
+            <a:r>
+              <a:rPr lang="en-GB" sz="4000" dirty="0"/>
+              <a:t> method vs Upper Confidence Bound</a:t>
+            </a:r>
+            <a:endParaRPr sz="4000" dirty="0"/>
+          </a:p>
+        </p:txBody>
+      </p:sp>
+      <p:pic>
+        <p:nvPicPr>
+          <p:cNvPr id="4" name="Immagine 3">
+            <a:extLst>
+              <a:ext uri="{FF2B5EF4-FFF2-40B4-BE49-F238E27FC236}">
+                <a16:creationId xmlns:a16="http://schemas.microsoft.com/office/drawing/2014/main" id="{D9CA36AE-E18C-03BC-DABF-16CC58B23496}"/>
+              </a:ext>
+            </a:extLst>
+          </p:cNvPr>
+          <p:cNvPicPr>
+            <a:picLocks noChangeAspect="1"/>
+          </p:cNvPicPr>
+          <p:nvPr/>
+        </p:nvPicPr>
+        <p:blipFill>
+          <a:blip r:embed="rId3"/>
+          <a:stretch>
+            <a:fillRect/>
+          </a:stretch>
+        </p:blipFill>
+        <p:spPr>
+          <a:xfrm>
+            <a:off x="66499" y="1163550"/>
+            <a:ext cx="8918235" cy="5453380"/>
+          </a:xfrm>
+          <a:prstGeom prst="rect">
+            <a:avLst/>
+          </a:prstGeom>
+        </p:spPr>
+      </p:pic>
+      <p:pic>
+        <p:nvPicPr>
+          <p:cNvPr id="5" name="Immagine 4" descr="Immagine che contiene Carattere, Elementi grafici, logo, cerchio&#10;&#10;Descrizione generata automaticamente">
+            <a:extLst>
+              <a:ext uri="{FF2B5EF4-FFF2-40B4-BE49-F238E27FC236}">
+                <a16:creationId xmlns:a16="http://schemas.microsoft.com/office/drawing/2014/main" id="{DCE156B9-D835-B421-1A28-A1C74CBEE595}"/>
+              </a:ext>
+            </a:extLst>
+          </p:cNvPr>
+          <p:cNvPicPr>
+            <a:picLocks noChangeAspect="1"/>
+          </p:cNvPicPr>
+          <p:nvPr/>
+        </p:nvPicPr>
+        <p:blipFill>
+          <a:blip r:embed="rId4"/>
+          <a:stretch>
+            <a:fillRect/>
+          </a:stretch>
+        </p:blipFill>
+        <p:spPr>
+          <a:xfrm>
+            <a:off x="8656536" y="91573"/>
+            <a:ext cx="407258" cy="495579"/>
           </a:xfrm>
           <a:prstGeom prst="rect">
             <a:avLst/>
@@ -16122,7 +16662,7 @@
 </p:sld>
 </file>
 
-<file path=ppt/slides/slide28.xml><?xml version="1.0" encoding="utf-8"?>
+<file path=ppt/slides/slide29.xml><?xml version="1.0" encoding="utf-8"?>
 <p:sld xmlns:a="http://schemas.openxmlformats.org/drawingml/2006/main" xmlns:r="http://schemas.openxmlformats.org/officeDocument/2006/relationships" xmlns:p="http://schemas.openxmlformats.org/presentationml/2006/main">
   <p:cSld>
     <p:spTree>
@@ -16184,7 +16724,7 @@
         </p:nvSpPr>
         <p:spPr>
           <a:xfrm>
-            <a:off x="162750" y="1145082"/>
+            <a:off x="162750" y="1156657"/>
             <a:ext cx="8818500" cy="5224230"/>
           </a:xfrm>
           <a:prstGeom prst="rect">
@@ -16203,6 +16743,9 @@
             </a:r>
           </a:p>
           <a:p>
+            <a:endParaRPr lang="en-GB" dirty="0"/>
+          </a:p>
+          <a:p>
             <a:r>
               <a:rPr lang="en-GB" dirty="0"/>
               <a:t>They all have a parameter!</a:t>
@@ -16220,6 +16763,9 @@
             </a:r>
           </a:p>
           <a:p>
+            <a:endParaRPr lang="en-GB" b="1" dirty="0"/>
+          </a:p>
+          <a:p>
             <a:r>
               <a:rPr lang="en-GB" b="1" dirty="0"/>
               <a:t>Parameter study</a:t>
@@ -16239,89 +16785,6 @@
               <a:t>shows the value as a function of the parameter, on a single scale on the x-axis</a:t>
             </a:r>
             <a:endParaRPr lang="en-GB" sz="1100" dirty="0"/>
-          </a:p>
-          <a:p>
-            <a:endParaRPr lang="en-GB" b="1" dirty="0">
-              <a:highlight>
-                <a:srgbClr val="FFFF00"/>
-              </a:highlight>
-            </a:endParaRPr>
-          </a:p>
-          <a:p>
-            <a:pPr lvl="0"/>
-            <a:r>
-              <a:rPr lang="en-GB" b="1" dirty="0">
-                <a:highlight>
-                  <a:srgbClr val="FFFF00"/>
-                </a:highlight>
-              </a:rPr>
-              <a:t>See “</a:t>
-            </a:r>
-            <a:r>
-              <a:rPr lang="en-GB" b="1" dirty="0" err="1">
-                <a:highlight>
-                  <a:srgbClr val="FFFF00"/>
-                </a:highlight>
-              </a:rPr>
-              <a:t>notebook.ipynb</a:t>
-            </a:r>
-            <a:r>
-              <a:rPr lang="en-GB" b="1" dirty="0">
-                <a:highlight>
-                  <a:srgbClr val="FFFF00"/>
-                </a:highlight>
-              </a:rPr>
-              <a:t>”</a:t>
-            </a:r>
-          </a:p>
-          <a:p>
-            <a:endParaRPr lang="en-GB" b="1" dirty="0">
-              <a:highlight>
-                <a:srgbClr val="FFFF00"/>
-              </a:highlight>
-            </a:endParaRPr>
-          </a:p>
-          <a:p>
-            <a:r>
-              <a:rPr lang="en-GB" dirty="0"/>
-              <a:t>UCB seems to perform best</a:t>
-            </a:r>
-          </a:p>
-          <a:p>
-            <a:pPr lvl="1"/>
-            <a:r>
-              <a:rPr lang="en-GB" dirty="0"/>
-              <a:t>notice the </a:t>
-            </a:r>
-            <a:r>
-              <a:rPr lang="en-GB" b="1" dirty="0"/>
-              <a:t>inverted-U shapes</a:t>
-            </a:r>
-            <a:r>
-              <a:rPr lang="en-GB" dirty="0"/>
-              <a:t> of each algorithm’s performance</a:t>
-            </a:r>
-          </a:p>
-          <a:p>
-            <a:pPr lvl="1"/>
-            <a:r>
-              <a:rPr lang="en-GB" dirty="0"/>
-              <a:t>all the algorithms perform best at an intermediate value of their parameter, neither too large nor too small</a:t>
-            </a:r>
-          </a:p>
-          <a:p>
-            <a:r>
-              <a:rPr lang="en-GB" dirty="0"/>
-              <a:t>In assessing a method, we should attend not just to how well it does at its best parameter setting, but also to </a:t>
-            </a:r>
-            <a:r>
-              <a:rPr lang="en-GB" b="1" dirty="0"/>
-              <a:t>how sensitive it is to its parameter</a:t>
-            </a:r>
-            <a:r>
-              <a:rPr lang="en-GB" dirty="0"/>
-              <a:t> value</a:t>
-            </a:r>
           </a:p>
         </p:txBody>
       </p:sp>
@@ -16329,149 +16792,6 @@
     <p:extLst>
       <p:ext uri="{BB962C8B-B14F-4D97-AF65-F5344CB8AC3E}">
         <p14:creationId xmlns:p14="http://schemas.microsoft.com/office/powerpoint/2010/main" val="1014358788"/>
-      </p:ext>
-    </p:extLst>
-  </p:cSld>
-  <p:clrMapOvr>
-    <a:masterClrMapping/>
-  </p:clrMapOvr>
-</p:sld>
-</file>
-
-<file path=ppt/slides/slide29.xml><?xml version="1.0" encoding="utf-8"?>
-<p:sld xmlns:a="http://schemas.openxmlformats.org/drawingml/2006/main" xmlns:r="http://schemas.openxmlformats.org/officeDocument/2006/relationships" xmlns:p="http://schemas.openxmlformats.org/presentationml/2006/main">
-  <p:cSld>
-    <p:spTree>
-      <p:nvGrpSpPr>
-        <p:cNvPr id="1" name="Shape 82"/>
-        <p:cNvGrpSpPr/>
-        <p:nvPr/>
-      </p:nvGrpSpPr>
-      <p:grpSpPr>
-        <a:xfrm>
-          <a:off x="0" y="0"/>
-          <a:ext cx="0" cy="0"/>
-          <a:chOff x="0" y="0"/>
-          <a:chExt cx="0" cy="0"/>
-        </a:xfrm>
-      </p:grpSpPr>
-      <p:sp>
-        <p:nvSpPr>
-          <p:cNvPr id="83" name="Google Shape;83;p14"/>
-          <p:cNvSpPr txBox="1">
-            <a:spLocks noGrp="1"/>
-          </p:cNvSpPr>
-          <p:nvPr>
-            <p:ph type="title" idx="4294967295"/>
-          </p:nvPr>
-        </p:nvSpPr>
-        <p:spPr>
-          <a:xfrm>
-            <a:off x="311700" y="421233"/>
-            <a:ext cx="8520600" cy="622500"/>
-          </a:xfrm>
-          <a:prstGeom prst="rect">
-            <a:avLst/>
-          </a:prstGeom>
-        </p:spPr>
-        <p:txBody>
-          <a:bodyPr spcFirstLastPara="1" wrap="square" lIns="91425" tIns="91425" rIns="91425" bIns="91425" anchor="b" anchorCtr="0">
-            <a:noAutofit/>
-          </a:bodyPr>
-          <a:lstStyle/>
-          <a:p>
-            <a:pPr lvl="0"/>
-            <a:r>
-              <a:rPr lang="en-GB" sz="4000" dirty="0"/>
-              <a:t>Comparison (2)</a:t>
-            </a:r>
-            <a:endParaRPr sz="4000" dirty="0"/>
-          </a:p>
-        </p:txBody>
-      </p:sp>
-      <p:sp>
-        <p:nvSpPr>
-          <p:cNvPr id="84" name="Google Shape;84;p14"/>
-          <p:cNvSpPr txBox="1">
-            <a:spLocks noGrp="1"/>
-          </p:cNvSpPr>
-          <p:nvPr>
-            <p:ph type="body" idx="1"/>
-          </p:nvPr>
-        </p:nvSpPr>
-        <p:spPr>
-          <a:xfrm>
-            <a:off x="162750" y="1212537"/>
-            <a:ext cx="8818500" cy="5224230"/>
-          </a:xfrm>
-          <a:prstGeom prst="rect">
-            <a:avLst/>
-          </a:prstGeom>
-        </p:spPr>
-        <p:txBody>
-          <a:bodyPr spcFirstLastPara="1" wrap="square" lIns="91425" tIns="91425" rIns="91425" bIns="91425" anchor="t" anchorCtr="0">
-            <a:noAutofit/>
-          </a:bodyPr>
-          <a:lstStyle/>
-          <a:p>
-            <a:endParaRPr lang="en-GB" dirty="0"/>
-          </a:p>
-          <a:p>
-            <a:pPr lvl="0"/>
-            <a:endParaRPr lang="en-GB" dirty="0"/>
-          </a:p>
-          <a:p>
-            <a:pPr lvl="0"/>
-            <a:endParaRPr lang="en-GB" dirty="0"/>
-          </a:p>
-          <a:p>
-            <a:pPr lvl="0"/>
-            <a:endParaRPr lang="en-GB" dirty="0"/>
-          </a:p>
-          <a:p>
-            <a:pPr lvl="0"/>
-            <a:endParaRPr lang="en-GB" dirty="0"/>
-          </a:p>
-          <a:p>
-            <a:pPr lvl="1"/>
-            <a:endParaRPr lang="en-GB" dirty="0"/>
-          </a:p>
-        </p:txBody>
-      </p:sp>
-      <p:pic>
-        <p:nvPicPr>
-          <p:cNvPr id="3" name="Immagine 2" descr="Immagine che contiene Diagramma, linea, diagramma, schermata&#10;&#10;Descrizione generata automaticamente">
-            <a:extLst>
-              <a:ext uri="{FF2B5EF4-FFF2-40B4-BE49-F238E27FC236}">
-                <a16:creationId xmlns:a16="http://schemas.microsoft.com/office/drawing/2014/main" id="{C089544C-BA4C-C270-864C-942B999B3FC2}"/>
-              </a:ext>
-            </a:extLst>
-          </p:cNvPr>
-          <p:cNvPicPr>
-            <a:picLocks noChangeAspect="1"/>
-          </p:cNvPicPr>
-          <p:nvPr/>
-        </p:nvPicPr>
-        <p:blipFill>
-          <a:blip r:embed="rId3"/>
-          <a:stretch>
-            <a:fillRect/>
-          </a:stretch>
-        </p:blipFill>
-        <p:spPr>
-          <a:xfrm>
-            <a:off x="259722" y="1154764"/>
-            <a:ext cx="8572578" cy="5224230"/>
-          </a:xfrm>
-          <a:prstGeom prst="rect">
-            <a:avLst/>
-          </a:prstGeom>
-        </p:spPr>
-      </p:pic>
-    </p:spTree>
-    <p:extLst>
-      <p:ext uri="{BB962C8B-B14F-4D97-AF65-F5344CB8AC3E}">
-        <p14:creationId xmlns:p14="http://schemas.microsoft.com/office/powerpoint/2010/main" val="935981685"/>
       </p:ext>
     </p:extLst>
   </p:cSld>
@@ -16746,7 +17066,7 @@
             <a:pPr lvl="0"/>
             <a:r>
               <a:rPr lang="en-GB" sz="4000" dirty="0"/>
-              <a:t>Conclusion</a:t>
+              <a:t>Comparison (2)</a:t>
             </a:r>
             <a:endParaRPr sz="4000" dirty="0"/>
           </a:p>
@@ -16777,6 +17097,332 @@
           </a:bodyPr>
           <a:lstStyle/>
           <a:p>
+            <a:endParaRPr lang="en-GB" dirty="0"/>
+          </a:p>
+          <a:p>
+            <a:pPr lvl="0"/>
+            <a:endParaRPr lang="en-GB" dirty="0"/>
+          </a:p>
+          <a:p>
+            <a:pPr lvl="0"/>
+            <a:endParaRPr lang="en-GB" dirty="0"/>
+          </a:p>
+          <a:p>
+            <a:pPr lvl="0"/>
+            <a:endParaRPr lang="en-GB" dirty="0"/>
+          </a:p>
+          <a:p>
+            <a:pPr lvl="0"/>
+            <a:endParaRPr lang="en-GB" dirty="0"/>
+          </a:p>
+          <a:p>
+            <a:pPr lvl="1"/>
+            <a:endParaRPr lang="en-GB" dirty="0"/>
+          </a:p>
+        </p:txBody>
+      </p:sp>
+      <p:pic>
+        <p:nvPicPr>
+          <p:cNvPr id="4" name="Immagine 3">
+            <a:extLst>
+              <a:ext uri="{FF2B5EF4-FFF2-40B4-BE49-F238E27FC236}">
+                <a16:creationId xmlns:a16="http://schemas.microsoft.com/office/drawing/2014/main" id="{4A4A71F5-DCBD-AD46-3494-93F36D793391}"/>
+              </a:ext>
+            </a:extLst>
+          </p:cNvPr>
+          <p:cNvPicPr>
+            <a:picLocks noChangeAspect="1"/>
+          </p:cNvPicPr>
+          <p:nvPr/>
+        </p:nvPicPr>
+        <p:blipFill>
+          <a:blip r:embed="rId3"/>
+          <a:stretch>
+            <a:fillRect/>
+          </a:stretch>
+        </p:blipFill>
+        <p:spPr>
+          <a:xfrm>
+            <a:off x="46374" y="1121524"/>
+            <a:ext cx="9007959" cy="5578533"/>
+          </a:xfrm>
+          <a:prstGeom prst="rect">
+            <a:avLst/>
+          </a:prstGeom>
+        </p:spPr>
+      </p:pic>
+      <p:pic>
+        <p:nvPicPr>
+          <p:cNvPr id="2" name="Immagine 1" descr="Immagine che contiene Carattere, Elementi grafici, logo, cerchio&#10;&#10;Descrizione generata automaticamente">
+            <a:extLst>
+              <a:ext uri="{FF2B5EF4-FFF2-40B4-BE49-F238E27FC236}">
+                <a16:creationId xmlns:a16="http://schemas.microsoft.com/office/drawing/2014/main" id="{53D24FAC-0788-802A-D2CB-44BA5A0AF3DA}"/>
+              </a:ext>
+            </a:extLst>
+          </p:cNvPr>
+          <p:cNvPicPr>
+            <a:picLocks noChangeAspect="1"/>
+          </p:cNvPicPr>
+          <p:nvPr/>
+        </p:nvPicPr>
+        <p:blipFill>
+          <a:blip r:embed="rId4"/>
+          <a:stretch>
+            <a:fillRect/>
+          </a:stretch>
+        </p:blipFill>
+        <p:spPr>
+          <a:xfrm>
+            <a:off x="8656536" y="91573"/>
+            <a:ext cx="407258" cy="495579"/>
+          </a:xfrm>
+          <a:prstGeom prst="rect">
+            <a:avLst/>
+          </a:prstGeom>
+        </p:spPr>
+      </p:pic>
+    </p:spTree>
+    <p:extLst>
+      <p:ext uri="{BB962C8B-B14F-4D97-AF65-F5344CB8AC3E}">
+        <p14:creationId xmlns:p14="http://schemas.microsoft.com/office/powerpoint/2010/main" val="935981685"/>
+      </p:ext>
+    </p:extLst>
+  </p:cSld>
+  <p:clrMapOvr>
+    <a:masterClrMapping/>
+  </p:clrMapOvr>
+</p:sld>
+</file>
+
+<file path=ppt/slides/slide31.xml><?xml version="1.0" encoding="utf-8"?>
+<p:sld xmlns:a="http://schemas.openxmlformats.org/drawingml/2006/main" xmlns:r="http://schemas.openxmlformats.org/officeDocument/2006/relationships" xmlns:p="http://schemas.openxmlformats.org/presentationml/2006/main">
+  <p:cSld>
+    <p:spTree>
+      <p:nvGrpSpPr>
+        <p:cNvPr id="1" name="Shape 82">
+          <a:extLst>
+            <a:ext uri="{FF2B5EF4-FFF2-40B4-BE49-F238E27FC236}">
+              <a16:creationId xmlns:a16="http://schemas.microsoft.com/office/drawing/2014/main" id="{D3A0EB91-A631-78D2-B483-6ADE86AE8836}"/>
+            </a:ext>
+          </a:extLst>
+        </p:cNvPr>
+        <p:cNvGrpSpPr/>
+        <p:nvPr/>
+      </p:nvGrpSpPr>
+      <p:grpSpPr>
+        <a:xfrm>
+          <a:off x="0" y="0"/>
+          <a:ext cx="0" cy="0"/>
+          <a:chOff x="0" y="0"/>
+          <a:chExt cx="0" cy="0"/>
+        </a:xfrm>
+      </p:grpSpPr>
+      <p:sp>
+        <p:nvSpPr>
+          <p:cNvPr id="83" name="Google Shape;83;p14">
+            <a:extLst>
+              <a:ext uri="{FF2B5EF4-FFF2-40B4-BE49-F238E27FC236}">
+                <a16:creationId xmlns:a16="http://schemas.microsoft.com/office/drawing/2014/main" id="{5F726C9B-E321-DF8A-5F2A-EBC30796F001}"/>
+              </a:ext>
+            </a:extLst>
+          </p:cNvPr>
+          <p:cNvSpPr txBox="1">
+            <a:spLocks noGrp="1"/>
+          </p:cNvSpPr>
+          <p:nvPr>
+            <p:ph type="title" idx="4294967295"/>
+          </p:nvPr>
+        </p:nvSpPr>
+        <p:spPr>
+          <a:xfrm>
+            <a:off x="311700" y="482701"/>
+            <a:ext cx="8520600" cy="622500"/>
+          </a:xfrm>
+          <a:prstGeom prst="rect">
+            <a:avLst/>
+          </a:prstGeom>
+        </p:spPr>
+        <p:txBody>
+          <a:bodyPr spcFirstLastPara="1" wrap="square" lIns="91425" tIns="91425" rIns="91425" bIns="91425" anchor="b" anchorCtr="0">
+            <a:noAutofit/>
+          </a:bodyPr>
+          <a:lstStyle/>
+          <a:p>
+            <a:pPr lvl="0"/>
+            <a:r>
+              <a:rPr lang="en-GB" sz="4000" dirty="0"/>
+              <a:t>Comparison (3)</a:t>
+            </a:r>
+          </a:p>
+        </p:txBody>
+      </p:sp>
+      <p:sp>
+        <p:nvSpPr>
+          <p:cNvPr id="84" name="Google Shape;84;p14">
+            <a:extLst>
+              <a:ext uri="{FF2B5EF4-FFF2-40B4-BE49-F238E27FC236}">
+                <a16:creationId xmlns:a16="http://schemas.microsoft.com/office/drawing/2014/main" id="{AB541899-D08F-BA7C-F95B-7638785947EC}"/>
+              </a:ext>
+            </a:extLst>
+          </p:cNvPr>
+          <p:cNvSpPr txBox="1">
+            <a:spLocks noGrp="1"/>
+          </p:cNvSpPr>
+          <p:nvPr>
+            <p:ph type="body" idx="1"/>
+          </p:nvPr>
+        </p:nvSpPr>
+        <p:spPr>
+          <a:xfrm>
+            <a:off x="162750" y="1156657"/>
+            <a:ext cx="8818500" cy="5224230"/>
+          </a:xfrm>
+          <a:prstGeom prst="rect">
+            <a:avLst/>
+          </a:prstGeom>
+        </p:spPr>
+        <p:txBody>
+          <a:bodyPr spcFirstLastPara="1" wrap="square" lIns="91425" tIns="91425" rIns="91425" bIns="91425" anchor="t" anchorCtr="0">
+            <a:noAutofit/>
+          </a:bodyPr>
+          <a:lstStyle/>
+          <a:p>
+            <a:r>
+              <a:rPr lang="en-GB" dirty="0"/>
+              <a:t>UCB seems to perform best</a:t>
+            </a:r>
+          </a:p>
+          <a:p>
+            <a:pPr lvl="1"/>
+            <a:r>
+              <a:rPr lang="en-GB" dirty="0"/>
+              <a:t>notice the </a:t>
+            </a:r>
+            <a:r>
+              <a:rPr lang="en-GB" b="1" dirty="0"/>
+              <a:t>inverted-U shapes</a:t>
+            </a:r>
+            <a:r>
+              <a:rPr lang="en-GB" dirty="0"/>
+              <a:t> of each algorithm’s performance</a:t>
+            </a:r>
+          </a:p>
+          <a:p>
+            <a:pPr lvl="1"/>
+            <a:r>
+              <a:rPr lang="en-GB" dirty="0"/>
+              <a:t>all the algorithms perform best at an intermediate value of their parameter, neither too large nor too small</a:t>
+            </a:r>
+          </a:p>
+          <a:p>
+            <a:pPr lvl="1"/>
+            <a:endParaRPr lang="en-GB" dirty="0"/>
+          </a:p>
+          <a:p>
+            <a:r>
+              <a:rPr lang="en-GB" dirty="0"/>
+              <a:t>In assessing a method, we should attend not just to how well it does at its best parameter setting, but also to </a:t>
+            </a:r>
+            <a:r>
+              <a:rPr lang="en-GB" b="1" dirty="0"/>
+              <a:t>how sensitive it is to its parameter</a:t>
+            </a:r>
+            <a:r>
+              <a:rPr lang="en-GB" dirty="0"/>
+              <a:t> value</a:t>
+            </a:r>
+          </a:p>
+        </p:txBody>
+      </p:sp>
+    </p:spTree>
+    <p:extLst>
+      <p:ext uri="{BB962C8B-B14F-4D97-AF65-F5344CB8AC3E}">
+        <p14:creationId xmlns:p14="http://schemas.microsoft.com/office/powerpoint/2010/main" val="2198168481"/>
+      </p:ext>
+    </p:extLst>
+  </p:cSld>
+  <p:clrMapOvr>
+    <a:masterClrMapping/>
+  </p:clrMapOvr>
+</p:sld>
+</file>
+
+<file path=ppt/slides/slide32.xml><?xml version="1.0" encoding="utf-8"?>
+<p:sld xmlns:a="http://schemas.openxmlformats.org/drawingml/2006/main" xmlns:r="http://schemas.openxmlformats.org/officeDocument/2006/relationships" xmlns:p="http://schemas.openxmlformats.org/presentationml/2006/main">
+  <p:cSld>
+    <p:spTree>
+      <p:nvGrpSpPr>
+        <p:cNvPr id="1" name="Shape 82"/>
+        <p:cNvGrpSpPr/>
+        <p:nvPr/>
+      </p:nvGrpSpPr>
+      <p:grpSpPr>
+        <a:xfrm>
+          <a:off x="0" y="0"/>
+          <a:ext cx="0" cy="0"/>
+          <a:chOff x="0" y="0"/>
+          <a:chExt cx="0" cy="0"/>
+        </a:xfrm>
+      </p:grpSpPr>
+      <p:sp>
+        <p:nvSpPr>
+          <p:cNvPr id="83" name="Google Shape;83;p14"/>
+          <p:cNvSpPr txBox="1">
+            <a:spLocks noGrp="1"/>
+          </p:cNvSpPr>
+          <p:nvPr>
+            <p:ph type="title" idx="4294967295"/>
+          </p:nvPr>
+        </p:nvSpPr>
+        <p:spPr>
+          <a:xfrm>
+            <a:off x="311700" y="421233"/>
+            <a:ext cx="8520600" cy="622500"/>
+          </a:xfrm>
+          <a:prstGeom prst="rect">
+            <a:avLst/>
+          </a:prstGeom>
+        </p:spPr>
+        <p:txBody>
+          <a:bodyPr spcFirstLastPara="1" wrap="square" lIns="91425" tIns="91425" rIns="91425" bIns="91425" anchor="b" anchorCtr="0">
+            <a:noAutofit/>
+          </a:bodyPr>
+          <a:lstStyle/>
+          <a:p>
+            <a:pPr lvl="0"/>
+            <a:r>
+              <a:rPr lang="en-GB" sz="4000" dirty="0"/>
+              <a:t>Conclusion</a:t>
+            </a:r>
+            <a:endParaRPr sz="4000" dirty="0"/>
+          </a:p>
+        </p:txBody>
+      </p:sp>
+      <p:sp>
+        <p:nvSpPr>
+          <p:cNvPr id="84" name="Google Shape;84;p14"/>
+          <p:cNvSpPr txBox="1">
+            <a:spLocks noGrp="1"/>
+          </p:cNvSpPr>
+          <p:nvPr>
+            <p:ph type="body" idx="1"/>
+          </p:nvPr>
+        </p:nvSpPr>
+        <p:spPr>
+          <a:xfrm>
+            <a:off x="162750" y="1212537"/>
+            <a:ext cx="8818500" cy="5224230"/>
+          </a:xfrm>
+          <a:prstGeom prst="rect">
+            <a:avLst/>
+          </a:prstGeom>
+        </p:spPr>
+        <p:txBody>
+          <a:bodyPr spcFirstLastPara="1" wrap="square" lIns="91425" tIns="91425" rIns="91425" bIns="91425" anchor="t" anchorCtr="0">
+            <a:noAutofit/>
+          </a:bodyPr>
+          <a:lstStyle/>
+          <a:p>
             <a:pPr lvl="0"/>
             <a:r>
               <a:rPr lang="en-GB" dirty="0"/>
@@ -16825,11 +17471,11 @@
             </a:r>
             <a:r>
               <a:rPr lang="en-GB" b="1" dirty="0"/>
-              <a:t>most popular exploration strateg</a:t>
-            </a:r>
-            <a:r>
-              <a:rPr lang="en-GB" dirty="0"/>
-              <a:t>y in use today</a:t>
+              <a:t>most popular exploration strategy</a:t>
+            </a:r>
+            <a:r>
+              <a:rPr lang="en-GB" dirty="0"/>
+              <a:t> in use today</a:t>
             </a:r>
           </a:p>
           <a:p>
@@ -16929,8 +17575,8 @@
         </p:nvSpPr>
         <p:spPr>
           <a:xfrm>
-            <a:off x="162750" y="1212537"/>
-            <a:ext cx="8818500" cy="5224230"/>
+            <a:off x="162750" y="1141014"/>
+            <a:ext cx="8818500" cy="5469647"/>
           </a:xfrm>
           <a:prstGeom prst="rect">
             <a:avLst/>
@@ -16942,6 +17588,46 @@
           </a:bodyPr>
           <a:lstStyle/>
           <a:p>
+            <a:r>
+              <a:rPr lang="en-GB" dirty="0"/>
+              <a:t>We are faced repeatedly with a choice among k different actions</a:t>
+            </a:r>
+          </a:p>
+          <a:p>
+            <a:r>
+              <a:rPr lang="en-GB" dirty="0"/>
+              <a:t>After each choice, we receive a reward chosen from a </a:t>
+            </a:r>
+            <a:r>
+              <a:rPr lang="en-GB" b="1" dirty="0"/>
+              <a:t>(stationary) probability distribution</a:t>
+            </a:r>
+            <a:r>
+              <a:rPr lang="en-GB" dirty="0"/>
+              <a:t> that depends on the selected action</a:t>
+            </a:r>
+          </a:p>
+          <a:p>
+            <a:pPr lvl="1"/>
+            <a:endParaRPr lang="en-GB" dirty="0"/>
+          </a:p>
+          <a:p>
+            <a:pPr lvl="1"/>
+            <a:endParaRPr lang="en-GB" dirty="0"/>
+          </a:p>
+          <a:p>
+            <a:pPr lvl="1"/>
+            <a:endParaRPr lang="en-GB" dirty="0"/>
+          </a:p>
+          <a:p>
+            <a:pPr lvl="1"/>
+            <a:endParaRPr lang="en-GB" dirty="0"/>
+          </a:p>
+          <a:p>
+            <a:pPr lvl="1"/>
+            <a:endParaRPr lang="en-GB" dirty="0"/>
+          </a:p>
+          <a:p>
             <a:pPr lvl="0"/>
             <a:r>
               <a:rPr lang="en-GB" dirty="0"/>
@@ -16960,57 +17646,16 @@
             <a:pPr lvl="1"/>
             <a:r>
               <a:rPr lang="en-GB" b="1" dirty="0"/>
-              <a:t>multiple actions</a:t>
-            </a:r>
+              <a:t>multiple actions, single state, short horizon</a:t>
+            </a:r>
+            <a:endParaRPr lang="en-GB" dirty="0"/>
           </a:p>
           <a:p>
             <a:pPr lvl="1"/>
             <a:r>
-              <a:rPr lang="en-GB" b="1" dirty="0"/>
-              <a:t>single state</a:t>
-            </a:r>
-          </a:p>
-          <a:p>
-            <a:pPr lvl="1"/>
-            <a:r>
-              <a:rPr lang="en-GB" b="1" dirty="0"/>
-              <a:t>greedy horizon</a:t>
-            </a:r>
-          </a:p>
-          <a:p>
-            <a:r>
-              <a:rPr lang="en-GB" dirty="0"/>
-              <a:t>We are faced repeatedly with a choice among 𝑘 different actions</a:t>
-            </a:r>
-          </a:p>
-          <a:p>
-            <a:r>
-              <a:rPr lang="en-GB" dirty="0"/>
-              <a:t>After each choice, we receive a reward chosen from a </a:t>
-            </a:r>
-            <a:r>
-              <a:rPr lang="en-GB" b="1" dirty="0"/>
-              <a:t>(stationary) probability distribution</a:t>
-            </a:r>
-            <a:r>
-              <a:rPr lang="en-GB" dirty="0"/>
-              <a:t> that depends on the selected action</a:t>
-            </a:r>
-          </a:p>
-          <a:p>
-            <a:r>
-              <a:rPr lang="en-GB" dirty="0"/>
-              <a:t>The Q-function is the expected reward given the sampled action</a:t>
-            </a:r>
-          </a:p>
-          <a:p>
-            <a:endParaRPr lang="en-GB" dirty="0"/>
-          </a:p>
-          <a:p>
-            <a:pPr marL="120650" indent="0">
-              <a:buNone/>
-            </a:pPr>
-            <a:endParaRPr lang="en-GB" dirty="0"/>
+              <a:rPr lang="en-GB" dirty="0"/>
+              <a:t>the Q-function is the expected reward given the sampled action</a:t>
+            </a:r>
           </a:p>
           <a:p>
             <a:r>
@@ -17026,48 +17671,41 @@
             <a:pPr lvl="1"/>
             <a:r>
               <a:rPr lang="en-GB" dirty="0"/>
-              <a:t>we can remove "cumulative”: there’s only a single time step</a:t>
+              <a:t>we can </a:t>
+            </a:r>
+            <a:r>
+              <a:rPr lang="en-GB" b="1" dirty="0"/>
+              <a:t>remove "cumulative”</a:t>
+            </a:r>
+            <a:r>
+              <a:rPr lang="en-GB" dirty="0"/>
+              <a:t>: there’s only a single time step</a:t>
             </a:r>
           </a:p>
           <a:p>
             <a:pPr lvl="1"/>
             <a:r>
               <a:rPr lang="en-GB" dirty="0"/>
-              <a:t>we can remove "discounted”: there are no next states to account for </a:t>
+              <a:t>we can </a:t>
+            </a:r>
+            <a:r>
+              <a:rPr lang="en-GB" b="1" dirty="0"/>
+              <a:t>remove "discounted”</a:t>
+            </a:r>
+            <a:r>
+              <a:rPr lang="en-GB" dirty="0"/>
+              <a:t>: there are no next states to account for </a:t>
             </a:r>
           </a:p>
           <a:p>
             <a:pPr lvl="1"/>
             <a:r>
-              <a:rPr lang="en-GB" dirty="0"/>
-              <a:t>expected stays there: there’s stochasticity in the environment</a:t>
-            </a:r>
-          </a:p>
-          <a:p>
-            <a:pPr lvl="0"/>
-            <a:r>
-              <a:rPr lang="en-GB" b="1" dirty="0">
-                <a:highlight>
-                  <a:srgbClr val="FFFF00"/>
-                </a:highlight>
-              </a:rPr>
-              <a:t>See “</a:t>
-            </a:r>
-            <a:r>
-              <a:rPr lang="en-GB" b="1" dirty="0" err="1">
-                <a:highlight>
-                  <a:srgbClr val="FFFF00"/>
-                </a:highlight>
-              </a:rPr>
-              <a:t>notebook.ipynb</a:t>
-            </a:r>
-            <a:r>
-              <a:rPr lang="en-GB" b="1" dirty="0">
-                <a:highlight>
-                  <a:srgbClr val="FFFF00"/>
-                </a:highlight>
-              </a:rPr>
-              <a:t>”</a:t>
+              <a:rPr lang="en-GB" b="1" dirty="0"/>
+              <a:t>expected stays</a:t>
+            </a:r>
+            <a:r>
+              <a:rPr lang="en-GB" dirty="0"/>
+              <a:t> there: there’s stochasticity in the environment</a:t>
             </a:r>
           </a:p>
           <a:p>
@@ -17105,7 +17743,7 @@
         </p:blipFill>
         <p:spPr>
           <a:xfrm>
-            <a:off x="630137" y="4077195"/>
+            <a:off x="5349781" y="2851207"/>
             <a:ext cx="2221922" cy="290946"/>
           </a:xfrm>
           <a:prstGeom prst="rect">
@@ -17115,10 +17753,10 @@
       </p:pic>
       <p:pic>
         <p:nvPicPr>
-          <p:cNvPr id="5" name="Immagine 4">
+          <p:cNvPr id="4" name="Immagine 3">
             <a:extLst>
               <a:ext uri="{FF2B5EF4-FFF2-40B4-BE49-F238E27FC236}">
-                <a16:creationId xmlns:a16="http://schemas.microsoft.com/office/drawing/2014/main" id="{A40036FA-73ED-DA68-B57E-5B918FFF8C6A}"/>
+                <a16:creationId xmlns:a16="http://schemas.microsoft.com/office/drawing/2014/main" id="{B6D5C3F8-D725-CF80-C48C-CE3CDBF4E7D1}"/>
               </a:ext>
             </a:extLst>
           </p:cNvPr>
@@ -17135,8 +17773,8 @@
         </p:blipFill>
         <p:spPr>
           <a:xfrm>
-            <a:off x="6016323" y="936209"/>
-            <a:ext cx="2815977" cy="1800639"/>
+            <a:off x="1415094" y="2103046"/>
+            <a:ext cx="3949574" cy="1959287"/>
           </a:xfrm>
           <a:prstGeom prst="rect">
             <a:avLst/>
@@ -17209,10 +17847,10 @@
       </p:sp>
       <p:pic>
         <p:nvPicPr>
-          <p:cNvPr id="6" name="Immagine 5">
+          <p:cNvPr id="2" name="Immagine 1" descr="Immagine che contiene Carattere, Elementi grafici, logo, cerchio&#10;&#10;Descrizione generata automaticamente">
             <a:extLst>
               <a:ext uri="{FF2B5EF4-FFF2-40B4-BE49-F238E27FC236}">
-                <a16:creationId xmlns:a16="http://schemas.microsoft.com/office/drawing/2014/main" id="{EACD3C60-29B6-1129-5613-1F1849E3E10D}"/>
+                <a16:creationId xmlns:a16="http://schemas.microsoft.com/office/drawing/2014/main" id="{956D1750-AF73-2EE1-808A-1B03FEECB59B}"/>
               </a:ext>
             </a:extLst>
           </p:cNvPr>
@@ -17229,8 +17867,38 @@
         </p:blipFill>
         <p:spPr>
           <a:xfrm>
-            <a:off x="173085" y="1154368"/>
-            <a:ext cx="8482369" cy="5094031"/>
+            <a:off x="8661328" y="65196"/>
+            <a:ext cx="407258" cy="495579"/>
+          </a:xfrm>
+          <a:prstGeom prst="rect">
+            <a:avLst/>
+          </a:prstGeom>
+        </p:spPr>
+      </p:pic>
+      <p:pic>
+        <p:nvPicPr>
+          <p:cNvPr id="4" name="Immagine 3">
+            <a:extLst>
+              <a:ext uri="{FF2B5EF4-FFF2-40B4-BE49-F238E27FC236}">
+                <a16:creationId xmlns:a16="http://schemas.microsoft.com/office/drawing/2014/main" id="{E1FC8DF4-159D-249C-2A58-53ED9B0A7D2D}"/>
+              </a:ext>
+            </a:extLst>
+          </p:cNvPr>
+          <p:cNvPicPr>
+            <a:picLocks noChangeAspect="1"/>
+          </p:cNvPicPr>
+          <p:nvPr/>
+        </p:nvPicPr>
+        <p:blipFill>
+          <a:blip r:embed="rId4"/>
+          <a:stretch>
+            <a:fillRect/>
+          </a:stretch>
+        </p:blipFill>
+        <p:spPr>
+          <a:xfrm>
+            <a:off x="201647" y="1183872"/>
+            <a:ext cx="8740706" cy="5252895"/>
           </a:xfrm>
           <a:prstGeom prst="rect">
             <a:avLst/>
@@ -17579,10 +18247,10 @@
       </p:sp>
       <p:pic>
         <p:nvPicPr>
-          <p:cNvPr id="4" name="Immagine 3">
+          <p:cNvPr id="6" name="Immagine 5" descr="Immagine che contiene diagramma, Carattere, bianco, schizzo&#10;&#10;Descrizione generata automaticamente">
             <a:extLst>
               <a:ext uri="{FF2B5EF4-FFF2-40B4-BE49-F238E27FC236}">
-                <a16:creationId xmlns:a16="http://schemas.microsoft.com/office/drawing/2014/main" id="{E92C38B0-EDBF-C0A5-25FD-9A2FDA5D907D}"/>
+                <a16:creationId xmlns:a16="http://schemas.microsoft.com/office/drawing/2014/main" id="{725B3AEF-6E87-161D-261C-743747E96446}"/>
               </a:ext>
             </a:extLst>
           </p:cNvPr>
@@ -17599,8 +18267,8 @@
         </p:blipFill>
         <p:spPr>
           <a:xfrm>
-            <a:off x="654049" y="3088505"/>
-            <a:ext cx="2425778" cy="1472293"/>
+            <a:off x="869950" y="3297602"/>
+            <a:ext cx="1841500" cy="1054100"/>
           </a:xfrm>
           <a:prstGeom prst="rect">
             <a:avLst/>
@@ -17756,11 +18424,11 @@
             </a:r>
             <a:r>
               <a:rPr lang="en-GB" baseline="-25000" dirty="0"/>
-              <a:t>𝑛</a:t>
-            </a:r>
-            <a:r>
-              <a:rPr lang="en-GB" dirty="0"/>
-              <a:t> denote the estimate of its value after it has been selected 𝑛−1 times</a:t>
+              <a:t>t</a:t>
+            </a:r>
+            <a:r>
+              <a:rPr lang="en-GB" dirty="0"/>
+              <a:t> denote the estimate of its value after it has been selected t−1 times</a:t>
             </a:r>
           </a:p>
           <a:p>
@@ -17788,11 +18456,11 @@
             </a:r>
             <a:r>
               <a:rPr lang="en-GB" baseline="-25000" dirty="0"/>
-              <a:t>𝑛</a:t>
-            </a:r>
-            <a:r>
-              <a:rPr lang="en-GB" dirty="0"/>
-              <a:t> and 𝑛 and only this small computation for each new reward</a:t>
+              <a:t>t</a:t>
+            </a:r>
+            <a:r>
+              <a:rPr lang="en-GB" dirty="0"/>
+              <a:t> and t and only this small computation for each new reward</a:t>
             </a:r>
           </a:p>
           <a:p>
@@ -17862,10 +18530,10 @@
       </p:sp>
       <p:pic>
         <p:nvPicPr>
-          <p:cNvPr id="4" name="Immagine 3">
+          <p:cNvPr id="3" name="Immagine 2" descr="Immagine che contiene testo, Carattere, calligrafia, bianco&#10;&#10;Descrizione generata automaticamente">
             <a:extLst>
               <a:ext uri="{FF2B5EF4-FFF2-40B4-BE49-F238E27FC236}">
-                <a16:creationId xmlns:a16="http://schemas.microsoft.com/office/drawing/2014/main" id="{41F99557-D32B-F3E7-D185-B0CD81652DE5}"/>
+                <a16:creationId xmlns:a16="http://schemas.microsoft.com/office/drawing/2014/main" id="{0109B367-6FF3-A401-8673-264F87782CCF}"/>
               </a:ext>
             </a:extLst>
           </p:cNvPr>
@@ -17882,8 +18550,8 @@
         </p:blipFill>
         <p:spPr>
           <a:xfrm>
-            <a:off x="838200" y="2914106"/>
-            <a:ext cx="7772400" cy="1407434"/>
+            <a:off x="795316" y="3028950"/>
+            <a:ext cx="7553368" cy="1206000"/>
           </a:xfrm>
           <a:prstGeom prst="rect">
             <a:avLst/>
@@ -18082,10 +18750,10 @@
       </p:sp>
       <p:pic>
         <p:nvPicPr>
-          <p:cNvPr id="3" name="Immagine 2">
+          <p:cNvPr id="10" name="Immagine 9">
             <a:extLst>
               <a:ext uri="{FF2B5EF4-FFF2-40B4-BE49-F238E27FC236}">
-                <a16:creationId xmlns:a16="http://schemas.microsoft.com/office/drawing/2014/main" id="{338FC879-6433-B585-5128-156B012FD594}"/>
+                <a16:creationId xmlns:a16="http://schemas.microsoft.com/office/drawing/2014/main" id="{193457A0-2CBD-4AE6-AD80-F33066E6E82E}"/>
               </a:ext>
             </a:extLst>
           </p:cNvPr>
@@ -18102,8 +18770,8 @@
         </p:blipFill>
         <p:spPr>
           <a:xfrm>
-            <a:off x="701963" y="3080327"/>
-            <a:ext cx="2041237" cy="284596"/>
+            <a:off x="3210632" y="3128780"/>
+            <a:ext cx="952500" cy="330200"/>
           </a:xfrm>
           <a:prstGeom prst="rect">
             <a:avLst/>
@@ -18112,10 +18780,10 @@
       </p:pic>
       <p:pic>
         <p:nvPicPr>
-          <p:cNvPr id="5" name="Immagine 4">
+          <p:cNvPr id="3" name="Immagine 2" descr="Immagine che contiene Carattere, tipografia, calligrafia, bianco&#10;&#10;Descrizione generata automaticamente">
             <a:extLst>
               <a:ext uri="{FF2B5EF4-FFF2-40B4-BE49-F238E27FC236}">
-                <a16:creationId xmlns:a16="http://schemas.microsoft.com/office/drawing/2014/main" id="{291E6138-A04C-539C-57F8-365C51256A4F}"/>
+                <a16:creationId xmlns:a16="http://schemas.microsoft.com/office/drawing/2014/main" id="{3C6145F1-A39B-ADE4-029B-32D624BD0B0F}"/>
               </a:ext>
             </a:extLst>
           </p:cNvPr>
@@ -18132,8 +18800,8 @@
         </p:blipFill>
         <p:spPr>
           <a:xfrm>
-            <a:off x="2866446" y="3098785"/>
-            <a:ext cx="831933" cy="255252"/>
+            <a:off x="715141" y="3104126"/>
+            <a:ext cx="1943100" cy="406400"/>
           </a:xfrm>
           <a:prstGeom prst="rect">
             <a:avLst/>
@@ -18142,10 +18810,10 @@
       </p:pic>
       <p:pic>
         <p:nvPicPr>
-          <p:cNvPr id="7" name="Immagine 6">
+          <p:cNvPr id="6" name="Immagine 5">
             <a:extLst>
               <a:ext uri="{FF2B5EF4-FFF2-40B4-BE49-F238E27FC236}">
-                <a16:creationId xmlns:a16="http://schemas.microsoft.com/office/drawing/2014/main" id="{85B7A3E1-F6B3-F305-23F9-9DAAC8D0586C}"/>
+                <a16:creationId xmlns:a16="http://schemas.microsoft.com/office/drawing/2014/main" id="{97FCB3A5-6F60-6C09-AE34-DCA68ED7754D}"/>
               </a:ext>
             </a:extLst>
           </p:cNvPr>
@@ -18162,8 +18830,8 @@
         </p:blipFill>
         <p:spPr>
           <a:xfrm>
-            <a:off x="701963" y="4049506"/>
-            <a:ext cx="6164695" cy="2387261"/>
+            <a:off x="715141" y="3924661"/>
+            <a:ext cx="6197600" cy="2247900"/>
           </a:xfrm>
           <a:prstGeom prst="rect">
             <a:avLst/>
